--- a/Flutter features.pptx
+++ b/Flutter features.pptx
@@ -5,24 +5,33 @@
     <p:sldMasterId id="2147483660" r:id="rId1"/>
   </p:sldMasterIdLst>
   <p:notesMasterIdLst>
-    <p:notesMasterId r:id="rId17"/>
+    <p:notesMasterId r:id="rId26"/>
   </p:notesMasterIdLst>
   <p:sldIdLst>
     <p:sldId id="256" r:id="rId2"/>
     <p:sldId id="258" r:id="rId3"/>
-    <p:sldId id="260" r:id="rId4"/>
-    <p:sldId id="259" r:id="rId5"/>
-    <p:sldId id="321" r:id="rId6"/>
-    <p:sldId id="320" r:id="rId7"/>
-    <p:sldId id="319" r:id="rId8"/>
-    <p:sldId id="318" r:id="rId9"/>
-    <p:sldId id="323" r:id="rId10"/>
-    <p:sldId id="322" r:id="rId11"/>
-    <p:sldId id="316" r:id="rId12"/>
-    <p:sldId id="317" r:id="rId13"/>
-    <p:sldId id="313" r:id="rId14"/>
-    <p:sldId id="315" r:id="rId15"/>
-    <p:sldId id="314" r:id="rId16"/>
+    <p:sldId id="325" r:id="rId4"/>
+    <p:sldId id="260" r:id="rId5"/>
+    <p:sldId id="259" r:id="rId6"/>
+    <p:sldId id="324" r:id="rId7"/>
+    <p:sldId id="321" r:id="rId8"/>
+    <p:sldId id="320" r:id="rId9"/>
+    <p:sldId id="326" r:id="rId10"/>
+    <p:sldId id="327" r:id="rId11"/>
+    <p:sldId id="319" r:id="rId12"/>
+    <p:sldId id="318" r:id="rId13"/>
+    <p:sldId id="323" r:id="rId14"/>
+    <p:sldId id="316" r:id="rId15"/>
+    <p:sldId id="317" r:id="rId16"/>
+    <p:sldId id="313" r:id="rId17"/>
+    <p:sldId id="315" r:id="rId18"/>
+    <p:sldId id="329" r:id="rId19"/>
+    <p:sldId id="330" r:id="rId20"/>
+    <p:sldId id="331" r:id="rId21"/>
+    <p:sldId id="332" r:id="rId22"/>
+    <p:sldId id="333" r:id="rId23"/>
+    <p:sldId id="328" r:id="rId24"/>
+    <p:sldId id="314" r:id="rId25"/>
   </p:sldIdLst>
   <p:sldSz cx="12192000" cy="6858000"/>
   <p:notesSz cx="6858000" cy="9144000"/>
@@ -129,6 +138,18 @@
 </p:presentation>
 </file>
 
+<file path=ppt/commentAuthors.xml><?xml version="1.0" encoding="utf-8"?>
+<p:cmAuthorLst xmlns:a="http://schemas.openxmlformats.org/drawingml/2006/main" xmlns:r="http://schemas.openxmlformats.org/officeDocument/2006/relationships" xmlns:p="http://schemas.openxmlformats.org/presentationml/2006/main">
+  <p:cmAuthor id="1" name="Sant, Dhawal (Cognizant)" initials="SD(" lastIdx="7" clrIdx="0">
+    <p:extLst>
+      <p:ext uri="{19B8F6BF-5375-455C-9EA6-DF929625EA0E}">
+        <p15:presenceInfo xmlns:p15="http://schemas.microsoft.com/office/powerpoint/2012/main" userId="Sant, Dhawal (Cognizant)" providerId="None"/>
+      </p:ext>
+    </p:extLst>
+  </p:cmAuthor>
+</p:cmAuthorLst>
+</file>
+
 <file path=ppt/notesMasters/notesMaster1.xml><?xml version="1.0" encoding="utf-8"?>
 <p:notesMaster xmlns:a="http://schemas.openxmlformats.org/drawingml/2006/main" xmlns:r="http://schemas.openxmlformats.org/officeDocument/2006/relationships" xmlns:p="http://schemas.openxmlformats.org/presentationml/2006/main">
   <p:cSld>
@@ -211,7 +232,7 @@
           <a:p>
             <a:fld id="{39BB876B-C014-424A-93F0-7F3795E98CE4}" type="datetimeFigureOut">
               <a:rPr lang="en-US" smtClean="0"/>
-              <a:t>1/16/20</a:t>
+              <a:t>2/13/20</a:t>
             </a:fld>
             <a:endParaRPr lang="en-US"/>
           </a:p>
@@ -543,7 +564,91 @@
           <a:p>
             <a:fld id="{6E19ACB2-667C-4F44-ADF3-29295C9B4828}" type="slidenum">
               <a:rPr lang="en-US" smtClean="0"/>
-              <a:t>9</a:t>
+              <a:t>6</a:t>
+            </a:fld>
+            <a:endParaRPr lang="en-US"/>
+          </a:p>
+        </p:txBody>
+      </p:sp>
+    </p:spTree>
+    <p:extLst>
+      <p:ext uri="{BB962C8B-B14F-4D97-AF65-F5344CB8AC3E}">
+        <p14:creationId xmlns:p14="http://schemas.microsoft.com/office/powerpoint/2010/main" val="1712626325"/>
+      </p:ext>
+    </p:extLst>
+  </p:cSld>
+  <p:clrMapOvr>
+    <a:masterClrMapping/>
+  </p:clrMapOvr>
+</p:notes>
+</file>
+
+<file path=ppt/notesSlides/notesSlide2.xml><?xml version="1.0" encoding="utf-8"?>
+<p:notes xmlns:a="http://schemas.openxmlformats.org/drawingml/2006/main" xmlns:r="http://schemas.openxmlformats.org/officeDocument/2006/relationships" xmlns:p="http://schemas.openxmlformats.org/presentationml/2006/main">
+  <p:cSld>
+    <p:spTree>
+      <p:nvGrpSpPr>
+        <p:cNvPr id="1" name=""/>
+        <p:cNvGrpSpPr/>
+        <p:nvPr/>
+      </p:nvGrpSpPr>
+      <p:grpSpPr>
+        <a:xfrm>
+          <a:off x="0" y="0"/>
+          <a:ext cx="0" cy="0"/>
+          <a:chOff x="0" y="0"/>
+          <a:chExt cx="0" cy="0"/>
+        </a:xfrm>
+      </p:grpSpPr>
+      <p:sp>
+        <p:nvSpPr>
+          <p:cNvPr id="2" name="Slide Image Placeholder 1"/>
+          <p:cNvSpPr>
+            <a:spLocks noGrp="1" noRot="1" noChangeAspect="1"/>
+          </p:cNvSpPr>
+          <p:nvPr>
+            <p:ph type="sldImg"/>
+          </p:nvPr>
+        </p:nvSpPr>
+        <p:spPr/>
+      </p:sp>
+      <p:sp>
+        <p:nvSpPr>
+          <p:cNvPr id="3" name="Notes Placeholder 2"/>
+          <p:cNvSpPr>
+            <a:spLocks noGrp="1"/>
+          </p:cNvSpPr>
+          <p:nvPr>
+            <p:ph type="body" idx="1"/>
+          </p:nvPr>
+        </p:nvSpPr>
+        <p:spPr/>
+        <p:txBody>
+          <a:bodyPr/>
+          <a:lstStyle/>
+          <a:p>
+            <a:endParaRPr lang="en-US" dirty="0"/>
+          </a:p>
+        </p:txBody>
+      </p:sp>
+      <p:sp>
+        <p:nvSpPr>
+          <p:cNvPr id="4" name="Slide Number Placeholder 3"/>
+          <p:cNvSpPr>
+            <a:spLocks noGrp="1"/>
+          </p:cNvSpPr>
+          <p:nvPr>
+            <p:ph type="sldNum" sz="quarter" idx="5"/>
+          </p:nvPr>
+        </p:nvSpPr>
+        <p:spPr/>
+        <p:txBody>
+          <a:bodyPr/>
+          <a:lstStyle/>
+          <a:p>
+            <a:fld id="{6E19ACB2-667C-4F44-ADF3-29295C9B4828}" type="slidenum">
+              <a:rPr lang="en-US" smtClean="0"/>
+              <a:t>13</a:t>
             </a:fld>
             <a:endParaRPr lang="en-US"/>
           </a:p>
@@ -693,7 +798,7 @@
           <a:p>
             <a:fld id="{4C077E52-F512-CB43-BD9F-418B3EB123F3}" type="datetimeFigureOut">
               <a:rPr lang="en-US" smtClean="0"/>
-              <a:t>1/16/20</a:t>
+              <a:t>2/13/20</a:t>
             </a:fld>
             <a:endParaRPr lang="en-US"/>
           </a:p>
@@ -863,7 +968,7 @@
           <a:p>
             <a:fld id="{4C077E52-F512-CB43-BD9F-418B3EB123F3}" type="datetimeFigureOut">
               <a:rPr lang="en-US" smtClean="0"/>
-              <a:t>1/16/20</a:t>
+              <a:t>2/13/20</a:t>
             </a:fld>
             <a:endParaRPr lang="en-US"/>
           </a:p>
@@ -1043,7 +1148,7 @@
           <a:p>
             <a:fld id="{4C077E52-F512-CB43-BD9F-418B3EB123F3}" type="datetimeFigureOut">
               <a:rPr lang="en-US" smtClean="0"/>
-              <a:t>1/16/20</a:t>
+              <a:t>2/13/20</a:t>
             </a:fld>
             <a:endParaRPr lang="en-US"/>
           </a:p>
@@ -1213,7 +1318,7 @@
           <a:p>
             <a:fld id="{4C077E52-F512-CB43-BD9F-418B3EB123F3}" type="datetimeFigureOut">
               <a:rPr lang="en-US" smtClean="0"/>
-              <a:t>1/16/20</a:t>
+              <a:t>2/13/20</a:t>
             </a:fld>
             <a:endParaRPr lang="en-US"/>
           </a:p>
@@ -1459,7 +1564,7 @@
           <a:p>
             <a:fld id="{4C077E52-F512-CB43-BD9F-418B3EB123F3}" type="datetimeFigureOut">
               <a:rPr lang="en-US" smtClean="0"/>
-              <a:t>1/16/20</a:t>
+              <a:t>2/13/20</a:t>
             </a:fld>
             <a:endParaRPr lang="en-US"/>
           </a:p>
@@ -1691,7 +1796,7 @@
           <a:p>
             <a:fld id="{4C077E52-F512-CB43-BD9F-418B3EB123F3}" type="datetimeFigureOut">
               <a:rPr lang="en-US" smtClean="0"/>
-              <a:t>1/16/20</a:t>
+              <a:t>2/13/20</a:t>
             </a:fld>
             <a:endParaRPr lang="en-US"/>
           </a:p>
@@ -2058,7 +2163,7 @@
           <a:p>
             <a:fld id="{4C077E52-F512-CB43-BD9F-418B3EB123F3}" type="datetimeFigureOut">
               <a:rPr lang="en-US" smtClean="0"/>
-              <a:t>1/16/20</a:t>
+              <a:t>2/13/20</a:t>
             </a:fld>
             <a:endParaRPr lang="en-US"/>
           </a:p>
@@ -2176,7 +2281,7 @@
           <a:p>
             <a:fld id="{4C077E52-F512-CB43-BD9F-418B3EB123F3}" type="datetimeFigureOut">
               <a:rPr lang="en-US" smtClean="0"/>
-              <a:t>1/16/20</a:t>
+              <a:t>2/13/20</a:t>
             </a:fld>
             <a:endParaRPr lang="en-US"/>
           </a:p>
@@ -2271,7 +2376,7 @@
           <a:p>
             <a:fld id="{4C077E52-F512-CB43-BD9F-418B3EB123F3}" type="datetimeFigureOut">
               <a:rPr lang="en-US" smtClean="0"/>
-              <a:t>1/16/20</a:t>
+              <a:t>2/13/20</a:t>
             </a:fld>
             <a:endParaRPr lang="en-US"/>
           </a:p>
@@ -2548,7 +2653,7 @@
           <a:p>
             <a:fld id="{4C077E52-F512-CB43-BD9F-418B3EB123F3}" type="datetimeFigureOut">
               <a:rPr lang="en-US" smtClean="0"/>
-              <a:t>1/16/20</a:t>
+              <a:t>2/13/20</a:t>
             </a:fld>
             <a:endParaRPr lang="en-US"/>
           </a:p>
@@ -2805,7 +2910,7 @@
           <a:p>
             <a:fld id="{4C077E52-F512-CB43-BD9F-418B3EB123F3}" type="datetimeFigureOut">
               <a:rPr lang="en-US" smtClean="0"/>
-              <a:t>1/16/20</a:t>
+              <a:t>2/13/20</a:t>
             </a:fld>
             <a:endParaRPr lang="en-US"/>
           </a:p>
@@ -3018,7 +3123,7 @@
           <a:p>
             <a:fld id="{4C077E52-F512-CB43-BD9F-418B3EB123F3}" type="datetimeFigureOut">
               <a:rPr lang="en-US" smtClean="0"/>
-              <a:t>1/16/20</a:t>
+              <a:t>2/13/20</a:t>
             </a:fld>
             <a:endParaRPr lang="en-US"/>
           </a:p>
@@ -3488,7 +3593,7 @@
           <p:cNvPr id="2" name="Title 1">
             <a:extLst>
               <a:ext uri="{FF2B5EF4-FFF2-40B4-BE49-F238E27FC236}">
-                <a16:creationId xmlns:a16="http://schemas.microsoft.com/office/drawing/2014/main" id="{77DD4871-3663-F348-AD59-2E07AD85DB05}"/>
+                <a16:creationId xmlns:a16="http://schemas.microsoft.com/office/drawing/2014/main" id="{815342E9-243C-8A48-855D-911117B8E620}"/>
               </a:ext>
             </a:extLst>
           </p:cNvPr>
@@ -3499,107 +3604,62 @@
             <p:ph type="title"/>
           </p:nvPr>
         </p:nvSpPr>
-        <p:spPr/>
-        <p:txBody>
-          <a:bodyPr/>
-          <a:lstStyle/>
-          <a:p>
-            <a:r>
-              <a:rPr lang="en-US" dirty="0"/>
-              <a:t>Testing</a:t>
-            </a:r>
-          </a:p>
-        </p:txBody>
-      </p:sp>
-      <p:sp>
-        <p:nvSpPr>
-          <p:cNvPr id="3" name="Content Placeholder 2">
+        <p:spPr>
+          <a:xfrm>
+            <a:off x="838200" y="273685"/>
+            <a:ext cx="10515600" cy="671195"/>
+          </a:xfrm>
+        </p:spPr>
+        <p:txBody>
+          <a:bodyPr>
+            <a:normAutofit fontScale="90000"/>
+          </a:bodyPr>
+          <a:lstStyle/>
+          <a:p>
+            <a:r>
+              <a:rPr lang="en-IN" dirty="0"/>
+              <a:t>Stateful widget</a:t>
+            </a:r>
+            <a:br>
+              <a:rPr lang="en-IN" dirty="0"/>
+            </a:br>
+            <a:endParaRPr lang="en-US" dirty="0"/>
+          </a:p>
+        </p:txBody>
+      </p:sp>
+      <p:pic>
+        <p:nvPicPr>
+          <p:cNvPr id="11" name="Content Placeholder 10">
             <a:extLst>
               <a:ext uri="{FF2B5EF4-FFF2-40B4-BE49-F238E27FC236}">
-                <a16:creationId xmlns:a16="http://schemas.microsoft.com/office/drawing/2014/main" id="{7117103A-8179-724D-B334-AC7535088F96}"/>
+                <a16:creationId xmlns:a16="http://schemas.microsoft.com/office/drawing/2014/main" id="{B27C779B-8C7D-2B40-BF0D-517229A8E91A}"/>
               </a:ext>
             </a:extLst>
           </p:cNvPr>
-          <p:cNvSpPr>
-            <a:spLocks noGrp="1"/>
-          </p:cNvSpPr>
+          <p:cNvPicPr>
+            <a:picLocks noGrp="1" noChangeAspect="1"/>
+          </p:cNvPicPr>
           <p:nvPr>
             <p:ph idx="1"/>
           </p:nvPr>
-        </p:nvSpPr>
-        <p:spPr/>
-        <p:txBody>
-          <a:bodyPr/>
-          <a:lstStyle/>
-          <a:p>
-            <a:r>
-              <a:rPr lang="en-IN" dirty="0"/>
-              <a:t>A </a:t>
-            </a:r>
-            <a:r>
-              <a:rPr lang="en-IN" i="1" dirty="0">
-                <a:hlinkClick r:id="rId2"/>
-              </a:rPr>
-              <a:t>unit test</a:t>
-            </a:r>
-            <a:r>
-              <a:rPr lang="en-IN" dirty="0"/>
-              <a:t> tests a single function, method, or class.</a:t>
-            </a:r>
-          </a:p>
-          <a:p>
-            <a:pPr marL="0" indent="0">
-              <a:buNone/>
-            </a:pPr>
-            <a:endParaRPr lang="en-IN" dirty="0"/>
-          </a:p>
-          <a:p>
-            <a:r>
-              <a:rPr lang="en-IN" dirty="0"/>
-              <a:t>A </a:t>
-            </a:r>
-            <a:r>
-              <a:rPr lang="en-IN" i="1" dirty="0">
-                <a:hlinkClick r:id="rId3"/>
-              </a:rPr>
-              <a:t>widget test</a:t>
-            </a:r>
-            <a:r>
-              <a:rPr lang="en-IN" dirty="0"/>
-              <a:t> tests a single widget.</a:t>
-            </a:r>
-          </a:p>
-          <a:p>
-            <a:endParaRPr lang="en-IN" dirty="0"/>
-          </a:p>
-          <a:p>
-            <a:r>
-              <a:rPr lang="en-IN" dirty="0"/>
-              <a:t>An </a:t>
-            </a:r>
-            <a:r>
-              <a:rPr lang="en-IN" i="1" dirty="0">
-                <a:hlinkClick r:id="rId4"/>
-              </a:rPr>
-              <a:t>integration test</a:t>
-            </a:r>
-            <a:r>
-              <a:rPr lang="en-IN" dirty="0"/>
-              <a:t> tests a complete app or a large part of an app.</a:t>
-            </a:r>
-          </a:p>
-          <a:p>
-            <a:pPr marL="0" indent="0">
-              <a:buNone/>
-            </a:pPr>
-            <a:endParaRPr lang="en-US" dirty="0"/>
-          </a:p>
-        </p:txBody>
-      </p:sp>
+        </p:nvPicPr>
+        <p:blipFill>
+          <a:blip r:embed="rId2"/>
+          <a:stretch>
+            <a:fillRect/>
+          </a:stretch>
+        </p:blipFill>
+        <p:spPr>
+          <a:xfrm>
+            <a:off x="838200" y="702799"/>
+            <a:ext cx="5280524" cy="5375883"/>
+          </a:xfrm>
+        </p:spPr>
+      </p:pic>
     </p:spTree>
     <p:extLst>
       <p:ext uri="{BB962C8B-B14F-4D97-AF65-F5344CB8AC3E}">
-        <p14:creationId xmlns:p14="http://schemas.microsoft.com/office/powerpoint/2010/main" val="3934209199"/>
+        <p14:creationId xmlns:p14="http://schemas.microsoft.com/office/powerpoint/2010/main" val="2592056561"/>
       </p:ext>
     </p:extLst>
   </p:cSld>
@@ -3631,7 +3691,7 @@
           <p:cNvPr id="2" name="Title 1">
             <a:extLst>
               <a:ext uri="{FF2B5EF4-FFF2-40B4-BE49-F238E27FC236}">
-                <a16:creationId xmlns:a16="http://schemas.microsoft.com/office/drawing/2014/main" id="{AD2969A2-DB70-F346-A285-55C050ED702A}"/>
+                <a16:creationId xmlns:a16="http://schemas.microsoft.com/office/drawing/2014/main" id="{3039BBAA-8078-DA40-8360-93FF7535EB1C}"/>
               </a:ext>
             </a:extLst>
           </p:cNvPr>
@@ -3649,7 +3709,7 @@
           <a:p>
             <a:r>
               <a:rPr lang="en-US" dirty="0"/>
-              <a:t>Pros</a:t>
+              <a:t>Installation</a:t>
             </a:r>
           </a:p>
         </p:txBody>
@@ -3659,7 +3719,7 @@
           <p:cNvPr id="3" name="Content Placeholder 2">
             <a:extLst>
               <a:ext uri="{FF2B5EF4-FFF2-40B4-BE49-F238E27FC236}">
-                <a16:creationId xmlns:a16="http://schemas.microsoft.com/office/drawing/2014/main" id="{F3733D75-49C8-0C4F-BB2E-F743F0B575A7}"/>
+                <a16:creationId xmlns:a16="http://schemas.microsoft.com/office/drawing/2014/main" id="{6E6C90F0-403A-FB4A-9ECC-C18A43CB096B}"/>
               </a:ext>
             </a:extLst>
           </p:cNvPr>
@@ -3672,130 +3732,41 @@
         </p:nvSpPr>
         <p:spPr/>
         <p:txBody>
-          <a:bodyPr>
-            <a:normAutofit/>
-          </a:bodyPr>
-          <a:lstStyle/>
-          <a:p>
-            <a:pPr marL="285750" indent="-285750" algn="just"/>
+          <a:bodyPr/>
+          <a:lstStyle/>
+          <a:p>
             <a:r>
               <a:rPr lang="en-US" dirty="0">
-                <a:solidFill>
-                  <a:schemeClr val="accent5">
-                    <a:lumMod val="10000"/>
-                  </a:schemeClr>
-                </a:solidFill>
-                <a:cs typeface="Calibri" panose="020F0502020204030204" pitchFamily="34" charset="0"/>
+                <a:hlinkClick r:id="rId2"/>
               </a:rPr>
-              <a:t>Ready-made and custom widgets for fast UI coding</a:t>
-            </a:r>
-          </a:p>
-          <a:p>
-            <a:pPr marL="285750" indent="-285750" algn="just"/>
+              <a:t>https://</a:t>
+            </a:r>
+            <a:r>
+              <a:rPr lang="en-US" dirty="0" err="1">
+                <a:hlinkClick r:id="rId2"/>
+              </a:rPr>
+              <a:t>flutter.dev</a:t>
+            </a:r>
             <a:r>
               <a:rPr lang="en-US" dirty="0">
-                <a:solidFill>
-                  <a:schemeClr val="accent5">
-                    <a:lumMod val="10000"/>
-                  </a:schemeClr>
-                </a:solidFill>
-                <a:cs typeface="Calibri"/>
+                <a:hlinkClick r:id="rId2"/>
               </a:rPr>
-              <a:t>Single codebase for web, mobile and embedded platforms</a:t>
-            </a:r>
-          </a:p>
-          <a:p>
-            <a:pPr marL="285750" indent="-285750" algn="just"/>
-            <a:r>
-              <a:rPr lang="en-US" dirty="0">
-                <a:solidFill>
-                  <a:schemeClr val="accent5">
-                    <a:lumMod val="10000"/>
-                  </a:schemeClr>
-                </a:solidFill>
-                <a:cs typeface="Calibri" panose="020F0502020204030204" pitchFamily="34" charset="0"/>
+              <a:t>/docs/get-started/install/</a:t>
+            </a:r>
+            <a:r>
+              <a:rPr lang="en-US" dirty="0" err="1">
+                <a:hlinkClick r:id="rId2"/>
               </a:rPr>
-              <a:t>Dart – simple and effective language targeted at Java programmers</a:t>
-            </a:r>
-          </a:p>
-          <a:p>
-            <a:pPr marL="285750" indent="-285750" algn="just"/>
-            <a:r>
-              <a:rPr lang="en-US" dirty="0">
-                <a:solidFill>
-                  <a:schemeClr val="accent5">
-                    <a:lumMod val="10000"/>
-                  </a:schemeClr>
-                </a:solidFill>
-                <a:cs typeface="Calibri" panose="020F0502020204030204" pitchFamily="34" charset="0"/>
-              </a:rPr>
-              <a:t>Hot reload function for instantaneous updates</a:t>
-            </a:r>
-          </a:p>
-          <a:p>
-            <a:pPr marL="285750" indent="-285750" algn="just"/>
-            <a:r>
-              <a:rPr lang="en-US" dirty="0">
-                <a:solidFill>
-                  <a:schemeClr val="accent5">
-                    <a:lumMod val="10000"/>
-                  </a:schemeClr>
-                </a:solidFill>
-                <a:cs typeface="Calibri" panose="020F0502020204030204" pitchFamily="34" charset="0"/>
-              </a:rPr>
-              <a:t>The mildest learning curve and a growing community</a:t>
-            </a:r>
-          </a:p>
-          <a:p>
-            <a:pPr marL="285750" indent="-285750" algn="just"/>
-            <a:r>
-              <a:rPr lang="en-IN" dirty="0"/>
-              <a:t>More Firebase APIs assistance</a:t>
-            </a:r>
-            <a:endParaRPr lang="en-US" dirty="0">
-              <a:solidFill>
-                <a:schemeClr val="accent5">
-                  <a:lumMod val="10000"/>
-                </a:schemeClr>
-              </a:solidFill>
-              <a:cs typeface="Calibri" panose="020F0502020204030204" pitchFamily="34" charset="0"/>
-            </a:endParaRPr>
-          </a:p>
-          <a:p>
-            <a:pPr marL="285750" indent="-285750" algn="just"/>
-            <a:r>
-              <a:rPr lang="en-IN" dirty="0"/>
-              <a:t>Excellent User Interfaces</a:t>
-            </a:r>
-          </a:p>
-          <a:p>
-            <a:pPr marL="285750" indent="-285750" algn="just"/>
-            <a:r>
-              <a:rPr lang="en-IN" dirty="0"/>
-              <a:t>Perfect for an MVP</a:t>
-            </a:r>
-          </a:p>
-          <a:p>
-            <a:pPr marL="285750" indent="-285750" algn="just"/>
-            <a:endParaRPr lang="en-IN" dirty="0"/>
-          </a:p>
-          <a:p>
-            <a:pPr marL="285750" indent="-285750" algn="just"/>
-            <a:endParaRPr lang="en-US" dirty="0">
-              <a:solidFill>
-                <a:schemeClr val="accent5">
-                  <a:lumMod val="10000"/>
-                </a:schemeClr>
-              </a:solidFill>
-              <a:cs typeface="Calibri" panose="020F0502020204030204" pitchFamily="34" charset="0"/>
-            </a:endParaRPr>
+              <a:t>macos</a:t>
+            </a:r>
+            <a:endParaRPr lang="en-US" dirty="0"/>
           </a:p>
         </p:txBody>
       </p:sp>
     </p:spTree>
     <p:extLst>
       <p:ext uri="{BB962C8B-B14F-4D97-AF65-F5344CB8AC3E}">
-        <p14:creationId xmlns:p14="http://schemas.microsoft.com/office/powerpoint/2010/main" val="1613157103"/>
+        <p14:creationId xmlns:p14="http://schemas.microsoft.com/office/powerpoint/2010/main" val="307022210"/>
       </p:ext>
     </p:extLst>
   </p:cSld>
@@ -3827,7 +3798,7 @@
           <p:cNvPr id="2" name="Title 1">
             <a:extLst>
               <a:ext uri="{FF2B5EF4-FFF2-40B4-BE49-F238E27FC236}">
-                <a16:creationId xmlns:a16="http://schemas.microsoft.com/office/drawing/2014/main" id="{E7AA038E-35B1-4D4C-BB94-E2BB220CFB0C}"/>
+                <a16:creationId xmlns:a16="http://schemas.microsoft.com/office/drawing/2014/main" id="{6FFE7992-45B5-7743-8A41-B45CC5099000}"/>
               </a:ext>
             </a:extLst>
           </p:cNvPr>
@@ -3849,9 +3820,13 @@
           <a:lstStyle/>
           <a:p>
             <a:r>
-              <a:rPr lang="en-US" dirty="0"/>
-              <a:t>Cons</a:t>
-            </a:r>
+              <a:rPr lang="en-IN" dirty="0"/>
+              <a:t>Create and run a simple Flutter app</a:t>
+            </a:r>
+            <a:br>
+              <a:rPr lang="en-IN" dirty="0"/>
+            </a:br>
+            <a:endParaRPr lang="en-US" dirty="0"/>
           </a:p>
         </p:txBody>
       </p:sp>
@@ -3860,7 +3835,7 @@
           <p:cNvPr id="3" name="Content Placeholder 2">
             <a:extLst>
               <a:ext uri="{FF2B5EF4-FFF2-40B4-BE49-F238E27FC236}">
-                <a16:creationId xmlns:a16="http://schemas.microsoft.com/office/drawing/2014/main" id="{04A79852-1DFF-7840-A42E-7D611187AAF2}"/>
+                <a16:creationId xmlns:a16="http://schemas.microsoft.com/office/drawing/2014/main" id="{516FB766-8BE5-104F-A989-48CF05143117}"/>
               </a:ext>
             </a:extLst>
           </p:cNvPr>
@@ -3873,95 +3848,92 @@
         </p:nvSpPr>
         <p:spPr>
           <a:xfrm>
-            <a:off x="838200" y="1155032"/>
-            <a:ext cx="10515600" cy="5021931"/>
-          </a:xfrm>
-        </p:spPr>
-        <p:txBody>
-          <a:bodyPr>
-            <a:normAutofit/>
-          </a:bodyPr>
-          <a:lstStyle/>
-          <a:p>
-            <a:pPr marL="285750" indent="-285750" algn="just"/>
+            <a:off x="838200" y="685800"/>
+            <a:ext cx="10515600" cy="5491163"/>
+          </a:xfrm>
+        </p:spPr>
+        <p:txBody>
+          <a:bodyPr/>
+          <a:lstStyle/>
+          <a:p>
+            <a:endParaRPr lang="en-IN" dirty="0"/>
+          </a:p>
+          <a:p>
+            <a:endParaRPr lang="en-IN" dirty="0"/>
+          </a:p>
+          <a:p>
+            <a:endParaRPr lang="en-IN" dirty="0"/>
+          </a:p>
+          <a:p>
             <a:r>
               <a:rPr lang="en-IN" dirty="0"/>
-              <a:t>Since it is coded in Dart language, a developer needs to learn new language.</a:t>
-            </a:r>
-          </a:p>
-          <a:p>
-            <a:pPr marL="285750" indent="-285750" algn="just"/>
-            <a:r>
-              <a:rPr lang="en-US" dirty="0">
-                <a:solidFill>
-                  <a:schemeClr val="accent5">
-                    <a:lumMod val="10000"/>
-                  </a:schemeClr>
-                </a:solidFill>
-                <a:cs typeface="Calibri" panose="020F0502020204030204" pitchFamily="34" charset="0"/>
-              </a:rPr>
-              <a:t>Lack of third-party libraries</a:t>
-            </a:r>
-          </a:p>
-          <a:p>
-            <a:pPr marL="285750" indent="-285750" algn="just"/>
-            <a:r>
-              <a:rPr lang="en-US" dirty="0">
-                <a:solidFill>
-                  <a:schemeClr val="accent5">
-                    <a:lumMod val="10000"/>
-                  </a:schemeClr>
-                </a:solidFill>
-                <a:cs typeface="Calibri" panose="020F0502020204030204" pitchFamily="34" charset="0"/>
-              </a:rPr>
-              <a:t>Large number of open issues in GitHub (5000+)</a:t>
-            </a:r>
-          </a:p>
-          <a:p>
-            <a:pPr marL="285750" indent="-285750" algn="just"/>
-            <a:r>
-              <a:rPr lang="en-US" dirty="0">
-                <a:solidFill>
-                  <a:schemeClr val="accent5">
-                    <a:lumMod val="10000"/>
-                  </a:schemeClr>
-                </a:solidFill>
-                <a:cs typeface="Calibri" panose="020F0502020204030204" pitchFamily="34" charset="0"/>
-              </a:rPr>
-              <a:t>Image I/O can be expensive</a:t>
-            </a:r>
-          </a:p>
-          <a:p>
-            <a:pPr marL="285750" indent="-285750" algn="just"/>
+              <a:t>$ flutter create </a:t>
+            </a:r>
+            <a:r>
+              <a:rPr lang="en-IN" dirty="0" err="1"/>
+              <a:t>my_app</a:t>
+            </a:r>
             <a:r>
               <a:rPr lang="en-IN" dirty="0"/>
-              <a:t>Massive File Size</a:t>
-            </a:r>
-          </a:p>
-          <a:p>
-            <a:pPr marL="285750" indent="-285750" algn="just"/>
+              <a:t> </a:t>
+            </a:r>
+          </a:p>
+          <a:p>
             <a:r>
               <a:rPr lang="en-IN" dirty="0"/>
-              <a:t>Flutter caters to mobile apps only and isn’t supported by web browsers.</a:t>
-            </a:r>
-            <a:endParaRPr lang="en-US" dirty="0">
-              <a:solidFill>
-                <a:schemeClr val="accent5">
-                  <a:lumMod val="10000"/>
-                </a:schemeClr>
-              </a:solidFill>
-              <a:cs typeface="Calibri" panose="020F0502020204030204" pitchFamily="34" charset="0"/>
-            </a:endParaRPr>
+              <a:t>$ cd </a:t>
+            </a:r>
+            <a:r>
+              <a:rPr lang="en-IN" dirty="0" err="1"/>
+              <a:t>my_app</a:t>
+            </a:r>
+            <a:endParaRPr lang="en-IN" dirty="0"/>
+          </a:p>
+          <a:p>
+            <a:r>
+              <a:rPr lang="en-IN" dirty="0"/>
+              <a:t>$ flutter run</a:t>
+            </a:r>
           </a:p>
           <a:p>
             <a:endParaRPr lang="en-US" dirty="0"/>
           </a:p>
         </p:txBody>
       </p:sp>
+      <p:pic>
+        <p:nvPicPr>
+          <p:cNvPr id="5" name="Picture 4">
+            <a:extLst>
+              <a:ext uri="{FF2B5EF4-FFF2-40B4-BE49-F238E27FC236}">
+                <a16:creationId xmlns:a16="http://schemas.microsoft.com/office/drawing/2014/main" id="{457D3A4C-6AD4-3A4F-B98B-F57A5122E937}"/>
+              </a:ext>
+            </a:extLst>
+          </p:cNvPr>
+          <p:cNvPicPr>
+            <a:picLocks noChangeAspect="1"/>
+          </p:cNvPicPr>
+          <p:nvPr/>
+        </p:nvPicPr>
+        <p:blipFill>
+          <a:blip r:embed="rId2"/>
+          <a:stretch>
+            <a:fillRect/>
+          </a:stretch>
+        </p:blipFill>
+        <p:spPr>
+          <a:xfrm>
+            <a:off x="7356763" y="700402"/>
+            <a:ext cx="2639292" cy="5349916"/>
+          </a:xfrm>
+          <a:prstGeom prst="rect">
+            <a:avLst/>
+          </a:prstGeom>
+        </p:spPr>
+      </p:pic>
     </p:spTree>
     <p:extLst>
       <p:ext uri="{BB962C8B-B14F-4D97-AF65-F5344CB8AC3E}">
-        <p14:creationId xmlns:p14="http://schemas.microsoft.com/office/powerpoint/2010/main" val="2940654328"/>
+        <p14:creationId xmlns:p14="http://schemas.microsoft.com/office/powerpoint/2010/main" val="3884435972"/>
       </p:ext>
     </p:extLst>
   </p:cSld>
@@ -3993,6 +3965,491 @@
           <p:cNvPr id="2" name="Title 1">
             <a:extLst>
               <a:ext uri="{FF2B5EF4-FFF2-40B4-BE49-F238E27FC236}">
+                <a16:creationId xmlns:a16="http://schemas.microsoft.com/office/drawing/2014/main" id="{95247AE8-CC0A-D140-A6FA-DC351E2E6A1B}"/>
+              </a:ext>
+            </a:extLst>
+          </p:cNvPr>
+          <p:cNvSpPr>
+            <a:spLocks noGrp="1"/>
+          </p:cNvSpPr>
+          <p:nvPr>
+            <p:ph type="title"/>
+          </p:nvPr>
+        </p:nvSpPr>
+        <p:spPr>
+          <a:xfrm>
+            <a:off x="838200" y="-375068"/>
+            <a:ext cx="10515600" cy="1325563"/>
+          </a:xfrm>
+        </p:spPr>
+        <p:txBody>
+          <a:bodyPr/>
+          <a:lstStyle/>
+          <a:p>
+            <a:r>
+              <a:rPr lang="en-US" sz="4000" dirty="0"/>
+              <a:t>Debugging</a:t>
+            </a:r>
+            <a:endParaRPr lang="en-US" dirty="0"/>
+          </a:p>
+        </p:txBody>
+      </p:sp>
+      <p:sp>
+        <p:nvSpPr>
+          <p:cNvPr id="3" name="Content Placeholder 2">
+            <a:extLst>
+              <a:ext uri="{FF2B5EF4-FFF2-40B4-BE49-F238E27FC236}">
+                <a16:creationId xmlns:a16="http://schemas.microsoft.com/office/drawing/2014/main" id="{DA9D6502-D7E0-6C40-A852-5D913663EEB5}"/>
+              </a:ext>
+            </a:extLst>
+          </p:cNvPr>
+          <p:cNvSpPr>
+            <a:spLocks noGrp="1"/>
+          </p:cNvSpPr>
+          <p:nvPr>
+            <p:ph idx="1"/>
+          </p:nvPr>
+        </p:nvSpPr>
+        <p:spPr>
+          <a:xfrm>
+            <a:off x="838200" y="613611"/>
+            <a:ext cx="10515600" cy="5563352"/>
+          </a:xfrm>
+        </p:spPr>
+        <p:txBody>
+          <a:bodyPr>
+            <a:normAutofit/>
+          </a:bodyPr>
+          <a:lstStyle/>
+          <a:p>
+            <a:r>
+              <a:rPr lang="en-IN" sz="2400" dirty="0" err="1"/>
+              <a:t>DevTools</a:t>
+            </a:r>
+            <a:r>
+              <a:rPr lang="en-IN" sz="2400" dirty="0"/>
+              <a:t> includes a full source-level debugger, supporting breakpoints, stepping, and variable inspection.</a:t>
+            </a:r>
+            <a:endParaRPr lang="en-US" sz="2400" dirty="0"/>
+          </a:p>
+        </p:txBody>
+      </p:sp>
+      <p:pic>
+        <p:nvPicPr>
+          <p:cNvPr id="5" name="Picture 4">
+            <a:extLst>
+              <a:ext uri="{FF2B5EF4-FFF2-40B4-BE49-F238E27FC236}">
+                <a16:creationId xmlns:a16="http://schemas.microsoft.com/office/drawing/2014/main" id="{83552A5B-BAB9-4547-93E2-900DE7C31210}"/>
+              </a:ext>
+            </a:extLst>
+          </p:cNvPr>
+          <p:cNvPicPr>
+            <a:picLocks noChangeAspect="1"/>
+          </p:cNvPicPr>
+          <p:nvPr/>
+        </p:nvPicPr>
+        <p:blipFill>
+          <a:blip r:embed="rId3"/>
+          <a:stretch>
+            <a:fillRect/>
+          </a:stretch>
+        </p:blipFill>
+        <p:spPr>
+          <a:xfrm>
+            <a:off x="3116179" y="1313897"/>
+            <a:ext cx="6510888" cy="5851745"/>
+          </a:xfrm>
+          <a:prstGeom prst="rect">
+            <a:avLst/>
+          </a:prstGeom>
+        </p:spPr>
+      </p:pic>
+    </p:spTree>
+    <p:extLst>
+      <p:ext uri="{BB962C8B-B14F-4D97-AF65-F5344CB8AC3E}">
+        <p14:creationId xmlns:p14="http://schemas.microsoft.com/office/powerpoint/2010/main" val="1190559052"/>
+      </p:ext>
+    </p:extLst>
+  </p:cSld>
+  <p:clrMapOvr>
+    <a:masterClrMapping/>
+  </p:clrMapOvr>
+</p:sld>
+</file>
+
+<file path=ppt/slides/slide14.xml><?xml version="1.0" encoding="utf-8"?>
+<p:sld xmlns:a="http://schemas.openxmlformats.org/drawingml/2006/main" xmlns:r="http://schemas.openxmlformats.org/officeDocument/2006/relationships" xmlns:p="http://schemas.openxmlformats.org/presentationml/2006/main">
+  <p:cSld>
+    <p:spTree>
+      <p:nvGrpSpPr>
+        <p:cNvPr id="1" name=""/>
+        <p:cNvGrpSpPr/>
+        <p:nvPr/>
+      </p:nvGrpSpPr>
+      <p:grpSpPr>
+        <a:xfrm>
+          <a:off x="0" y="0"/>
+          <a:ext cx="0" cy="0"/>
+          <a:chOff x="0" y="0"/>
+          <a:chExt cx="0" cy="0"/>
+        </a:xfrm>
+      </p:grpSpPr>
+      <p:sp>
+        <p:nvSpPr>
+          <p:cNvPr id="2" name="Title 1">
+            <a:extLst>
+              <a:ext uri="{FF2B5EF4-FFF2-40B4-BE49-F238E27FC236}">
+                <a16:creationId xmlns:a16="http://schemas.microsoft.com/office/drawing/2014/main" id="{AD2969A2-DB70-F346-A285-55C050ED702A}"/>
+              </a:ext>
+            </a:extLst>
+          </p:cNvPr>
+          <p:cNvSpPr>
+            <a:spLocks noGrp="1"/>
+          </p:cNvSpPr>
+          <p:nvPr>
+            <p:ph type="title"/>
+          </p:nvPr>
+        </p:nvSpPr>
+        <p:spPr/>
+        <p:txBody>
+          <a:bodyPr/>
+          <a:lstStyle/>
+          <a:p>
+            <a:r>
+              <a:rPr lang="en-US" dirty="0"/>
+              <a:t>Pros</a:t>
+            </a:r>
+          </a:p>
+        </p:txBody>
+      </p:sp>
+      <p:sp>
+        <p:nvSpPr>
+          <p:cNvPr id="3" name="Content Placeholder 2">
+            <a:extLst>
+              <a:ext uri="{FF2B5EF4-FFF2-40B4-BE49-F238E27FC236}">
+                <a16:creationId xmlns:a16="http://schemas.microsoft.com/office/drawing/2014/main" id="{F3733D75-49C8-0C4F-BB2E-F743F0B575A7}"/>
+              </a:ext>
+            </a:extLst>
+          </p:cNvPr>
+          <p:cNvSpPr>
+            <a:spLocks noGrp="1"/>
+          </p:cNvSpPr>
+          <p:nvPr>
+            <p:ph idx="1"/>
+          </p:nvPr>
+        </p:nvSpPr>
+        <p:spPr/>
+        <p:txBody>
+          <a:bodyPr>
+            <a:normAutofit/>
+          </a:bodyPr>
+          <a:lstStyle/>
+          <a:p>
+            <a:pPr marL="285750" indent="-285750" algn="just"/>
+            <a:r>
+              <a:rPr lang="en-US" dirty="0">
+                <a:solidFill>
+                  <a:schemeClr val="accent5">
+                    <a:lumMod val="10000"/>
+                  </a:schemeClr>
+                </a:solidFill>
+                <a:cs typeface="Calibri" panose="020F0502020204030204" pitchFamily="34" charset="0"/>
+              </a:rPr>
+              <a:t>Ready-made and custom widgets for fast UI coding</a:t>
+            </a:r>
+          </a:p>
+          <a:p>
+            <a:pPr marL="285750" indent="-285750" algn="just"/>
+            <a:r>
+              <a:rPr lang="en-US" dirty="0">
+                <a:solidFill>
+                  <a:schemeClr val="accent5">
+                    <a:lumMod val="10000"/>
+                  </a:schemeClr>
+                </a:solidFill>
+                <a:cs typeface="Calibri"/>
+              </a:rPr>
+              <a:t>Single codebase for web, mobile and embedded platforms</a:t>
+            </a:r>
+          </a:p>
+          <a:p>
+            <a:pPr marL="285750" indent="-285750" algn="just"/>
+            <a:r>
+              <a:rPr lang="en-US" dirty="0">
+                <a:solidFill>
+                  <a:schemeClr val="accent5">
+                    <a:lumMod val="10000"/>
+                  </a:schemeClr>
+                </a:solidFill>
+                <a:cs typeface="Calibri" panose="020F0502020204030204" pitchFamily="34" charset="0"/>
+              </a:rPr>
+              <a:t>Dart – simple and effective language targeted at Java programmers</a:t>
+            </a:r>
+          </a:p>
+          <a:p>
+            <a:pPr marL="285750" indent="-285750" algn="just"/>
+            <a:r>
+              <a:rPr lang="en-US" dirty="0">
+                <a:solidFill>
+                  <a:schemeClr val="accent5">
+                    <a:lumMod val="10000"/>
+                  </a:schemeClr>
+                </a:solidFill>
+                <a:cs typeface="Calibri" panose="020F0502020204030204" pitchFamily="34" charset="0"/>
+              </a:rPr>
+              <a:t>Hot reload function for instantaneous updates</a:t>
+            </a:r>
+          </a:p>
+          <a:p>
+            <a:pPr marL="285750" indent="-285750" algn="just"/>
+            <a:r>
+              <a:rPr lang="en-US" dirty="0">
+                <a:solidFill>
+                  <a:schemeClr val="accent5">
+                    <a:lumMod val="10000"/>
+                  </a:schemeClr>
+                </a:solidFill>
+                <a:cs typeface="Calibri" panose="020F0502020204030204" pitchFamily="34" charset="0"/>
+              </a:rPr>
+              <a:t>The mildest learning curve and a growing community</a:t>
+            </a:r>
+          </a:p>
+          <a:p>
+            <a:pPr marL="285750" indent="-285750" algn="just"/>
+            <a:r>
+              <a:rPr lang="en-IN" dirty="0"/>
+              <a:t>More Firebase APIs assistance</a:t>
+            </a:r>
+            <a:endParaRPr lang="en-US" dirty="0">
+              <a:solidFill>
+                <a:schemeClr val="accent5">
+                  <a:lumMod val="10000"/>
+                </a:schemeClr>
+              </a:solidFill>
+              <a:cs typeface="Calibri" panose="020F0502020204030204" pitchFamily="34" charset="0"/>
+            </a:endParaRPr>
+          </a:p>
+          <a:p>
+            <a:pPr marL="285750" indent="-285750" algn="just"/>
+            <a:r>
+              <a:rPr lang="en-IN" dirty="0"/>
+              <a:t>Excellent User Interfaces</a:t>
+            </a:r>
+          </a:p>
+          <a:p>
+            <a:pPr marL="285750" indent="-285750" algn="just"/>
+            <a:r>
+              <a:rPr lang="en-IN" dirty="0"/>
+              <a:t>Perfect for an MVP (minimum viable product)</a:t>
+            </a:r>
+          </a:p>
+          <a:p>
+            <a:pPr marL="285750" indent="-285750" algn="just"/>
+            <a:endParaRPr lang="en-US" dirty="0">
+              <a:solidFill>
+                <a:schemeClr val="accent5">
+                  <a:lumMod val="10000"/>
+                </a:schemeClr>
+              </a:solidFill>
+              <a:cs typeface="Calibri" panose="020F0502020204030204" pitchFamily="34" charset="0"/>
+            </a:endParaRPr>
+          </a:p>
+        </p:txBody>
+      </p:sp>
+    </p:spTree>
+    <p:extLst>
+      <p:ext uri="{BB962C8B-B14F-4D97-AF65-F5344CB8AC3E}">
+        <p14:creationId xmlns:p14="http://schemas.microsoft.com/office/powerpoint/2010/main" val="1613157103"/>
+      </p:ext>
+    </p:extLst>
+  </p:cSld>
+  <p:clrMapOvr>
+    <a:masterClrMapping/>
+  </p:clrMapOvr>
+</p:sld>
+</file>
+
+<file path=ppt/slides/slide15.xml><?xml version="1.0" encoding="utf-8"?>
+<p:sld xmlns:a="http://schemas.openxmlformats.org/drawingml/2006/main" xmlns:r="http://schemas.openxmlformats.org/officeDocument/2006/relationships" xmlns:p="http://schemas.openxmlformats.org/presentationml/2006/main">
+  <p:cSld>
+    <p:spTree>
+      <p:nvGrpSpPr>
+        <p:cNvPr id="1" name=""/>
+        <p:cNvGrpSpPr/>
+        <p:nvPr/>
+      </p:nvGrpSpPr>
+      <p:grpSpPr>
+        <a:xfrm>
+          <a:off x="0" y="0"/>
+          <a:ext cx="0" cy="0"/>
+          <a:chOff x="0" y="0"/>
+          <a:chExt cx="0" cy="0"/>
+        </a:xfrm>
+      </p:grpSpPr>
+      <p:sp>
+        <p:nvSpPr>
+          <p:cNvPr id="2" name="Title 1">
+            <a:extLst>
+              <a:ext uri="{FF2B5EF4-FFF2-40B4-BE49-F238E27FC236}">
+                <a16:creationId xmlns:a16="http://schemas.microsoft.com/office/drawing/2014/main" id="{E7AA038E-35B1-4D4C-BB94-E2BB220CFB0C}"/>
+              </a:ext>
+            </a:extLst>
+          </p:cNvPr>
+          <p:cNvSpPr>
+            <a:spLocks noGrp="1"/>
+          </p:cNvSpPr>
+          <p:nvPr>
+            <p:ph type="title"/>
+          </p:nvPr>
+        </p:nvSpPr>
+        <p:spPr>
+          <a:xfrm>
+            <a:off x="838200" y="0"/>
+            <a:ext cx="10515600" cy="1325563"/>
+          </a:xfrm>
+        </p:spPr>
+        <p:txBody>
+          <a:bodyPr/>
+          <a:lstStyle/>
+          <a:p>
+            <a:r>
+              <a:rPr lang="en-US" dirty="0"/>
+              <a:t>Cons</a:t>
+            </a:r>
+          </a:p>
+        </p:txBody>
+      </p:sp>
+      <p:sp>
+        <p:nvSpPr>
+          <p:cNvPr id="3" name="Content Placeholder 2">
+            <a:extLst>
+              <a:ext uri="{FF2B5EF4-FFF2-40B4-BE49-F238E27FC236}">
+                <a16:creationId xmlns:a16="http://schemas.microsoft.com/office/drawing/2014/main" id="{04A79852-1DFF-7840-A42E-7D611187AAF2}"/>
+              </a:ext>
+            </a:extLst>
+          </p:cNvPr>
+          <p:cNvSpPr>
+            <a:spLocks noGrp="1"/>
+          </p:cNvSpPr>
+          <p:nvPr>
+            <p:ph idx="1"/>
+          </p:nvPr>
+        </p:nvSpPr>
+        <p:spPr>
+          <a:xfrm>
+            <a:off x="838200" y="1155032"/>
+            <a:ext cx="10515600" cy="5021931"/>
+          </a:xfrm>
+        </p:spPr>
+        <p:txBody>
+          <a:bodyPr>
+            <a:normAutofit/>
+          </a:bodyPr>
+          <a:lstStyle/>
+          <a:p>
+            <a:pPr marL="285750" indent="-285750" algn="just"/>
+            <a:r>
+              <a:rPr lang="en-IN" dirty="0"/>
+              <a:t>Since it is coded in Dart language, a developer needs to learn new language.</a:t>
+            </a:r>
+          </a:p>
+          <a:p>
+            <a:pPr marL="285750" indent="-285750" algn="just"/>
+            <a:r>
+              <a:rPr lang="en-US" dirty="0">
+                <a:solidFill>
+                  <a:schemeClr val="accent5">
+                    <a:lumMod val="10000"/>
+                  </a:schemeClr>
+                </a:solidFill>
+                <a:cs typeface="Calibri" panose="020F0502020204030204" pitchFamily="34" charset="0"/>
+              </a:rPr>
+              <a:t>Lack of third-party libraries</a:t>
+            </a:r>
+          </a:p>
+          <a:p>
+            <a:pPr marL="285750" indent="-285750" algn="just"/>
+            <a:r>
+              <a:rPr lang="en-US" dirty="0">
+                <a:solidFill>
+                  <a:schemeClr val="accent5">
+                    <a:lumMod val="10000"/>
+                  </a:schemeClr>
+                </a:solidFill>
+                <a:cs typeface="Calibri" panose="020F0502020204030204" pitchFamily="34" charset="0"/>
+              </a:rPr>
+              <a:t>Large number of open issues in GitHub (5000+)</a:t>
+            </a:r>
+          </a:p>
+          <a:p>
+            <a:pPr marL="285750" indent="-285750" algn="just"/>
+            <a:r>
+              <a:rPr lang="en-US" dirty="0">
+                <a:solidFill>
+                  <a:schemeClr val="accent5">
+                    <a:lumMod val="10000"/>
+                  </a:schemeClr>
+                </a:solidFill>
+                <a:cs typeface="Calibri" panose="020F0502020204030204" pitchFamily="34" charset="0"/>
+              </a:rPr>
+              <a:t>Image I/O can be expensive</a:t>
+            </a:r>
+          </a:p>
+          <a:p>
+            <a:pPr marL="285750" indent="-285750" algn="just"/>
+            <a:r>
+              <a:rPr lang="en-IN" dirty="0"/>
+              <a:t>Flutter caters to mobile apps only and isn’t supported by web browsers.</a:t>
+            </a:r>
+            <a:endParaRPr lang="en-US" dirty="0">
+              <a:solidFill>
+                <a:schemeClr val="accent5">
+                  <a:lumMod val="10000"/>
+                </a:schemeClr>
+              </a:solidFill>
+              <a:cs typeface="Calibri" panose="020F0502020204030204" pitchFamily="34" charset="0"/>
+            </a:endParaRPr>
+          </a:p>
+          <a:p>
+            <a:endParaRPr lang="en-US" dirty="0"/>
+          </a:p>
+        </p:txBody>
+      </p:sp>
+    </p:spTree>
+    <p:extLst>
+      <p:ext uri="{BB962C8B-B14F-4D97-AF65-F5344CB8AC3E}">
+        <p14:creationId xmlns:p14="http://schemas.microsoft.com/office/powerpoint/2010/main" val="2940654328"/>
+      </p:ext>
+    </p:extLst>
+  </p:cSld>
+  <p:clrMapOvr>
+    <a:masterClrMapping/>
+  </p:clrMapOvr>
+</p:sld>
+</file>
+
+<file path=ppt/slides/slide16.xml><?xml version="1.0" encoding="utf-8"?>
+<p:sld xmlns:a="http://schemas.openxmlformats.org/drawingml/2006/main" xmlns:r="http://schemas.openxmlformats.org/officeDocument/2006/relationships" xmlns:p="http://schemas.openxmlformats.org/presentationml/2006/main">
+  <p:cSld>
+    <p:spTree>
+      <p:nvGrpSpPr>
+        <p:cNvPr id="1" name=""/>
+        <p:cNvGrpSpPr/>
+        <p:nvPr/>
+      </p:nvGrpSpPr>
+      <p:grpSpPr>
+        <a:xfrm>
+          <a:off x="0" y="0"/>
+          <a:ext cx="0" cy="0"/>
+          <a:chOff x="0" y="0"/>
+          <a:chExt cx="0" cy="0"/>
+        </a:xfrm>
+      </p:grpSpPr>
+      <p:sp>
+        <p:nvSpPr>
+          <p:cNvPr id="2" name="Title 1">
+            <a:extLst>
+              <a:ext uri="{FF2B5EF4-FFF2-40B4-BE49-F238E27FC236}">
                 <a16:creationId xmlns:a16="http://schemas.microsoft.com/office/drawing/2014/main" id="{CC382C96-05BD-4232-AEDC-75FF5CE260B6}"/>
               </a:ext>
             </a:extLst>
@@ -4048,7 +4505,7 @@
             <a:fld id="{2EFEF571-C9B4-4D92-A7F7-315B894862A8}" type="slidenum">
               <a:rPr lang="en-US" smtClean="0"/>
               <a:pPr/>
-              <a:t>13</a:t>
+              <a:t>16</a:t>
             </a:fld>
             <a:endParaRPr lang="en-US" dirty="0"/>
           </a:p>
@@ -4740,7 +5197,7 @@
 </p:sld>
 </file>
 
-<file path=ppt/slides/slide14.xml><?xml version="1.0" encoding="utf-8"?>
+<file path=ppt/slides/slide17.xml><?xml version="1.0" encoding="utf-8"?>
 <p:sld xmlns:a="http://schemas.openxmlformats.org/drawingml/2006/main" xmlns:r="http://schemas.openxmlformats.org/officeDocument/2006/relationships" xmlns:p="http://schemas.openxmlformats.org/presentationml/2006/main">
   <p:cSld>
     <p:spTree>
@@ -4785,7 +5242,7 @@
           <a:p>
             <a:r>
               <a:rPr lang="en-US" dirty="0"/>
-              <a:t>Documentation &amp; Community Support</a:t>
+              <a:t>Flutter vs React Native</a:t>
             </a:r>
           </a:p>
         </p:txBody>
@@ -4808,13 +5265,13 @@
         </p:nvSpPr>
         <p:spPr>
           <a:xfrm>
-            <a:off x="838200" y="1267691"/>
-            <a:ext cx="5181600" cy="4909272"/>
+            <a:off x="838199" y="1267691"/>
+            <a:ext cx="9781309" cy="4909272"/>
           </a:xfrm>
         </p:spPr>
         <p:txBody>
           <a:bodyPr>
-            <a:normAutofit fontScale="70000" lnSpcReduction="20000"/>
+            <a:normAutofit/>
           </a:bodyPr>
           <a:lstStyle/>
           <a:p>
@@ -4826,326 +5283,72 @@
               <a:buChar char="•"/>
             </a:pPr>
             <a:r>
-              <a:rPr lang="en-US" dirty="0">
-                <a:solidFill>
-                  <a:schemeClr val="accent5">
-                    <a:lumMod val="10000"/>
-                  </a:schemeClr>
-                </a:solidFill>
-              </a:rPr>
-              <a:t>https://</a:t>
-            </a:r>
-            <a:r>
-              <a:rPr lang="en-US" dirty="0" err="1">
-                <a:solidFill>
-                  <a:schemeClr val="accent5">
-                    <a:lumMod val="10000"/>
-                  </a:schemeClr>
-                </a:solidFill>
-              </a:rPr>
-              <a:t>flutter.dev</a:t>
-            </a:r>
-            <a:r>
-              <a:rPr lang="en-US" dirty="0">
-                <a:solidFill>
-                  <a:schemeClr val="accent5">
-                    <a:lumMod val="10000"/>
-                  </a:schemeClr>
-                </a:solidFill>
-              </a:rPr>
-              <a:t>/docs/get-started/install</a:t>
-            </a:r>
-          </a:p>
-          <a:p>
-            <a:pPr marL="285750" indent="-285750">
-              <a:lnSpc>
-                <a:spcPct val="150000"/>
-              </a:lnSpc>
-              <a:buFont typeface="Arial" charset="2"/>
-              <a:buChar char="•"/>
-            </a:pPr>
-            <a:r>
-              <a:rPr lang="en-US" dirty="0">
-                <a:solidFill>
-                  <a:schemeClr val="accent5">
-                    <a:lumMod val="10000"/>
-                  </a:schemeClr>
-                </a:solidFill>
-              </a:rPr>
-              <a:t>https://</a:t>
-            </a:r>
-            <a:r>
-              <a:rPr lang="en-US" dirty="0" err="1">
-                <a:solidFill>
-                  <a:schemeClr val="accent5">
-                    <a:lumMod val="10000"/>
-                  </a:schemeClr>
-                </a:solidFill>
-              </a:rPr>
-              <a:t>flutter.dev</a:t>
-            </a:r>
-            <a:r>
-              <a:rPr lang="en-US" dirty="0">
-                <a:solidFill>
-                  <a:schemeClr val="accent5">
-                    <a:lumMod val="10000"/>
-                  </a:schemeClr>
-                </a:solidFill>
-              </a:rPr>
-              <a:t>/docs/development/</a:t>
-            </a:r>
-            <a:r>
-              <a:rPr lang="en-US" dirty="0" err="1">
-                <a:solidFill>
-                  <a:schemeClr val="accent5">
-                    <a:lumMod val="10000"/>
-                  </a:schemeClr>
-                </a:solidFill>
-              </a:rPr>
-              <a:t>ui</a:t>
-            </a:r>
-            <a:r>
-              <a:rPr lang="en-US" dirty="0">
-                <a:solidFill>
-                  <a:schemeClr val="accent5">
-                    <a:lumMod val="10000"/>
-                  </a:schemeClr>
-                </a:solidFill>
-              </a:rPr>
-              <a:t>/widgets</a:t>
-            </a:r>
-          </a:p>
-          <a:p>
-            <a:pPr marL="285750" indent="-285750">
-              <a:lnSpc>
-                <a:spcPct val="150000"/>
-              </a:lnSpc>
-              <a:buFont typeface="Arial" charset="2"/>
-              <a:buChar char="•"/>
-            </a:pPr>
-            <a:r>
-              <a:rPr lang="en-US" dirty="0">
-                <a:solidFill>
-                  <a:schemeClr val="accent5">
-                    <a:lumMod val="10000"/>
-                  </a:schemeClr>
-                </a:solidFill>
-              </a:rPr>
-              <a:t>https://</a:t>
-            </a:r>
-            <a:r>
-              <a:rPr lang="en-US" dirty="0" err="1">
-                <a:solidFill>
-                  <a:schemeClr val="accent5">
-                    <a:lumMod val="10000"/>
-                  </a:schemeClr>
-                </a:solidFill>
-              </a:rPr>
-              <a:t>api.flutter.dev</a:t>
-            </a:r>
-            <a:r>
-              <a:rPr lang="en-US" dirty="0">
-                <a:solidFill>
-                  <a:schemeClr val="accent5">
-                    <a:lumMod val="10000"/>
-                  </a:schemeClr>
-                </a:solidFill>
-              </a:rPr>
-              <a:t>/</a:t>
-            </a:r>
-          </a:p>
-          <a:p>
-            <a:pPr marL="285750" indent="-285750">
-              <a:lnSpc>
-                <a:spcPct val="150000"/>
-              </a:lnSpc>
-              <a:buFont typeface="Arial" charset="2"/>
-              <a:buChar char="•"/>
-            </a:pPr>
-            <a:r>
-              <a:rPr lang="en-US" dirty="0">
-                <a:solidFill>
-                  <a:schemeClr val="accent5">
-                    <a:lumMod val="10000"/>
-                  </a:schemeClr>
-                </a:solidFill>
-              </a:rPr>
-              <a:t>https://</a:t>
-            </a:r>
-            <a:r>
-              <a:rPr lang="en-US" dirty="0" err="1">
-                <a:solidFill>
-                  <a:schemeClr val="accent5">
-                    <a:lumMod val="10000"/>
-                  </a:schemeClr>
-                </a:solidFill>
-              </a:rPr>
-              <a:t>flutter.dev</a:t>
-            </a:r>
-            <a:r>
-              <a:rPr lang="en-US" dirty="0">
-                <a:solidFill>
-                  <a:schemeClr val="accent5">
-                    <a:lumMod val="10000"/>
-                  </a:schemeClr>
-                </a:solidFill>
-              </a:rPr>
-              <a:t>/docs/cookbook</a:t>
-            </a:r>
-          </a:p>
-          <a:p>
-            <a:pPr marL="285750" indent="-285750">
-              <a:lnSpc>
-                <a:spcPct val="150000"/>
-              </a:lnSpc>
-              <a:buFont typeface="Arial" charset="2"/>
-              <a:buChar char="•"/>
-            </a:pPr>
-            <a:r>
-              <a:rPr lang="en-US" dirty="0">
-                <a:solidFill>
-                  <a:schemeClr val="accent5">
-                    <a:lumMod val="10000"/>
-                  </a:schemeClr>
-                </a:solidFill>
-              </a:rPr>
-              <a:t>https://</a:t>
-            </a:r>
-            <a:r>
-              <a:rPr lang="en-US" dirty="0" err="1">
-                <a:solidFill>
-                  <a:schemeClr val="accent5">
-                    <a:lumMod val="10000"/>
-                  </a:schemeClr>
-                </a:solidFill>
-              </a:rPr>
-              <a:t>github.com</a:t>
-            </a:r>
-            <a:r>
-              <a:rPr lang="en-US" dirty="0">
-                <a:solidFill>
-                  <a:schemeClr val="accent5">
-                    <a:lumMod val="10000"/>
-                  </a:schemeClr>
-                </a:solidFill>
-              </a:rPr>
-              <a:t>/flutter/samples/blob/master/</a:t>
-            </a:r>
-            <a:r>
-              <a:rPr lang="en-US" dirty="0" err="1">
-                <a:solidFill>
-                  <a:schemeClr val="accent5">
-                    <a:lumMod val="10000"/>
-                  </a:schemeClr>
-                </a:solidFill>
-              </a:rPr>
-              <a:t>INDEX.md</a:t>
-            </a:r>
-            <a:endParaRPr lang="en-US" dirty="0">
-              <a:solidFill>
-                <a:schemeClr val="accent5">
-                  <a:lumMod val="10000"/>
-                </a:schemeClr>
-              </a:solidFill>
-            </a:endParaRPr>
-          </a:p>
-          <a:p>
-            <a:pPr marL="285750" indent="-285750">
-              <a:lnSpc>
-                <a:spcPct val="150000"/>
-              </a:lnSpc>
-              <a:buFont typeface="Arial" charset="2"/>
-              <a:buChar char="•"/>
-            </a:pPr>
-            <a:r>
-              <a:rPr lang="en-US" dirty="0">
-                <a:solidFill>
-                  <a:schemeClr val="accent5">
-                    <a:lumMod val="10000"/>
-                  </a:schemeClr>
-                </a:solidFill>
-              </a:rPr>
-              <a:t>https://</a:t>
-            </a:r>
-            <a:r>
-              <a:rPr lang="en-US" dirty="0" err="1">
-                <a:solidFill>
-                  <a:schemeClr val="accent5">
-                    <a:lumMod val="10000"/>
-                  </a:schemeClr>
-                </a:solidFill>
-              </a:rPr>
-              <a:t>www.youtube.com</a:t>
-            </a:r>
-            <a:r>
-              <a:rPr lang="en-US" dirty="0">
-                <a:solidFill>
-                  <a:schemeClr val="accent5">
-                    <a:lumMod val="10000"/>
-                  </a:schemeClr>
-                </a:solidFill>
-              </a:rPr>
-              <a:t>/</a:t>
-            </a:r>
-            <a:r>
-              <a:rPr lang="en-US" dirty="0" err="1">
-                <a:solidFill>
-                  <a:schemeClr val="accent5">
-                    <a:lumMod val="10000"/>
-                  </a:schemeClr>
-                </a:solidFill>
-              </a:rPr>
-              <a:t>flutterdev</a:t>
-            </a:r>
-            <a:endParaRPr lang="en-US" dirty="0">
-              <a:solidFill>
-                <a:schemeClr val="accent5">
-                  <a:lumMod val="10000"/>
-                </a:schemeClr>
-              </a:solidFill>
-            </a:endParaRPr>
-          </a:p>
-          <a:p>
-            <a:pPr marL="285750" indent="-285750">
-              <a:lnSpc>
-                <a:spcPct val="150000"/>
-              </a:lnSpc>
-              <a:buFont typeface="Arial" charset="2"/>
-              <a:buChar char="•"/>
-            </a:pPr>
-            <a:r>
-              <a:rPr lang="en-US" dirty="0">
-                <a:solidFill>
-                  <a:schemeClr val="accent5">
-                    <a:lumMod val="10000"/>
-                  </a:schemeClr>
-                </a:solidFill>
-              </a:rPr>
-              <a:t>https://</a:t>
-            </a:r>
-            <a:r>
-              <a:rPr lang="en-US" dirty="0" err="1">
-                <a:solidFill>
-                  <a:schemeClr val="accent5">
-                    <a:lumMod val="10000"/>
-                  </a:schemeClr>
-                </a:solidFill>
-              </a:rPr>
-              <a:t>dart.dev</a:t>
-            </a:r>
-            <a:r>
-              <a:rPr lang="en-US" dirty="0">
-                <a:solidFill>
-                  <a:schemeClr val="accent5">
-                    <a:lumMod val="10000"/>
-                  </a:schemeClr>
-                </a:solidFill>
-              </a:rPr>
-              <a:t>/</a:t>
-            </a:r>
-          </a:p>
-        </p:txBody>
-      </p:sp>
+              <a:rPr lang="en-IN" dirty="0"/>
+              <a:t>Entry point</a:t>
+            </a:r>
+          </a:p>
+        </p:txBody>
+      </p:sp>
+      <p:pic>
+        <p:nvPicPr>
+          <p:cNvPr id="5" name="Picture 4">
+            <a:extLst>
+              <a:ext uri="{FF2B5EF4-FFF2-40B4-BE49-F238E27FC236}">
+                <a16:creationId xmlns:a16="http://schemas.microsoft.com/office/drawing/2014/main" id="{40A6B3D3-7B28-1B4E-9446-3E4ABB56D3DE}"/>
+              </a:ext>
+            </a:extLst>
+          </p:cNvPr>
+          <p:cNvPicPr>
+            <a:picLocks noChangeAspect="1"/>
+          </p:cNvPicPr>
+          <p:nvPr/>
+        </p:nvPicPr>
+        <p:blipFill>
+          <a:blip r:embed="rId2"/>
+          <a:stretch>
+            <a:fillRect/>
+          </a:stretch>
+        </p:blipFill>
+        <p:spPr>
+          <a:xfrm>
+            <a:off x="1227859" y="2235200"/>
+            <a:ext cx="3771900" cy="1244600"/>
+          </a:xfrm>
+          <a:prstGeom prst="rect">
+            <a:avLst/>
+          </a:prstGeom>
+        </p:spPr>
+      </p:pic>
+      <p:pic>
+        <p:nvPicPr>
+          <p:cNvPr id="7" name="Picture 6">
+            <a:extLst>
+              <a:ext uri="{FF2B5EF4-FFF2-40B4-BE49-F238E27FC236}">
+                <a16:creationId xmlns:a16="http://schemas.microsoft.com/office/drawing/2014/main" id="{DF4B5D63-0238-334C-A57A-4A40F16019C9}"/>
+              </a:ext>
+            </a:extLst>
+          </p:cNvPr>
+          <p:cNvPicPr>
+            <a:picLocks noChangeAspect="1"/>
+          </p:cNvPicPr>
+          <p:nvPr/>
+        </p:nvPicPr>
+        <p:blipFill>
+          <a:blip r:embed="rId3"/>
+          <a:stretch>
+            <a:fillRect/>
+          </a:stretch>
+        </p:blipFill>
+        <p:spPr>
+          <a:xfrm>
+            <a:off x="1227859" y="3617768"/>
+            <a:ext cx="3771900" cy="1450731"/>
+          </a:xfrm>
+          <a:prstGeom prst="rect">
+            <a:avLst/>
+          </a:prstGeom>
+        </p:spPr>
+      </p:pic>
     </p:spTree>
     <p:extLst>
       <p:ext uri="{BB962C8B-B14F-4D97-AF65-F5344CB8AC3E}">
@@ -5159,7 +5362,7 @@
 </p:sld>
 </file>
 
-<file path=ppt/slides/slide15.xml><?xml version="1.0" encoding="utf-8"?>
+<file path=ppt/slides/slide18.xml><?xml version="1.0" encoding="utf-8"?>
 <p:sld xmlns:a="http://schemas.openxmlformats.org/drawingml/2006/main" xmlns:r="http://schemas.openxmlformats.org/officeDocument/2006/relationships" xmlns:p="http://schemas.openxmlformats.org/presentationml/2006/main">
   <p:cSld>
     <p:spTree>
@@ -5178,10 +5381,10 @@
       </p:grpSpPr>
       <p:sp>
         <p:nvSpPr>
-          <p:cNvPr id="2" name="Title 1">
+          <p:cNvPr id="3" name="Content Placeholder 2">
             <a:extLst>
               <a:ext uri="{FF2B5EF4-FFF2-40B4-BE49-F238E27FC236}">
-                <a16:creationId xmlns:a16="http://schemas.microsoft.com/office/drawing/2014/main" id="{3F994464-C4FA-3B41-ABC0-07A9D9012E76}"/>
+                <a16:creationId xmlns:a16="http://schemas.microsoft.com/office/drawing/2014/main" id="{50D45C8F-8453-5C4F-9544-687E36CA30F4}"/>
               </a:ext>
             </a:extLst>
           </p:cNvPr>
@@ -5189,34 +5392,313 @@
             <a:spLocks noGrp="1"/>
           </p:cNvSpPr>
           <p:nvPr>
-            <p:ph type="title"/>
+            <p:ph sz="half" idx="1"/>
           </p:nvPr>
         </p:nvSpPr>
         <p:spPr>
           <a:xfrm>
-            <a:off x="4166380" y="2461000"/>
-            <a:ext cx="10515600" cy="1325563"/>
-          </a:xfrm>
-        </p:spPr>
-        <p:txBody>
-          <a:bodyPr/>
-          <a:lstStyle/>
-          <a:p>
-            <a:r>
-              <a:rPr lang="en-US" b="1" dirty="0">
-                <a:solidFill>
-                  <a:srgbClr val="0070C0"/>
-                </a:solidFill>
-              </a:rPr>
-              <a:t>Thank You!!</a:t>
-            </a:r>
-          </a:p>
-        </p:txBody>
-      </p:sp>
+            <a:off x="187037" y="114300"/>
+            <a:ext cx="10432472" cy="6062663"/>
+          </a:xfrm>
+        </p:spPr>
+        <p:txBody>
+          <a:bodyPr>
+            <a:normAutofit/>
+          </a:bodyPr>
+          <a:lstStyle/>
+          <a:p>
+            <a:r>
+              <a:rPr lang="en-IN" dirty="0"/>
+              <a:t>Printing to the console</a:t>
+            </a:r>
+          </a:p>
+          <a:p>
+            <a:endParaRPr lang="en-IN" dirty="0"/>
+          </a:p>
+          <a:p>
+            <a:endParaRPr lang="en-IN" dirty="0"/>
+          </a:p>
+          <a:p>
+            <a:endParaRPr lang="en-IN" dirty="0"/>
+          </a:p>
+          <a:p>
+            <a:endParaRPr lang="en-IN" dirty="0"/>
+          </a:p>
+          <a:p>
+            <a:r>
+              <a:rPr lang="en-IN" dirty="0"/>
+              <a:t>Variables</a:t>
+            </a:r>
+          </a:p>
+          <a:p>
+            <a:pPr marL="0" indent="0">
+              <a:buNone/>
+            </a:pPr>
+            <a:endParaRPr lang="en-IN" dirty="0"/>
+          </a:p>
+          <a:p>
+            <a:pPr marL="0" indent="0">
+              <a:buNone/>
+            </a:pPr>
+            <a:endParaRPr lang="en-IN" dirty="0"/>
+          </a:p>
+        </p:txBody>
+      </p:sp>
+      <p:pic>
+        <p:nvPicPr>
+          <p:cNvPr id="9" name="Picture 8">
+            <a:extLst>
+              <a:ext uri="{FF2B5EF4-FFF2-40B4-BE49-F238E27FC236}">
+                <a16:creationId xmlns:a16="http://schemas.microsoft.com/office/drawing/2014/main" id="{192A592A-197E-DA4E-9CE5-EC531BA409A1}"/>
+              </a:ext>
+            </a:extLst>
+          </p:cNvPr>
+          <p:cNvPicPr>
+            <a:picLocks noChangeAspect="1"/>
+          </p:cNvPicPr>
+          <p:nvPr/>
+        </p:nvPicPr>
+        <p:blipFill>
+          <a:blip r:embed="rId2"/>
+          <a:stretch>
+            <a:fillRect/>
+          </a:stretch>
+        </p:blipFill>
+        <p:spPr>
+          <a:xfrm>
+            <a:off x="680027" y="657803"/>
+            <a:ext cx="3111500" cy="711200"/>
+          </a:xfrm>
+          <a:prstGeom prst="rect">
+            <a:avLst/>
+          </a:prstGeom>
+        </p:spPr>
+      </p:pic>
+      <p:pic>
+        <p:nvPicPr>
+          <p:cNvPr id="11" name="Picture 10">
+            <a:extLst>
+              <a:ext uri="{FF2B5EF4-FFF2-40B4-BE49-F238E27FC236}">
+                <a16:creationId xmlns:a16="http://schemas.microsoft.com/office/drawing/2014/main" id="{FF1C0B0B-DC23-2048-A383-0192F8DA866D}"/>
+              </a:ext>
+            </a:extLst>
+          </p:cNvPr>
+          <p:cNvPicPr>
+            <a:picLocks noChangeAspect="1"/>
+          </p:cNvPicPr>
+          <p:nvPr/>
+        </p:nvPicPr>
+        <p:blipFill>
+          <a:blip r:embed="rId3"/>
+          <a:stretch>
+            <a:fillRect/>
+          </a:stretch>
+        </p:blipFill>
+        <p:spPr>
+          <a:xfrm>
+            <a:off x="680027" y="1526742"/>
+            <a:ext cx="3111500" cy="709179"/>
+          </a:xfrm>
+          <a:prstGeom prst="rect">
+            <a:avLst/>
+          </a:prstGeom>
+        </p:spPr>
+      </p:pic>
+      <p:pic>
+        <p:nvPicPr>
+          <p:cNvPr id="13" name="Picture 12">
+            <a:extLst>
+              <a:ext uri="{FF2B5EF4-FFF2-40B4-BE49-F238E27FC236}">
+                <a16:creationId xmlns:a16="http://schemas.microsoft.com/office/drawing/2014/main" id="{9FF15C62-B7F2-874E-A404-40F2D0534360}"/>
+              </a:ext>
+            </a:extLst>
+          </p:cNvPr>
+          <p:cNvPicPr>
+            <a:picLocks noChangeAspect="1"/>
+          </p:cNvPicPr>
+          <p:nvPr/>
+        </p:nvPicPr>
+        <p:blipFill>
+          <a:blip r:embed="rId4"/>
+          <a:stretch>
+            <a:fillRect/>
+          </a:stretch>
+        </p:blipFill>
+        <p:spPr>
+          <a:xfrm>
+            <a:off x="680027" y="3268518"/>
+            <a:ext cx="6057900" cy="736600"/>
+          </a:xfrm>
+          <a:prstGeom prst="rect">
+            <a:avLst/>
+          </a:prstGeom>
+        </p:spPr>
+      </p:pic>
+      <p:pic>
+        <p:nvPicPr>
+          <p:cNvPr id="15" name="Picture 14">
+            <a:extLst>
+              <a:ext uri="{FF2B5EF4-FFF2-40B4-BE49-F238E27FC236}">
+                <a16:creationId xmlns:a16="http://schemas.microsoft.com/office/drawing/2014/main" id="{C31D177D-6137-5F47-BA6A-E7B25010A6FE}"/>
+              </a:ext>
+            </a:extLst>
+          </p:cNvPr>
+          <p:cNvPicPr>
+            <a:picLocks noChangeAspect="1"/>
+          </p:cNvPicPr>
+          <p:nvPr/>
+        </p:nvPicPr>
+        <p:blipFill>
+          <a:blip r:embed="rId5"/>
+          <a:stretch>
+            <a:fillRect/>
+          </a:stretch>
+        </p:blipFill>
+        <p:spPr>
+          <a:xfrm>
+            <a:off x="680027" y="4240933"/>
+            <a:ext cx="5918200" cy="1206500"/>
+          </a:xfrm>
+          <a:prstGeom prst="rect">
+            <a:avLst/>
+          </a:prstGeom>
+        </p:spPr>
+      </p:pic>
     </p:spTree>
     <p:extLst>
       <p:ext uri="{BB962C8B-B14F-4D97-AF65-F5344CB8AC3E}">
-        <p14:creationId xmlns:p14="http://schemas.microsoft.com/office/powerpoint/2010/main" val="729256220"/>
+        <p14:creationId xmlns:p14="http://schemas.microsoft.com/office/powerpoint/2010/main" val="63515484"/>
+      </p:ext>
+    </p:extLst>
+  </p:cSld>
+  <p:clrMapOvr>
+    <a:masterClrMapping/>
+  </p:clrMapOvr>
+</p:sld>
+</file>
+
+<file path=ppt/slides/slide19.xml><?xml version="1.0" encoding="utf-8"?>
+<p:sld xmlns:a="http://schemas.openxmlformats.org/drawingml/2006/main" xmlns:r="http://schemas.openxmlformats.org/officeDocument/2006/relationships" xmlns:p="http://schemas.openxmlformats.org/presentationml/2006/main">
+  <p:cSld>
+    <p:spTree>
+      <p:nvGrpSpPr>
+        <p:cNvPr id="1" name=""/>
+        <p:cNvGrpSpPr/>
+        <p:nvPr/>
+      </p:nvGrpSpPr>
+      <p:grpSpPr>
+        <a:xfrm>
+          <a:off x="0" y="0"/>
+          <a:ext cx="0" cy="0"/>
+          <a:chOff x="0" y="0"/>
+          <a:chExt cx="0" cy="0"/>
+        </a:xfrm>
+      </p:grpSpPr>
+      <p:sp>
+        <p:nvSpPr>
+          <p:cNvPr id="3" name="Content Placeholder 2">
+            <a:extLst>
+              <a:ext uri="{FF2B5EF4-FFF2-40B4-BE49-F238E27FC236}">
+                <a16:creationId xmlns:a16="http://schemas.microsoft.com/office/drawing/2014/main" id="{50D45C8F-8453-5C4F-9544-687E36CA30F4}"/>
+              </a:ext>
+            </a:extLst>
+          </p:cNvPr>
+          <p:cNvSpPr>
+            <a:spLocks noGrp="1"/>
+          </p:cNvSpPr>
+          <p:nvPr>
+            <p:ph sz="half" idx="1"/>
+          </p:nvPr>
+        </p:nvSpPr>
+        <p:spPr>
+          <a:xfrm>
+            <a:off x="187037" y="114300"/>
+            <a:ext cx="10432472" cy="6062663"/>
+          </a:xfrm>
+        </p:spPr>
+        <p:txBody>
+          <a:bodyPr>
+            <a:normAutofit/>
+          </a:bodyPr>
+          <a:lstStyle/>
+          <a:p>
+            <a:r>
+              <a:rPr lang="en-IN" dirty="0"/>
+              <a:t>Functions</a:t>
+            </a:r>
+          </a:p>
+          <a:p>
+            <a:pPr marL="0" indent="0">
+              <a:buNone/>
+            </a:pPr>
+            <a:endParaRPr lang="en-IN" dirty="0"/>
+          </a:p>
+        </p:txBody>
+      </p:sp>
+      <p:pic>
+        <p:nvPicPr>
+          <p:cNvPr id="4" name="Picture 3">
+            <a:extLst>
+              <a:ext uri="{FF2B5EF4-FFF2-40B4-BE49-F238E27FC236}">
+                <a16:creationId xmlns:a16="http://schemas.microsoft.com/office/drawing/2014/main" id="{89E8A979-C7CF-6846-A643-97E534E77F2A}"/>
+              </a:ext>
+            </a:extLst>
+          </p:cNvPr>
+          <p:cNvPicPr>
+            <a:picLocks noChangeAspect="1"/>
+          </p:cNvPicPr>
+          <p:nvPr/>
+        </p:nvPicPr>
+        <p:blipFill>
+          <a:blip r:embed="rId2"/>
+          <a:stretch>
+            <a:fillRect/>
+          </a:stretch>
+        </p:blipFill>
+        <p:spPr>
+          <a:xfrm>
+            <a:off x="187036" y="834735"/>
+            <a:ext cx="3803471" cy="1347355"/>
+          </a:xfrm>
+          <a:prstGeom prst="rect">
+            <a:avLst/>
+          </a:prstGeom>
+        </p:spPr>
+      </p:pic>
+      <p:pic>
+        <p:nvPicPr>
+          <p:cNvPr id="6" name="Picture 5">
+            <a:extLst>
+              <a:ext uri="{FF2B5EF4-FFF2-40B4-BE49-F238E27FC236}">
+                <a16:creationId xmlns:a16="http://schemas.microsoft.com/office/drawing/2014/main" id="{A15EA1B0-F364-C647-AC75-81EBD1E70F9E}"/>
+              </a:ext>
+            </a:extLst>
+          </p:cNvPr>
+          <p:cNvPicPr>
+            <a:picLocks noChangeAspect="1"/>
+          </p:cNvPicPr>
+          <p:nvPr/>
+        </p:nvPicPr>
+        <p:blipFill>
+          <a:blip r:embed="rId3"/>
+          <a:stretch>
+            <a:fillRect/>
+          </a:stretch>
+        </p:blipFill>
+        <p:spPr>
+          <a:xfrm>
+            <a:off x="187037" y="2523259"/>
+            <a:ext cx="3823854" cy="2613213"/>
+          </a:xfrm>
+          <a:prstGeom prst="rect">
+            <a:avLst/>
+          </a:prstGeom>
+        </p:spPr>
+      </p:pic>
+    </p:spTree>
+    <p:extLst>
+      <p:ext uri="{BB962C8B-B14F-4D97-AF65-F5344CB8AC3E}">
+        <p14:creationId xmlns:p14="http://schemas.microsoft.com/office/powerpoint/2010/main" val="2794987909"/>
       </p:ext>
     </p:extLst>
   </p:cSld>
@@ -5374,6 +5856,750 @@
 </p:sld>
 </file>
 
+<file path=ppt/slides/slide20.xml><?xml version="1.0" encoding="utf-8"?>
+<p:sld xmlns:a="http://schemas.openxmlformats.org/drawingml/2006/main" xmlns:r="http://schemas.openxmlformats.org/officeDocument/2006/relationships" xmlns:p="http://schemas.openxmlformats.org/presentationml/2006/main">
+  <p:cSld>
+    <p:spTree>
+      <p:nvGrpSpPr>
+        <p:cNvPr id="1" name=""/>
+        <p:cNvGrpSpPr/>
+        <p:nvPr/>
+      </p:nvGrpSpPr>
+      <p:grpSpPr>
+        <a:xfrm>
+          <a:off x="0" y="0"/>
+          <a:ext cx="0" cy="0"/>
+          <a:chOff x="0" y="0"/>
+          <a:chExt cx="0" cy="0"/>
+        </a:xfrm>
+      </p:grpSpPr>
+      <p:sp>
+        <p:nvSpPr>
+          <p:cNvPr id="3" name="Content Placeholder 2">
+            <a:extLst>
+              <a:ext uri="{FF2B5EF4-FFF2-40B4-BE49-F238E27FC236}">
+                <a16:creationId xmlns:a16="http://schemas.microsoft.com/office/drawing/2014/main" id="{50D45C8F-8453-5C4F-9544-687E36CA30F4}"/>
+              </a:ext>
+            </a:extLst>
+          </p:cNvPr>
+          <p:cNvSpPr>
+            <a:spLocks noGrp="1"/>
+          </p:cNvSpPr>
+          <p:nvPr>
+            <p:ph sz="half" idx="1"/>
+          </p:nvPr>
+        </p:nvSpPr>
+        <p:spPr>
+          <a:xfrm>
+            <a:off x="187037" y="114300"/>
+            <a:ext cx="10432472" cy="6062663"/>
+          </a:xfrm>
+        </p:spPr>
+        <p:txBody>
+          <a:bodyPr>
+            <a:normAutofit/>
+          </a:bodyPr>
+          <a:lstStyle/>
+          <a:p>
+            <a:r>
+              <a:rPr lang="en-IN" dirty="0"/>
+              <a:t>Import</a:t>
+            </a:r>
+          </a:p>
+          <a:p>
+            <a:endParaRPr lang="en-IN" dirty="0"/>
+          </a:p>
+          <a:p>
+            <a:pPr marL="0" indent="0">
+              <a:buNone/>
+            </a:pPr>
+            <a:endParaRPr lang="en-IN" dirty="0"/>
+          </a:p>
+          <a:p>
+            <a:pPr marL="0" indent="0">
+              <a:buNone/>
+            </a:pPr>
+            <a:endParaRPr lang="en-IN" dirty="0"/>
+          </a:p>
+          <a:p>
+            <a:pPr marL="0" indent="0">
+              <a:buNone/>
+            </a:pPr>
+            <a:r>
+              <a:rPr lang="en-IN" sz="1600" dirty="0">
+                <a:solidFill>
+                  <a:schemeClr val="bg1">
+                    <a:lumMod val="75000"/>
+                  </a:schemeClr>
+                </a:solidFill>
+              </a:rPr>
+              <a:t>         </a:t>
+            </a:r>
+          </a:p>
+          <a:p>
+            <a:pPr marL="0" indent="0">
+              <a:buNone/>
+            </a:pPr>
+            <a:r>
+              <a:rPr lang="en-IN" sz="1600" dirty="0">
+                <a:solidFill>
+                  <a:schemeClr val="bg1">
+                    <a:lumMod val="75000"/>
+                  </a:schemeClr>
+                </a:solidFill>
+              </a:rPr>
+              <a:t>       </a:t>
+            </a:r>
+            <a:r>
+              <a:rPr lang="en-IN" sz="1800" dirty="0">
+                <a:solidFill>
+                  <a:schemeClr val="bg1">
+                    <a:lumMod val="75000"/>
+                  </a:schemeClr>
+                </a:solidFill>
+              </a:rPr>
+              <a:t>// Dart</a:t>
+            </a:r>
+            <a:endParaRPr lang="en-IN" sz="1600" dirty="0">
+              <a:solidFill>
+                <a:schemeClr val="bg1">
+                  <a:lumMod val="75000"/>
+                </a:schemeClr>
+              </a:solidFill>
+            </a:endParaRPr>
+          </a:p>
+        </p:txBody>
+      </p:sp>
+      <p:pic>
+        <p:nvPicPr>
+          <p:cNvPr id="4" name="Picture 3">
+            <a:extLst>
+              <a:ext uri="{FF2B5EF4-FFF2-40B4-BE49-F238E27FC236}">
+                <a16:creationId xmlns:a16="http://schemas.microsoft.com/office/drawing/2014/main" id="{E1FF685B-2F1E-104E-B1AB-3FA1204CBBF1}"/>
+              </a:ext>
+            </a:extLst>
+          </p:cNvPr>
+          <p:cNvPicPr>
+            <a:picLocks noChangeAspect="1"/>
+          </p:cNvPicPr>
+          <p:nvPr/>
+        </p:nvPicPr>
+        <p:blipFill>
+          <a:blip r:embed="rId2"/>
+          <a:stretch>
+            <a:fillRect/>
+          </a:stretch>
+        </p:blipFill>
+        <p:spPr>
+          <a:xfrm>
+            <a:off x="587664" y="970973"/>
+            <a:ext cx="5842000" cy="863600"/>
+          </a:xfrm>
+          <a:prstGeom prst="rect">
+            <a:avLst/>
+          </a:prstGeom>
+        </p:spPr>
+      </p:pic>
+      <p:pic>
+        <p:nvPicPr>
+          <p:cNvPr id="6" name="Picture 5">
+            <a:extLst>
+              <a:ext uri="{FF2B5EF4-FFF2-40B4-BE49-F238E27FC236}">
+                <a16:creationId xmlns:a16="http://schemas.microsoft.com/office/drawing/2014/main" id="{D33DC336-7FBB-454C-8AD5-E722784B8DD3}"/>
+              </a:ext>
+            </a:extLst>
+          </p:cNvPr>
+          <p:cNvPicPr>
+            <a:picLocks noChangeAspect="1"/>
+          </p:cNvPicPr>
+          <p:nvPr/>
+        </p:nvPicPr>
+        <p:blipFill>
+          <a:blip r:embed="rId3"/>
+          <a:stretch>
+            <a:fillRect/>
+          </a:stretch>
+        </p:blipFill>
+        <p:spPr>
+          <a:xfrm>
+            <a:off x="587664" y="3014590"/>
+            <a:ext cx="4737100" cy="1155700"/>
+          </a:xfrm>
+          <a:prstGeom prst="rect">
+            <a:avLst/>
+          </a:prstGeom>
+        </p:spPr>
+      </p:pic>
+    </p:spTree>
+    <p:extLst>
+      <p:ext uri="{BB962C8B-B14F-4D97-AF65-F5344CB8AC3E}">
+        <p14:creationId xmlns:p14="http://schemas.microsoft.com/office/powerpoint/2010/main" val="1508296349"/>
+      </p:ext>
+    </p:extLst>
+  </p:cSld>
+  <p:clrMapOvr>
+    <a:masterClrMapping/>
+  </p:clrMapOvr>
+</p:sld>
+</file>
+
+<file path=ppt/slides/slide21.xml><?xml version="1.0" encoding="utf-8"?>
+<p:sld xmlns:a="http://schemas.openxmlformats.org/drawingml/2006/main" xmlns:r="http://schemas.openxmlformats.org/officeDocument/2006/relationships" xmlns:p="http://schemas.openxmlformats.org/presentationml/2006/main">
+  <p:cSld>
+    <p:spTree>
+      <p:nvGrpSpPr>
+        <p:cNvPr id="1" name=""/>
+        <p:cNvGrpSpPr/>
+        <p:nvPr/>
+      </p:nvGrpSpPr>
+      <p:grpSpPr>
+        <a:xfrm>
+          <a:off x="0" y="0"/>
+          <a:ext cx="0" cy="0"/>
+          <a:chOff x="0" y="0"/>
+          <a:chExt cx="0" cy="0"/>
+        </a:xfrm>
+      </p:grpSpPr>
+      <p:sp>
+        <p:nvSpPr>
+          <p:cNvPr id="3" name="Content Placeholder 2">
+            <a:extLst>
+              <a:ext uri="{FF2B5EF4-FFF2-40B4-BE49-F238E27FC236}">
+                <a16:creationId xmlns:a16="http://schemas.microsoft.com/office/drawing/2014/main" id="{50D45C8F-8453-5C4F-9544-687E36CA30F4}"/>
+              </a:ext>
+            </a:extLst>
+          </p:cNvPr>
+          <p:cNvSpPr>
+            <a:spLocks noGrp="1"/>
+          </p:cNvSpPr>
+          <p:nvPr>
+            <p:ph sz="half" idx="1"/>
+          </p:nvPr>
+        </p:nvSpPr>
+        <p:spPr>
+          <a:xfrm>
+            <a:off x="187037" y="114300"/>
+            <a:ext cx="10432472" cy="6062663"/>
+          </a:xfrm>
+        </p:spPr>
+        <p:txBody>
+          <a:bodyPr>
+            <a:normAutofit/>
+          </a:bodyPr>
+          <a:lstStyle/>
+          <a:p>
+            <a:r>
+              <a:rPr lang="en-IN" dirty="0"/>
+              <a:t>Hello World Example:</a:t>
+            </a:r>
+          </a:p>
+          <a:p>
+            <a:r>
+              <a:rPr lang="en-IN" sz="2000" dirty="0"/>
+              <a:t>React Native</a:t>
+            </a:r>
+          </a:p>
+          <a:p>
+            <a:pPr marL="0" indent="0">
+              <a:buNone/>
+            </a:pPr>
+            <a:endParaRPr lang="en-IN" dirty="0"/>
+          </a:p>
+        </p:txBody>
+      </p:sp>
+      <p:pic>
+        <p:nvPicPr>
+          <p:cNvPr id="5" name="Picture 4">
+            <a:extLst>
+              <a:ext uri="{FF2B5EF4-FFF2-40B4-BE49-F238E27FC236}">
+                <a16:creationId xmlns:a16="http://schemas.microsoft.com/office/drawing/2014/main" id="{9D754A20-5ECB-0C49-AA21-B9A34578BD6F}"/>
+              </a:ext>
+            </a:extLst>
+          </p:cNvPr>
+          <p:cNvPicPr>
+            <a:picLocks noChangeAspect="1"/>
+          </p:cNvPicPr>
+          <p:nvPr/>
+        </p:nvPicPr>
+        <p:blipFill>
+          <a:blip r:embed="rId2"/>
+          <a:stretch>
+            <a:fillRect/>
+          </a:stretch>
+        </p:blipFill>
+        <p:spPr>
+          <a:xfrm>
+            <a:off x="3109191" y="598055"/>
+            <a:ext cx="5994400" cy="5994400"/>
+          </a:xfrm>
+          <a:prstGeom prst="rect">
+            <a:avLst/>
+          </a:prstGeom>
+        </p:spPr>
+      </p:pic>
+    </p:spTree>
+    <p:extLst>
+      <p:ext uri="{BB962C8B-B14F-4D97-AF65-F5344CB8AC3E}">
+        <p14:creationId xmlns:p14="http://schemas.microsoft.com/office/powerpoint/2010/main" val="662587841"/>
+      </p:ext>
+    </p:extLst>
+  </p:cSld>
+  <p:clrMapOvr>
+    <a:masterClrMapping/>
+  </p:clrMapOvr>
+</p:sld>
+</file>
+
+<file path=ppt/slides/slide22.xml><?xml version="1.0" encoding="utf-8"?>
+<p:sld xmlns:a="http://schemas.openxmlformats.org/drawingml/2006/main" xmlns:r="http://schemas.openxmlformats.org/officeDocument/2006/relationships" xmlns:p="http://schemas.openxmlformats.org/presentationml/2006/main">
+  <p:cSld>
+    <p:spTree>
+      <p:nvGrpSpPr>
+        <p:cNvPr id="1" name=""/>
+        <p:cNvGrpSpPr/>
+        <p:nvPr/>
+      </p:nvGrpSpPr>
+      <p:grpSpPr>
+        <a:xfrm>
+          <a:off x="0" y="0"/>
+          <a:ext cx="0" cy="0"/>
+          <a:chOff x="0" y="0"/>
+          <a:chExt cx="0" cy="0"/>
+        </a:xfrm>
+      </p:grpSpPr>
+      <p:sp>
+        <p:nvSpPr>
+          <p:cNvPr id="3" name="Content Placeholder 2">
+            <a:extLst>
+              <a:ext uri="{FF2B5EF4-FFF2-40B4-BE49-F238E27FC236}">
+                <a16:creationId xmlns:a16="http://schemas.microsoft.com/office/drawing/2014/main" id="{50D45C8F-8453-5C4F-9544-687E36CA30F4}"/>
+              </a:ext>
+            </a:extLst>
+          </p:cNvPr>
+          <p:cNvSpPr>
+            <a:spLocks noGrp="1"/>
+          </p:cNvSpPr>
+          <p:nvPr>
+            <p:ph sz="half" idx="1"/>
+          </p:nvPr>
+        </p:nvSpPr>
+        <p:spPr>
+          <a:xfrm>
+            <a:off x="187037" y="114300"/>
+            <a:ext cx="10432472" cy="6062663"/>
+          </a:xfrm>
+        </p:spPr>
+        <p:txBody>
+          <a:bodyPr>
+            <a:normAutofit/>
+          </a:bodyPr>
+          <a:lstStyle/>
+          <a:p>
+            <a:r>
+              <a:rPr lang="en-IN" dirty="0"/>
+              <a:t>Hello World Example:</a:t>
+            </a:r>
+          </a:p>
+          <a:p>
+            <a:r>
+              <a:rPr lang="en-IN" sz="2000" dirty="0"/>
+              <a:t>Flutter</a:t>
+            </a:r>
+          </a:p>
+          <a:p>
+            <a:pPr marL="0" indent="0">
+              <a:buNone/>
+            </a:pPr>
+            <a:endParaRPr lang="en-IN" dirty="0"/>
+          </a:p>
+        </p:txBody>
+      </p:sp>
+      <p:pic>
+        <p:nvPicPr>
+          <p:cNvPr id="4" name="Picture 3">
+            <a:extLst>
+              <a:ext uri="{FF2B5EF4-FFF2-40B4-BE49-F238E27FC236}">
+                <a16:creationId xmlns:a16="http://schemas.microsoft.com/office/drawing/2014/main" id="{568AE237-5BD6-7F48-9BFD-755D53AE4FF0}"/>
+              </a:ext>
+            </a:extLst>
+          </p:cNvPr>
+          <p:cNvPicPr>
+            <a:picLocks noChangeAspect="1"/>
+          </p:cNvPicPr>
+          <p:nvPr/>
+        </p:nvPicPr>
+        <p:blipFill>
+          <a:blip r:embed="rId2"/>
+          <a:stretch>
+            <a:fillRect/>
+          </a:stretch>
+        </p:blipFill>
+        <p:spPr>
+          <a:xfrm>
+            <a:off x="2958523" y="1316831"/>
+            <a:ext cx="6073966" cy="4543642"/>
+          </a:xfrm>
+          <a:prstGeom prst="rect">
+            <a:avLst/>
+          </a:prstGeom>
+        </p:spPr>
+      </p:pic>
+    </p:spTree>
+    <p:extLst>
+      <p:ext uri="{BB962C8B-B14F-4D97-AF65-F5344CB8AC3E}">
+        <p14:creationId xmlns:p14="http://schemas.microsoft.com/office/powerpoint/2010/main" val="1644451229"/>
+      </p:ext>
+    </p:extLst>
+  </p:cSld>
+  <p:clrMapOvr>
+    <a:masterClrMapping/>
+  </p:clrMapOvr>
+</p:sld>
+</file>
+
+<file path=ppt/slides/slide23.xml><?xml version="1.0" encoding="utf-8"?>
+<p:sld xmlns:a="http://schemas.openxmlformats.org/drawingml/2006/main" xmlns:r="http://schemas.openxmlformats.org/officeDocument/2006/relationships" xmlns:p="http://schemas.openxmlformats.org/presentationml/2006/main">
+  <p:cSld>
+    <p:spTree>
+      <p:nvGrpSpPr>
+        <p:cNvPr id="1" name=""/>
+        <p:cNvGrpSpPr/>
+        <p:nvPr/>
+      </p:nvGrpSpPr>
+      <p:grpSpPr>
+        <a:xfrm>
+          <a:off x="0" y="0"/>
+          <a:ext cx="0" cy="0"/>
+          <a:chOff x="0" y="0"/>
+          <a:chExt cx="0" cy="0"/>
+        </a:xfrm>
+      </p:grpSpPr>
+      <p:sp>
+        <p:nvSpPr>
+          <p:cNvPr id="2" name="Title 1">
+            <a:extLst>
+              <a:ext uri="{FF2B5EF4-FFF2-40B4-BE49-F238E27FC236}">
+                <a16:creationId xmlns:a16="http://schemas.microsoft.com/office/drawing/2014/main" id="{2AB56FF5-B25A-7A4A-9F13-EEB214E1231B}"/>
+              </a:ext>
+            </a:extLst>
+          </p:cNvPr>
+          <p:cNvSpPr>
+            <a:spLocks noGrp="1"/>
+          </p:cNvSpPr>
+          <p:nvPr>
+            <p:ph type="title"/>
+          </p:nvPr>
+        </p:nvSpPr>
+        <p:spPr>
+          <a:xfrm>
+            <a:off x="838200" y="126134"/>
+            <a:ext cx="10515600" cy="1325563"/>
+          </a:xfrm>
+        </p:spPr>
+        <p:txBody>
+          <a:bodyPr/>
+          <a:lstStyle/>
+          <a:p>
+            <a:r>
+              <a:rPr lang="en-US" dirty="0"/>
+              <a:t>Documentation &amp; Community Support</a:t>
+            </a:r>
+          </a:p>
+        </p:txBody>
+      </p:sp>
+      <p:sp>
+        <p:nvSpPr>
+          <p:cNvPr id="3" name="Content Placeholder 2">
+            <a:extLst>
+              <a:ext uri="{FF2B5EF4-FFF2-40B4-BE49-F238E27FC236}">
+                <a16:creationId xmlns:a16="http://schemas.microsoft.com/office/drawing/2014/main" id="{50D45C8F-8453-5C4F-9544-687E36CA30F4}"/>
+              </a:ext>
+            </a:extLst>
+          </p:cNvPr>
+          <p:cNvSpPr>
+            <a:spLocks noGrp="1"/>
+          </p:cNvSpPr>
+          <p:nvPr>
+            <p:ph sz="half" idx="1"/>
+          </p:nvPr>
+        </p:nvSpPr>
+        <p:spPr>
+          <a:xfrm>
+            <a:off x="838200" y="1267691"/>
+            <a:ext cx="5181600" cy="4909272"/>
+          </a:xfrm>
+        </p:spPr>
+        <p:txBody>
+          <a:bodyPr>
+            <a:normAutofit fontScale="70000" lnSpcReduction="20000"/>
+          </a:bodyPr>
+          <a:lstStyle/>
+          <a:p>
+            <a:pPr marL="285750" indent="-285750">
+              <a:lnSpc>
+                <a:spcPct val="150000"/>
+              </a:lnSpc>
+              <a:buFont typeface="Arial" charset="2"/>
+              <a:buChar char="•"/>
+            </a:pPr>
+            <a:r>
+              <a:rPr lang="en-US" dirty="0">
+                <a:solidFill>
+                  <a:schemeClr val="accent5">
+                    <a:lumMod val="10000"/>
+                  </a:schemeClr>
+                </a:solidFill>
+                <a:hlinkClick r:id="rId2"/>
+              </a:rPr>
+              <a:t>https://flutter.dev/docs/get-started/install</a:t>
+            </a:r>
+            <a:endParaRPr lang="en-US" dirty="0">
+              <a:solidFill>
+                <a:schemeClr val="accent5">
+                  <a:lumMod val="10000"/>
+                </a:schemeClr>
+              </a:solidFill>
+            </a:endParaRPr>
+          </a:p>
+          <a:p>
+            <a:pPr marL="285750" indent="-285750">
+              <a:lnSpc>
+                <a:spcPct val="150000"/>
+              </a:lnSpc>
+              <a:buFont typeface="Arial" charset="2"/>
+              <a:buChar char="•"/>
+            </a:pPr>
+            <a:r>
+              <a:rPr lang="en-US" dirty="0">
+                <a:solidFill>
+                  <a:schemeClr val="accent5">
+                    <a:lumMod val="10000"/>
+                  </a:schemeClr>
+                </a:solidFill>
+                <a:hlinkClick r:id="rId3"/>
+              </a:rPr>
+              <a:t>https://flutter.dev/docs/development/ui/widgets</a:t>
+            </a:r>
+            <a:endParaRPr lang="en-US" dirty="0">
+              <a:solidFill>
+                <a:schemeClr val="accent5">
+                  <a:lumMod val="10000"/>
+                </a:schemeClr>
+              </a:solidFill>
+            </a:endParaRPr>
+          </a:p>
+          <a:p>
+            <a:pPr marL="285750" indent="-285750">
+              <a:lnSpc>
+                <a:spcPct val="150000"/>
+              </a:lnSpc>
+              <a:buFont typeface="Arial" charset="2"/>
+              <a:buChar char="•"/>
+            </a:pPr>
+            <a:r>
+              <a:rPr lang="en-US" dirty="0">
+                <a:solidFill>
+                  <a:schemeClr val="accent5">
+                    <a:lumMod val="10000"/>
+                  </a:schemeClr>
+                </a:solidFill>
+                <a:hlinkClick r:id="rId4"/>
+              </a:rPr>
+              <a:t>https://flutter.dev/docs/get-started/flutter-for/react-native-devs</a:t>
+            </a:r>
+            <a:endParaRPr lang="en-US" dirty="0">
+              <a:solidFill>
+                <a:schemeClr val="accent5">
+                  <a:lumMod val="10000"/>
+                </a:schemeClr>
+              </a:solidFill>
+            </a:endParaRPr>
+          </a:p>
+          <a:p>
+            <a:pPr marL="285750" indent="-285750">
+              <a:lnSpc>
+                <a:spcPct val="150000"/>
+              </a:lnSpc>
+              <a:buFont typeface="Arial" charset="2"/>
+              <a:buChar char="•"/>
+            </a:pPr>
+            <a:r>
+              <a:rPr lang="en-US" dirty="0">
+                <a:solidFill>
+                  <a:schemeClr val="accent5">
+                    <a:lumMod val="10000"/>
+                  </a:schemeClr>
+                </a:solidFill>
+                <a:hlinkClick r:id="rId5"/>
+              </a:rPr>
+              <a:t>https://api.flutter.dev/</a:t>
+            </a:r>
+            <a:endParaRPr lang="en-US" dirty="0">
+              <a:solidFill>
+                <a:schemeClr val="accent5">
+                  <a:lumMod val="10000"/>
+                </a:schemeClr>
+              </a:solidFill>
+            </a:endParaRPr>
+          </a:p>
+          <a:p>
+            <a:pPr marL="285750" indent="-285750">
+              <a:lnSpc>
+                <a:spcPct val="150000"/>
+              </a:lnSpc>
+              <a:buFont typeface="Arial" charset="2"/>
+              <a:buChar char="•"/>
+            </a:pPr>
+            <a:r>
+              <a:rPr lang="en-US" dirty="0">
+                <a:solidFill>
+                  <a:schemeClr val="accent5">
+                    <a:lumMod val="10000"/>
+                  </a:schemeClr>
+                </a:solidFill>
+                <a:hlinkClick r:id="rId6"/>
+              </a:rPr>
+              <a:t>https://github.com/flutter/samples/blob/master/INDEX.md</a:t>
+            </a:r>
+            <a:endParaRPr lang="en-US" dirty="0">
+              <a:solidFill>
+                <a:schemeClr val="accent5">
+                  <a:lumMod val="10000"/>
+                </a:schemeClr>
+              </a:solidFill>
+            </a:endParaRPr>
+          </a:p>
+          <a:p>
+            <a:pPr marL="285750" indent="-285750">
+              <a:lnSpc>
+                <a:spcPct val="150000"/>
+              </a:lnSpc>
+              <a:buFont typeface="Arial" charset="2"/>
+              <a:buChar char="•"/>
+            </a:pPr>
+            <a:r>
+              <a:rPr lang="en-US" dirty="0">
+                <a:solidFill>
+                  <a:schemeClr val="accent5">
+                    <a:lumMod val="10000"/>
+                  </a:schemeClr>
+                </a:solidFill>
+                <a:hlinkClick r:id="rId7"/>
+              </a:rPr>
+              <a:t>https://www.youtube.com/</a:t>
+            </a:r>
+            <a:r>
+              <a:rPr lang="en-US" dirty="0" err="1">
+                <a:solidFill>
+                  <a:schemeClr val="accent5">
+                    <a:lumMod val="10000"/>
+                  </a:schemeClr>
+                </a:solidFill>
+                <a:hlinkClick r:id="rId7"/>
+              </a:rPr>
+              <a:t>flutterd</a:t>
+            </a:r>
+            <a:r>
+              <a:rPr lang="en-US" dirty="0" err="1">
+                <a:solidFill>
+                  <a:schemeClr val="accent5">
+                    <a:lumMod val="10000"/>
+                  </a:schemeClr>
+                </a:solidFill>
+                <a:hlinkClick r:id="rId7"/>
+              </a:rPr>
+              <a:t>ev</a:t>
+            </a:r>
+            <a:endParaRPr lang="en-US" dirty="0">
+              <a:solidFill>
+                <a:schemeClr val="accent5">
+                  <a:lumMod val="10000"/>
+                </a:schemeClr>
+              </a:solidFill>
+            </a:endParaRPr>
+          </a:p>
+        </p:txBody>
+      </p:sp>
+    </p:spTree>
+    <p:extLst>
+      <p:ext uri="{BB962C8B-B14F-4D97-AF65-F5344CB8AC3E}">
+        <p14:creationId xmlns:p14="http://schemas.microsoft.com/office/powerpoint/2010/main" val="3639593581"/>
+      </p:ext>
+    </p:extLst>
+  </p:cSld>
+  <p:clrMapOvr>
+    <a:masterClrMapping/>
+  </p:clrMapOvr>
+</p:sld>
+</file>
+
+<file path=ppt/slides/slide24.xml><?xml version="1.0" encoding="utf-8"?>
+<p:sld xmlns:a="http://schemas.openxmlformats.org/drawingml/2006/main" xmlns:r="http://schemas.openxmlformats.org/officeDocument/2006/relationships" xmlns:p="http://schemas.openxmlformats.org/presentationml/2006/main">
+  <p:cSld>
+    <p:spTree>
+      <p:nvGrpSpPr>
+        <p:cNvPr id="1" name=""/>
+        <p:cNvGrpSpPr/>
+        <p:nvPr/>
+      </p:nvGrpSpPr>
+      <p:grpSpPr>
+        <a:xfrm>
+          <a:off x="0" y="0"/>
+          <a:ext cx="0" cy="0"/>
+          <a:chOff x="0" y="0"/>
+          <a:chExt cx="0" cy="0"/>
+        </a:xfrm>
+      </p:grpSpPr>
+      <p:sp>
+        <p:nvSpPr>
+          <p:cNvPr id="2" name="Title 1">
+            <a:extLst>
+              <a:ext uri="{FF2B5EF4-FFF2-40B4-BE49-F238E27FC236}">
+                <a16:creationId xmlns:a16="http://schemas.microsoft.com/office/drawing/2014/main" id="{3F994464-C4FA-3B41-ABC0-07A9D9012E76}"/>
+              </a:ext>
+            </a:extLst>
+          </p:cNvPr>
+          <p:cNvSpPr>
+            <a:spLocks noGrp="1"/>
+          </p:cNvSpPr>
+          <p:nvPr>
+            <p:ph type="title"/>
+          </p:nvPr>
+        </p:nvSpPr>
+        <p:spPr>
+          <a:xfrm>
+            <a:off x="4166380" y="2461000"/>
+            <a:ext cx="10515600" cy="1325563"/>
+          </a:xfrm>
+        </p:spPr>
+        <p:txBody>
+          <a:bodyPr/>
+          <a:lstStyle/>
+          <a:p>
+            <a:r>
+              <a:rPr lang="en-US" b="1" dirty="0">
+                <a:solidFill>
+                  <a:srgbClr val="0070C0"/>
+                </a:solidFill>
+              </a:rPr>
+              <a:t>Thank You!!</a:t>
+            </a:r>
+          </a:p>
+        </p:txBody>
+      </p:sp>
+    </p:spTree>
+    <p:extLst>
+      <p:ext uri="{BB962C8B-B14F-4D97-AF65-F5344CB8AC3E}">
+        <p14:creationId xmlns:p14="http://schemas.microsoft.com/office/powerpoint/2010/main" val="729256220"/>
+      </p:ext>
+    </p:extLst>
+  </p:cSld>
+  <p:clrMapOvr>
+    <a:masterClrMapping/>
+  </p:clrMapOvr>
+</p:sld>
+</file>
+
 <file path=ppt/slides/slide3.xml><?xml version="1.0" encoding="utf-8"?>
 <p:sld xmlns:a="http://schemas.openxmlformats.org/drawingml/2006/main" xmlns:r="http://schemas.openxmlformats.org/officeDocument/2006/relationships" xmlns:p="http://schemas.openxmlformats.org/presentationml/2006/main">
   <p:cSld>
@@ -5396,7 +6622,7 @@
           <p:cNvPr id="2" name="Title 1">
             <a:extLst>
               <a:ext uri="{FF2B5EF4-FFF2-40B4-BE49-F238E27FC236}">
-                <a16:creationId xmlns:a16="http://schemas.microsoft.com/office/drawing/2014/main" id="{4B5A6F5D-854E-AF48-87DC-5DD0548EFCAB}"/>
+                <a16:creationId xmlns:a16="http://schemas.microsoft.com/office/drawing/2014/main" id="{0000EB2C-4FED-9941-8997-6BC7DB266948}"/>
               </a:ext>
             </a:extLst>
           </p:cNvPr>
@@ -5409,7 +6635,7 @@
         </p:nvSpPr>
         <p:spPr>
           <a:xfrm>
-            <a:off x="407773" y="155060"/>
+            <a:off x="838200" y="34886"/>
             <a:ext cx="10515600" cy="1325563"/>
           </a:xfrm>
         </p:spPr>
@@ -5418,51 +6644,125 @@
           <a:lstStyle/>
           <a:p>
             <a:r>
-              <a:rPr lang="en-US"/>
+              <a:rPr lang="en-US" dirty="0"/>
               <a:t>Architecture</a:t>
             </a:r>
-            <a:endParaRPr lang="en-US" dirty="0"/>
-          </a:p>
-        </p:txBody>
-      </p:sp>
-      <p:pic>
-        <p:nvPicPr>
-          <p:cNvPr id="7" name="Picture 6">
+          </a:p>
+        </p:txBody>
+      </p:sp>
+      <p:sp>
+        <p:nvSpPr>
+          <p:cNvPr id="3" name="Content Placeholder 2">
             <a:extLst>
               <a:ext uri="{FF2B5EF4-FFF2-40B4-BE49-F238E27FC236}">
-                <a16:creationId xmlns:a16="http://schemas.microsoft.com/office/drawing/2014/main" id="{89BFA07C-DFBF-344D-8994-976C9A54605F}"/>
+                <a16:creationId xmlns:a16="http://schemas.microsoft.com/office/drawing/2014/main" id="{489396A1-EDED-134F-A956-F076298E8744}"/>
               </a:ext>
             </a:extLst>
           </p:cNvPr>
-          <p:cNvPicPr/>
-          <p:nvPr/>
-        </p:nvPicPr>
-        <p:blipFill>
-          <a:blip r:embed="rId2">
-            <a:extLst>
-              <a:ext uri="{28A0092B-C50C-407E-A947-70E740481C1C}">
-                <a14:useLocalDpi xmlns:a14="http://schemas.microsoft.com/office/drawing/2010/main" val="0"/>
-              </a:ext>
-            </a:extLst>
-          </a:blip>
-          <a:stretch>
-            <a:fillRect/>
-          </a:stretch>
-        </p:blipFill>
+          <p:cNvSpPr>
+            <a:spLocks noGrp="1"/>
+          </p:cNvSpPr>
+          <p:nvPr>
+            <p:ph idx="1"/>
+          </p:nvPr>
+        </p:nvSpPr>
         <p:spPr>
           <a:xfrm>
-            <a:off x="1748200" y="1369634"/>
-            <a:ext cx="8850527" cy="4658498"/>
-          </a:xfrm>
-          <a:prstGeom prst="rect">
-            <a:avLst/>
-          </a:prstGeom>
-        </p:spPr>
-      </p:pic>
+            <a:off x="838200" y="925551"/>
+            <a:ext cx="10515600" cy="5251412"/>
+          </a:xfrm>
+        </p:spPr>
+        <p:txBody>
+          <a:bodyPr>
+            <a:normAutofit fontScale="92500" lnSpcReduction="10000"/>
+          </a:bodyPr>
+          <a:lstStyle/>
+          <a:p>
+            <a:pPr marL="0" indent="0">
+              <a:buNone/>
+            </a:pPr>
+            <a:endParaRPr lang="en-IN" dirty="0"/>
+          </a:p>
+          <a:p>
+            <a:r>
+              <a:rPr lang="en-IN" dirty="0"/>
+              <a:t>Flutter Engine implements Flutter's core libraries, including animation and graphics, file and network I/O, accessibility support, plugin architecture, and a Dart runtime and compile toolchain.</a:t>
+            </a:r>
+          </a:p>
+          <a:p>
+            <a:pPr marL="0" indent="0">
+              <a:buNone/>
+            </a:pPr>
+            <a:endParaRPr lang="en-IN" dirty="0"/>
+          </a:p>
+          <a:p>
+            <a:r>
+              <a:rPr lang="en-IN" dirty="0"/>
+              <a:t>Flutter code is powered by the world-class </a:t>
+            </a:r>
+            <a:r>
+              <a:rPr lang="en-IN" dirty="0">
+                <a:hlinkClick r:id="rId2"/>
+              </a:rPr>
+              <a:t>Dart platform</a:t>
+            </a:r>
+            <a:r>
+              <a:rPr lang="en-IN" dirty="0"/>
+              <a:t>, which enables compilation to 32-bit and 64-bit ARM machine code for iOS and Android</a:t>
+            </a:r>
+          </a:p>
+          <a:p>
+            <a:pPr marL="0" indent="0">
+              <a:buNone/>
+            </a:pPr>
+            <a:endParaRPr lang="en-IN" dirty="0"/>
+          </a:p>
+          <a:p>
+            <a:r>
+              <a:rPr lang="en-US" dirty="0">
+                <a:solidFill>
+                  <a:schemeClr val="accent5">
+                    <a:lumMod val="10000"/>
+                  </a:schemeClr>
+                </a:solidFill>
+              </a:rPr>
+              <a:t>Dart supports both AOT (Ahead Of Time) and JIT (Just In Time) compilation.</a:t>
+            </a:r>
+          </a:p>
+          <a:p>
+            <a:pPr marL="0" indent="0">
+              <a:buNone/>
+            </a:pPr>
+            <a:endParaRPr lang="en-IN" dirty="0"/>
+          </a:p>
+          <a:p>
+            <a:r>
+              <a:rPr lang="en-IN" dirty="0"/>
+              <a:t>It's powered by the same hardware-accelerated </a:t>
+            </a:r>
+            <a:r>
+              <a:rPr lang="en-IN" dirty="0">
+                <a:hlinkClick r:id="rId3"/>
+              </a:rPr>
+              <a:t>Skia</a:t>
+            </a:r>
+            <a:r>
+              <a:rPr lang="en-IN" dirty="0"/>
+              <a:t> 2D graphics library that underpins Chrome and Android</a:t>
+            </a:r>
+          </a:p>
+          <a:p>
+            <a:endParaRPr lang="en-IN" dirty="0"/>
+          </a:p>
+          <a:p>
+            <a:endParaRPr lang="en-IN" dirty="0"/>
+          </a:p>
+        </p:txBody>
+      </p:sp>
     </p:spTree>
     <p:extLst>
       <p:ext uri="{BB962C8B-B14F-4D97-AF65-F5344CB8AC3E}">
-        <p14:creationId xmlns:p14="http://schemas.microsoft.com/office/powerpoint/2010/main" val="1678852101"/>
+        <p14:creationId xmlns:p14="http://schemas.microsoft.com/office/powerpoint/2010/main" val="1077107355"/>
       </p:ext>
     </p:extLst>
   </p:cSld>
@@ -5494,7 +6794,7 @@
           <p:cNvPr id="2" name="Title 1">
             <a:extLst>
               <a:ext uri="{FF2B5EF4-FFF2-40B4-BE49-F238E27FC236}">
-                <a16:creationId xmlns:a16="http://schemas.microsoft.com/office/drawing/2014/main" id="{050C23AB-3104-6742-AE13-D27FA49A30B2}"/>
+                <a16:creationId xmlns:a16="http://schemas.microsoft.com/office/drawing/2014/main" id="{4B5A6F5D-854E-AF48-87DC-5DD0548EFCAB}"/>
               </a:ext>
             </a:extLst>
           </p:cNvPr>
@@ -5507,8 +6807,8 @@
         </p:nvSpPr>
         <p:spPr>
           <a:xfrm>
-            <a:off x="383059" y="32974"/>
-            <a:ext cx="10970741" cy="1325563"/>
+            <a:off x="407773" y="155060"/>
+            <a:ext cx="10515600" cy="1325563"/>
           </a:xfrm>
         </p:spPr>
         <p:txBody>
@@ -5517,149 +6817,49 @@
           <a:p>
             <a:r>
               <a:rPr lang="en-US" dirty="0"/>
-              <a:t>Features:</a:t>
-            </a:r>
-          </a:p>
-        </p:txBody>
-      </p:sp>
-      <p:sp>
-        <p:nvSpPr>
-          <p:cNvPr id="3" name="Content Placeholder 2">
+              <a:t>Architecture Diagram</a:t>
+            </a:r>
+          </a:p>
+        </p:txBody>
+      </p:sp>
+      <p:pic>
+        <p:nvPicPr>
+          <p:cNvPr id="7" name="Picture 6">
             <a:extLst>
               <a:ext uri="{FF2B5EF4-FFF2-40B4-BE49-F238E27FC236}">
-                <a16:creationId xmlns:a16="http://schemas.microsoft.com/office/drawing/2014/main" id="{BC0EAFAD-83DB-B049-98FF-16F69CAC8A26}"/>
+                <a16:creationId xmlns:a16="http://schemas.microsoft.com/office/drawing/2014/main" id="{89BFA07C-DFBF-344D-8994-976C9A54605F}"/>
               </a:ext>
             </a:extLst>
           </p:cNvPr>
-          <p:cNvSpPr>
-            <a:spLocks noGrp="1"/>
-          </p:cNvSpPr>
-          <p:nvPr>
-            <p:ph idx="1"/>
-          </p:nvPr>
-        </p:nvSpPr>
+          <p:cNvPicPr/>
+          <p:nvPr/>
+        </p:nvPicPr>
+        <p:blipFill>
+          <a:blip r:embed="rId2">
+            <a:extLst>
+              <a:ext uri="{28A0092B-C50C-407E-A947-70E740481C1C}">
+                <a14:useLocalDpi xmlns:a14="http://schemas.microsoft.com/office/drawing/2010/main" val="0"/>
+              </a:ext>
+            </a:extLst>
+          </a:blip>
+          <a:stretch>
+            <a:fillRect/>
+          </a:stretch>
+        </p:blipFill>
         <p:spPr>
           <a:xfrm>
-            <a:off x="383059" y="1097280"/>
-            <a:ext cx="10515600" cy="5564777"/>
-          </a:xfrm>
-        </p:spPr>
-        <p:txBody>
-          <a:bodyPr>
-            <a:normAutofit/>
-          </a:bodyPr>
-          <a:lstStyle/>
-          <a:p>
-            <a:pPr algn="just"/>
-            <a:r>
-              <a:rPr lang="en-US" dirty="0">
-                <a:solidFill>
-                  <a:schemeClr val="accent5">
-                    <a:lumMod val="10000"/>
-                  </a:schemeClr>
-                </a:solidFill>
-                <a:cs typeface="Calibri"/>
-              </a:rPr>
-              <a:t>Flutter uses C++ rendering engine</a:t>
-            </a:r>
-          </a:p>
-          <a:p>
-            <a:pPr marL="0" indent="0" algn="just">
-              <a:buNone/>
-            </a:pPr>
-            <a:endParaRPr lang="en-US" dirty="0">
-              <a:solidFill>
-                <a:schemeClr val="accent5">
-                  <a:lumMod val="10000"/>
-                </a:schemeClr>
-              </a:solidFill>
-              <a:cs typeface="Calibri"/>
-            </a:endParaRPr>
-          </a:p>
-          <a:p>
-            <a:pPr algn="just"/>
-            <a:r>
-              <a:rPr lang="en-US" dirty="0">
-                <a:solidFill>
-                  <a:schemeClr val="accent5">
-                    <a:lumMod val="10000"/>
-                  </a:schemeClr>
-                </a:solidFill>
-                <a:cs typeface="Calibri"/>
-              </a:rPr>
-              <a:t>Architecture is based on reactive programming</a:t>
-            </a:r>
-          </a:p>
-          <a:p>
-            <a:pPr marL="0" indent="0" algn="just">
-              <a:buNone/>
-            </a:pPr>
-            <a:endParaRPr lang="en-US" dirty="0">
-              <a:solidFill>
-                <a:schemeClr val="accent5">
-                  <a:lumMod val="10000"/>
-                </a:schemeClr>
-              </a:solidFill>
-              <a:cs typeface="Calibri"/>
-            </a:endParaRPr>
-          </a:p>
-          <a:p>
-            <a:pPr algn="just"/>
-            <a:r>
-              <a:rPr lang="en-IN" dirty="0"/>
-              <a:t>Fast development:</a:t>
-            </a:r>
-          </a:p>
-          <a:p>
-            <a:pPr marL="514350" indent="-514350" algn="just">
-              <a:buAutoNum type="alphaLcParenR"/>
-            </a:pPr>
-            <a:r>
-              <a:rPr lang="en-IN" dirty="0"/>
-              <a:t>Stateful Hot Reload</a:t>
-            </a:r>
-          </a:p>
-          <a:p>
-            <a:pPr marL="514350" indent="-514350" algn="just">
-              <a:buAutoNum type="alphaLcParenR"/>
-            </a:pPr>
-            <a:r>
-              <a:rPr lang="en-IN" dirty="0"/>
-              <a:t>Use a rich set of fully-customizable widgets to build native interfaces </a:t>
-            </a:r>
-          </a:p>
-          <a:p>
-            <a:pPr marL="514350" indent="-514350" algn="just">
-              <a:buAutoNum type="alphaLcParenR"/>
-            </a:pPr>
-            <a:endParaRPr lang="en-IN" dirty="0"/>
-          </a:p>
-          <a:p>
-            <a:pPr algn="just"/>
-            <a:r>
-              <a:rPr lang="en-IN" dirty="0"/>
-              <a:t>Expressive and Flexible UI</a:t>
-            </a:r>
-          </a:p>
-          <a:p>
-            <a:pPr marL="0" indent="0">
-              <a:buNone/>
-            </a:pPr>
-            <a:endParaRPr lang="en-US" dirty="0">
-              <a:solidFill>
-                <a:schemeClr val="accent5">
-                  <a:lumMod val="10000"/>
-                </a:schemeClr>
-              </a:solidFill>
-              <a:cs typeface="Calibri"/>
-            </a:endParaRPr>
-          </a:p>
-        </p:txBody>
-      </p:sp>
+            <a:off x="1748200" y="1369634"/>
+            <a:ext cx="8850527" cy="4658498"/>
+          </a:xfrm>
+          <a:prstGeom prst="rect">
+            <a:avLst/>
+          </a:prstGeom>
+        </p:spPr>
+      </p:pic>
     </p:spTree>
     <p:extLst>
       <p:ext uri="{BB962C8B-B14F-4D97-AF65-F5344CB8AC3E}">
-        <p14:creationId xmlns:p14="http://schemas.microsoft.com/office/powerpoint/2010/main" val="4127156329"/>
+        <p14:creationId xmlns:p14="http://schemas.microsoft.com/office/powerpoint/2010/main" val="1678852101"/>
       </p:ext>
     </p:extLst>
   </p:cSld>
@@ -5691,7 +6891,7 @@
           <p:cNvPr id="2" name="Title 1">
             <a:extLst>
               <a:ext uri="{FF2B5EF4-FFF2-40B4-BE49-F238E27FC236}">
-                <a16:creationId xmlns:a16="http://schemas.microsoft.com/office/drawing/2014/main" id="{438245E7-EF31-304C-B483-2EABF4B2A3EC}"/>
+                <a16:creationId xmlns:a16="http://schemas.microsoft.com/office/drawing/2014/main" id="{050C23AB-3104-6742-AE13-D27FA49A30B2}"/>
               </a:ext>
             </a:extLst>
           </p:cNvPr>
@@ -5704,8 +6904,8 @@
         </p:nvSpPr>
         <p:spPr>
           <a:xfrm>
-            <a:off x="838200" y="-130628"/>
-            <a:ext cx="10515600" cy="1201782"/>
+            <a:off x="383059" y="32974"/>
+            <a:ext cx="10970741" cy="1325563"/>
           </a:xfrm>
         </p:spPr>
         <p:txBody>
@@ -5714,7 +6914,7 @@
           <a:p>
             <a:r>
               <a:rPr lang="en-US" dirty="0"/>
-              <a:t>Continued..</a:t>
+              <a:t>Features:</a:t>
             </a:r>
           </a:p>
         </p:txBody>
@@ -5724,7 +6924,7 @@
           <p:cNvPr id="3" name="Content Placeholder 2">
             <a:extLst>
               <a:ext uri="{FF2B5EF4-FFF2-40B4-BE49-F238E27FC236}">
-                <a16:creationId xmlns:a16="http://schemas.microsoft.com/office/drawing/2014/main" id="{5C539686-9866-3042-BA30-3F02138BABA1}"/>
+                <a16:creationId xmlns:a16="http://schemas.microsoft.com/office/drawing/2014/main" id="{BC0EAFAD-83DB-B049-98FF-16F69CAC8A26}"/>
               </a:ext>
             </a:extLst>
           </p:cNvPr>
@@ -5737,22 +6937,74 @@
         </p:nvSpPr>
         <p:spPr>
           <a:xfrm>
-            <a:off x="838200" y="1071154"/>
-            <a:ext cx="10515600" cy="5236437"/>
-          </a:xfrm>
-        </p:spPr>
-        <p:txBody>
-          <a:bodyPr/>
+            <a:off x="383059" y="1097280"/>
+            <a:ext cx="10515600" cy="5564777"/>
+          </a:xfrm>
+        </p:spPr>
+        <p:txBody>
+          <a:bodyPr>
+            <a:normAutofit/>
+          </a:bodyPr>
           <a:lstStyle/>
           <a:p>
             <a:pPr algn="just"/>
             <a:r>
+              <a:rPr lang="en-US" dirty="0">
+                <a:solidFill>
+                  <a:schemeClr val="accent5">
+                    <a:lumMod val="10000"/>
+                  </a:schemeClr>
+                </a:solidFill>
+                <a:cs typeface="Calibri"/>
+              </a:rPr>
+              <a:t>Flutter uses C++ rendering engine</a:t>
+            </a:r>
+          </a:p>
+          <a:p>
+            <a:pPr marL="0" indent="0" algn="just">
+              <a:buNone/>
+            </a:pPr>
+            <a:endParaRPr lang="en-US" dirty="0">
+              <a:solidFill>
+                <a:schemeClr val="accent5">
+                  <a:lumMod val="10000"/>
+                </a:schemeClr>
+              </a:solidFill>
+              <a:cs typeface="Calibri"/>
+            </a:endParaRPr>
+          </a:p>
+          <a:p>
+            <a:pPr algn="just"/>
+            <a:r>
+              <a:rPr lang="en-US" dirty="0">
+                <a:solidFill>
+                  <a:schemeClr val="accent5">
+                    <a:lumMod val="10000"/>
+                  </a:schemeClr>
+                </a:solidFill>
+                <a:cs typeface="Calibri"/>
+              </a:rPr>
+              <a:t>Architecture is based on reactive programming</a:t>
+            </a:r>
+          </a:p>
+          <a:p>
+            <a:pPr marL="0" indent="0" algn="just">
+              <a:buNone/>
+            </a:pPr>
+            <a:endParaRPr lang="en-US" dirty="0">
+              <a:solidFill>
+                <a:schemeClr val="accent5">
+                  <a:lumMod val="10000"/>
+                </a:schemeClr>
+              </a:solidFill>
+              <a:cs typeface="Calibri"/>
+            </a:endParaRPr>
+          </a:p>
+          <a:p>
+            <a:pPr algn="just"/>
+            <a:r>
               <a:rPr lang="en-IN" dirty="0"/>
-              <a:t>Native Performance</a:t>
-            </a:r>
-            <a:r>
-              <a:rPr lang="en-US" dirty="0"/>
-              <a:t>:</a:t>
+              <a:t>Fast development:</a:t>
             </a:r>
           </a:p>
           <a:p>
@@ -5761,27 +7013,7 @@
             </a:pPr>
             <a:r>
               <a:rPr lang="en-IN" dirty="0"/>
-              <a:t>Flutter code is compiled to native ARM machine code using </a:t>
-            </a:r>
-            <a:r>
-              <a:rPr lang="en-IN" dirty="0">
-                <a:hlinkClick r:id="rId2"/>
-              </a:rPr>
-              <a:t>Dart's native compilers</a:t>
-            </a:r>
-            <a:endParaRPr lang="en-IN" dirty="0"/>
-          </a:p>
-          <a:p>
-            <a:pPr marL="0" indent="0" algn="just">
-              <a:buNone/>
-            </a:pPr>
-            <a:endParaRPr lang="en-IN" dirty="0"/>
-          </a:p>
-          <a:p>
-            <a:pPr algn="just"/>
-            <a:r>
-              <a:rPr lang="en-US" dirty="0"/>
-              <a:t>IDE:</a:t>
+              <a:t>Stateful Hot Reload</a:t>
             </a:r>
           </a:p>
           <a:p>
@@ -5790,23 +7022,8 @@
             </a:pPr>
             <a:r>
               <a:rPr lang="en-IN" dirty="0"/>
-              <a:t>Supportive for an extensive array of IDEs that include </a:t>
-            </a:r>
-            <a:r>
-              <a:rPr lang="en-IN" dirty="0" err="1"/>
-              <a:t>Xcode</a:t>
-            </a:r>
-            <a:r>
-              <a:rPr lang="en-IN" dirty="0"/>
-              <a:t>, Visual Studio Code and </a:t>
-            </a:r>
-            <a:r>
-              <a:rPr lang="en-IN" dirty="0">
-                <a:hlinkClick r:id="rId3"/>
-              </a:rPr>
-              <a:t>Android Studio</a:t>
-            </a:r>
-            <a:endParaRPr lang="en-IN" dirty="0"/>
+              <a:t>Use a rich set of fully-customizable widgets to build native interfaces </a:t>
+            </a:r>
           </a:p>
           <a:p>
             <a:pPr marL="514350" indent="-514350" algn="just">
@@ -5818,21 +7035,28 @@
             <a:pPr algn="just"/>
             <a:r>
               <a:rPr lang="en-IN" dirty="0"/>
-              <a:t>You get the extra support for Google’s Firebase development platform.</a:t>
+              <a:t>Expressive and Flexible UI</a:t>
             </a:r>
           </a:p>
           <a:p>
             <a:pPr marL="0" indent="0">
               <a:buNone/>
             </a:pPr>
-            <a:endParaRPr lang="en-US" dirty="0"/>
+            <a:endParaRPr lang="en-US" dirty="0">
+              <a:solidFill>
+                <a:schemeClr val="accent5">
+                  <a:lumMod val="10000"/>
+                </a:schemeClr>
+              </a:solidFill>
+              <a:cs typeface="Calibri"/>
+            </a:endParaRPr>
           </a:p>
         </p:txBody>
       </p:sp>
     </p:spTree>
     <p:extLst>
       <p:ext uri="{BB962C8B-B14F-4D97-AF65-F5344CB8AC3E}">
-        <p14:creationId xmlns:p14="http://schemas.microsoft.com/office/powerpoint/2010/main" val="3892129486"/>
+        <p14:creationId xmlns:p14="http://schemas.microsoft.com/office/powerpoint/2010/main" val="4127156329"/>
       </p:ext>
     </p:extLst>
   </p:cSld>
@@ -5864,7 +7088,7 @@
           <p:cNvPr id="2" name="Title 1">
             <a:extLst>
               <a:ext uri="{FF2B5EF4-FFF2-40B4-BE49-F238E27FC236}">
-                <a16:creationId xmlns:a16="http://schemas.microsoft.com/office/drawing/2014/main" id="{815342E9-243C-8A48-855D-911117B8E620}"/>
+                <a16:creationId xmlns:a16="http://schemas.microsoft.com/office/drawing/2014/main" id="{438245E7-EF31-304C-B483-2EABF4B2A3EC}"/>
               </a:ext>
             </a:extLst>
           </p:cNvPr>
@@ -5875,19 +7099,20 @@
             <p:ph type="title"/>
           </p:nvPr>
         </p:nvSpPr>
-        <p:spPr/>
+        <p:spPr>
+          <a:xfrm>
+            <a:off x="838200" y="-130628"/>
+            <a:ext cx="10515600" cy="1201782"/>
+          </a:xfrm>
+        </p:spPr>
         <p:txBody>
           <a:bodyPr/>
           <a:lstStyle/>
           <a:p>
             <a:r>
-              <a:rPr lang="en-IN" dirty="0"/>
-              <a:t>Everything’s a widget</a:t>
-            </a:r>
-            <a:br>
-              <a:rPr lang="en-IN" dirty="0"/>
-            </a:br>
-            <a:endParaRPr lang="en-US" dirty="0"/>
+              <a:rPr lang="en-US" dirty="0"/>
+              <a:t>Continued..</a:t>
+            </a:r>
           </a:p>
         </p:txBody>
       </p:sp>
@@ -5896,7 +7121,7 @@
           <p:cNvPr id="3" name="Content Placeholder 2">
             <a:extLst>
               <a:ext uri="{FF2B5EF4-FFF2-40B4-BE49-F238E27FC236}">
-                <a16:creationId xmlns:a16="http://schemas.microsoft.com/office/drawing/2014/main" id="{B8FF84A2-E0A8-A949-8506-08D5A773BCA9}"/>
+                <a16:creationId xmlns:a16="http://schemas.microsoft.com/office/drawing/2014/main" id="{5C539686-9866-3042-BA30-3F02138BABA1}"/>
               </a:ext>
             </a:extLst>
           </p:cNvPr>
@@ -5909,79 +7134,140 @@
         </p:nvSpPr>
         <p:spPr>
           <a:xfrm>
-            <a:off x="838200" y="1299411"/>
-            <a:ext cx="10515600" cy="4877552"/>
-          </a:xfrm>
-        </p:spPr>
-        <p:txBody>
-          <a:bodyPr/>
-          <a:lstStyle/>
-          <a:p>
+            <a:off x="838200" y="1071154"/>
+            <a:ext cx="10515600" cy="5236437"/>
+          </a:xfrm>
+        </p:spPr>
+        <p:txBody>
+          <a:bodyPr>
+            <a:normAutofit/>
+          </a:bodyPr>
+          <a:lstStyle/>
+          <a:p>
+            <a:pPr algn="just"/>
+            <a:r>
+              <a:rPr lang="en-US" dirty="0"/>
+              <a:t>Flutter engine has most of the native components in the framework itself and it </a:t>
+            </a:r>
+            <a:r>
+              <a:rPr lang="en-US" b="1" dirty="0"/>
+              <a:t>doesn’t always need a bridge to communicate </a:t>
+            </a:r>
+            <a:r>
+              <a:rPr lang="en-US" dirty="0"/>
+              <a:t>with the native components. </a:t>
+            </a:r>
+          </a:p>
+          <a:p>
+            <a:pPr marL="0" indent="0" algn="just">
+              <a:buNone/>
+            </a:pPr>
+            <a:endParaRPr lang="en-US" dirty="0"/>
+          </a:p>
+          <a:p>
+            <a:pPr algn="just"/>
+            <a:r>
+              <a:rPr lang="en-US" dirty="0"/>
+              <a:t>Flutter framework is bundled with UI rendering components, device API access, navigation, testing, stateful management and loads of libraries which </a:t>
+            </a:r>
+            <a:r>
+              <a:rPr lang="en-US" b="1" dirty="0"/>
+              <a:t>removes the need to use third-party libraries</a:t>
+            </a:r>
+            <a:r>
+              <a:rPr lang="en-US" dirty="0"/>
+              <a:t>. </a:t>
+            </a:r>
             <a:r>
               <a:rPr lang="en-IN" dirty="0"/>
-              <a:t>Widgets are the basic building blocks of a Flutter app’s UI.</a:t>
-            </a:r>
-          </a:p>
-          <a:p>
-            <a:pPr marL="0" indent="0">
+              <a:t> </a:t>
+            </a:r>
+          </a:p>
+          <a:p>
+            <a:pPr marL="0" indent="0" algn="just">
               <a:buNone/>
             </a:pPr>
             <a:endParaRPr lang="en-IN" dirty="0"/>
           </a:p>
           <a:p>
-            <a:r>
-              <a:rPr lang="en-IN" dirty="0"/>
-              <a:t> Each widget nests inside, and inherits properties from, its parent.</a:t>
-            </a:r>
-          </a:p>
-          <a:p>
+            <a:pPr algn="just"/>
+            <a:r>
+              <a:rPr lang="en-US" dirty="0">
+                <a:solidFill>
+                  <a:schemeClr val="accent5">
+                    <a:lumMod val="10000"/>
+                  </a:schemeClr>
+                </a:solidFill>
+                <a:cs typeface="Calibri"/>
+              </a:rPr>
+              <a:t>Continuous delivery using Fastlane with Flutter</a:t>
+            </a:r>
+          </a:p>
+          <a:p>
+            <a:pPr algn="just"/>
+            <a:endParaRPr lang="en-US" dirty="0">
+              <a:solidFill>
+                <a:schemeClr val="accent5">
+                  <a:lumMod val="10000"/>
+                </a:schemeClr>
+              </a:solidFill>
+              <a:cs typeface="Calibri"/>
+            </a:endParaRPr>
+          </a:p>
+          <a:p>
+            <a:pPr algn="just"/>
+            <a:r>
+              <a:rPr lang="en-US" dirty="0">
+                <a:solidFill>
+                  <a:schemeClr val="accent5">
+                    <a:lumMod val="10000"/>
+                  </a:schemeClr>
+                </a:solidFill>
+                <a:cs typeface="Calibri"/>
+              </a:rPr>
+              <a:t>CI/CD support – Code Magic , </a:t>
+            </a:r>
+            <a:r>
+              <a:rPr lang="en-US" dirty="0" err="1">
+                <a:solidFill>
+                  <a:schemeClr val="accent5">
+                    <a:lumMod val="10000"/>
+                  </a:schemeClr>
+                </a:solidFill>
+                <a:cs typeface="Calibri"/>
+              </a:rPr>
+              <a:t>Bitrise</a:t>
+            </a:r>
+            <a:r>
+              <a:rPr lang="en-US" dirty="0">
+                <a:solidFill>
+                  <a:schemeClr val="accent5">
+                    <a:lumMod val="10000"/>
+                  </a:schemeClr>
+                </a:solidFill>
+                <a:cs typeface="Calibri"/>
+              </a:rPr>
+              <a:t>, </a:t>
+            </a:r>
+            <a:r>
+              <a:rPr lang="en-US" dirty="0" err="1">
+                <a:solidFill>
+                  <a:schemeClr val="accent5">
+                    <a:lumMod val="10000"/>
+                  </a:schemeClr>
+                </a:solidFill>
+                <a:cs typeface="Calibri"/>
+              </a:rPr>
+              <a:t>CircleCI</a:t>
+            </a:r>
             <a:endParaRPr lang="en-IN" dirty="0"/>
           </a:p>
           <a:p>
-            <a:r>
-              <a:rPr lang="en-IN" dirty="0"/>
-              <a:t>A widget is either stateful or stateless:</a:t>
-            </a:r>
-          </a:p>
-          <a:p>
-            <a:pPr marL="514350" indent="-514350">
-              <a:buAutoNum type="alphaLcParenR"/>
-            </a:pPr>
-            <a:r>
-              <a:rPr lang="en-IN" dirty="0"/>
-              <a:t>A </a:t>
-            </a:r>
-            <a:r>
-              <a:rPr lang="en-IN" i="1" dirty="0"/>
-              <a:t>Stateful</a:t>
-            </a:r>
-            <a:r>
-              <a:rPr lang="en-IN" dirty="0"/>
-              <a:t> widget is dynamic: e.g., it can change its appearance in response to events triggered by user interactions or when it receives data.</a:t>
-            </a:r>
-          </a:p>
-          <a:p>
-            <a:pPr marL="0" indent="0">
-              <a:buNone/>
-            </a:pPr>
+            <a:pPr algn="just"/>
             <a:endParaRPr lang="en-IN" dirty="0"/>
           </a:p>
           <a:p>
-            <a:pPr marL="514350" indent="-514350">
-              <a:buAutoNum type="alphaLcParenR"/>
-            </a:pPr>
-            <a:r>
-              <a:rPr lang="en-IN" dirty="0"/>
-              <a:t>Stateless widgets do not require mutable state, i.e., it is </a:t>
-            </a:r>
-            <a:r>
-              <a:rPr lang="en-IN" b="1" dirty="0"/>
-              <a:t>immutable</a:t>
-            </a:r>
-            <a:r>
-              <a:rPr lang="en-IN" dirty="0"/>
-              <a:t>.</a:t>
-            </a:r>
+            <a:pPr algn="just"/>
             <a:endParaRPr lang="en-US" dirty="0"/>
           </a:p>
         </p:txBody>
@@ -5989,7 +7275,7 @@
     </p:spTree>
     <p:extLst>
       <p:ext uri="{BB962C8B-B14F-4D97-AF65-F5344CB8AC3E}">
-        <p14:creationId xmlns:p14="http://schemas.microsoft.com/office/powerpoint/2010/main" val="1333809816"/>
+        <p14:creationId xmlns:p14="http://schemas.microsoft.com/office/powerpoint/2010/main" val="1297830814"/>
       </p:ext>
     </p:extLst>
   </p:cSld>
@@ -6021,7 +7307,7 @@
           <p:cNvPr id="2" name="Title 1">
             <a:extLst>
               <a:ext uri="{FF2B5EF4-FFF2-40B4-BE49-F238E27FC236}">
-                <a16:creationId xmlns:a16="http://schemas.microsoft.com/office/drawing/2014/main" id="{3039BBAA-8078-DA40-8360-93FF7535EB1C}"/>
+                <a16:creationId xmlns:a16="http://schemas.microsoft.com/office/drawing/2014/main" id="{438245E7-EF31-304C-B483-2EABF4B2A3EC}"/>
               </a:ext>
             </a:extLst>
           </p:cNvPr>
@@ -6032,14 +7318,19 @@
             <p:ph type="title"/>
           </p:nvPr>
         </p:nvSpPr>
-        <p:spPr/>
+        <p:spPr>
+          <a:xfrm>
+            <a:off x="838200" y="-130628"/>
+            <a:ext cx="10515600" cy="1201782"/>
+          </a:xfrm>
+        </p:spPr>
         <p:txBody>
           <a:bodyPr/>
           <a:lstStyle/>
           <a:p>
             <a:r>
               <a:rPr lang="en-US" dirty="0"/>
-              <a:t>Installation</a:t>
+              <a:t>Continued..</a:t>
             </a:r>
           </a:p>
         </p:txBody>
@@ -6049,7 +7340,7 @@
           <p:cNvPr id="3" name="Content Placeholder 2">
             <a:extLst>
               <a:ext uri="{FF2B5EF4-FFF2-40B4-BE49-F238E27FC236}">
-                <a16:creationId xmlns:a16="http://schemas.microsoft.com/office/drawing/2014/main" id="{6E6C90F0-403A-FB4A-9ECC-C18A43CB096B}"/>
+                <a16:creationId xmlns:a16="http://schemas.microsoft.com/office/drawing/2014/main" id="{5C539686-9866-3042-BA30-3F02138BABA1}"/>
               </a:ext>
             </a:extLst>
           </p:cNvPr>
@@ -6060,35 +7351,96 @@
             <p:ph idx="1"/>
           </p:nvPr>
         </p:nvSpPr>
-        <p:spPr/>
+        <p:spPr>
+          <a:xfrm>
+            <a:off x="838200" y="1071154"/>
+            <a:ext cx="10515600" cy="5236437"/>
+          </a:xfrm>
+        </p:spPr>
         <p:txBody>
           <a:bodyPr/>
           <a:lstStyle/>
           <a:p>
-            <a:r>
-              <a:rPr lang="en-US" dirty="0">
+            <a:pPr algn="just"/>
+            <a:r>
+              <a:rPr lang="en-IN" dirty="0"/>
+              <a:t>Native Performance</a:t>
+            </a:r>
+            <a:r>
+              <a:rPr lang="en-US" dirty="0"/>
+              <a:t>:</a:t>
+            </a:r>
+          </a:p>
+          <a:p>
+            <a:pPr marL="514350" indent="-514350" algn="just">
+              <a:buAutoNum type="alphaLcParenR"/>
+            </a:pPr>
+            <a:r>
+              <a:rPr lang="en-IN" dirty="0"/>
+              <a:t>Flutter code is compiled to native ARM machine code using </a:t>
+            </a:r>
+            <a:r>
+              <a:rPr lang="en-IN" dirty="0">
                 <a:hlinkClick r:id="rId2"/>
               </a:rPr>
-              <a:t>https://</a:t>
-            </a:r>
-            <a:r>
-              <a:rPr lang="en-US" dirty="0" err="1">
-                <a:hlinkClick r:id="rId2"/>
+              <a:t>Dart's native compilers</a:t>
+            </a:r>
+            <a:endParaRPr lang="en-IN" dirty="0"/>
+          </a:p>
+          <a:p>
+            <a:pPr marL="0" indent="0" algn="just">
+              <a:buNone/>
+            </a:pPr>
+            <a:endParaRPr lang="en-IN" dirty="0"/>
+          </a:p>
+          <a:p>
+            <a:pPr algn="just"/>
+            <a:r>
+              <a:rPr lang="en-US" dirty="0"/>
+              <a:t>IDE:</a:t>
+            </a:r>
+          </a:p>
+          <a:p>
+            <a:pPr marL="514350" indent="-514350" algn="just">
+              <a:buAutoNum type="alphaLcParenR"/>
+            </a:pPr>
+            <a:r>
+              <a:rPr lang="en-IN" dirty="0"/>
+              <a:t>Supportive for an extensive array of IDEs that include </a:t>
+            </a:r>
+            <a:r>
+              <a:rPr lang="en-IN" dirty="0" err="1"/>
+              <a:t>Xcode</a:t>
+            </a:r>
+            <a:r>
+              <a:rPr lang="en-IN" dirty="0"/>
+              <a:t>, Visual Studio Code and </a:t>
+            </a:r>
+            <a:r>
+              <a:rPr lang="en-IN" dirty="0">
+                <a:hlinkClick r:id="rId3"/>
               </a:rPr>
-              <a:t>flutter.dev</a:t>
-            </a:r>
-            <a:r>
-              <a:rPr lang="en-US" dirty="0">
-                <a:hlinkClick r:id="rId2"/>
-              </a:rPr>
-              <a:t>/docs/get-started/install/</a:t>
-            </a:r>
-            <a:r>
-              <a:rPr lang="en-US" dirty="0" err="1">
-                <a:hlinkClick r:id="rId2"/>
-              </a:rPr>
-              <a:t>macos</a:t>
-            </a:r>
+              <a:t>Android Studio</a:t>
+            </a:r>
+            <a:endParaRPr lang="en-IN" dirty="0"/>
+          </a:p>
+          <a:p>
+            <a:pPr marL="514350" indent="-514350" algn="just">
+              <a:buAutoNum type="alphaLcParenR"/>
+            </a:pPr>
+            <a:endParaRPr lang="en-IN" dirty="0"/>
+          </a:p>
+          <a:p>
+            <a:pPr algn="just"/>
+            <a:r>
+              <a:rPr lang="en-IN" dirty="0"/>
+              <a:t>You get the extra support for Google’s Firebase development platform.</a:t>
+            </a:r>
+          </a:p>
+          <a:p>
+            <a:pPr marL="0" indent="0">
+              <a:buNone/>
+            </a:pPr>
             <a:endParaRPr lang="en-US" dirty="0"/>
           </a:p>
         </p:txBody>
@@ -6096,7 +7448,7 @@
     </p:spTree>
     <p:extLst>
       <p:ext uri="{BB962C8B-B14F-4D97-AF65-F5344CB8AC3E}">
-        <p14:creationId xmlns:p14="http://schemas.microsoft.com/office/powerpoint/2010/main" val="307022210"/>
+        <p14:creationId xmlns:p14="http://schemas.microsoft.com/office/powerpoint/2010/main" val="3892129486"/>
       </p:ext>
     </p:extLst>
   </p:cSld>
@@ -6128,7 +7480,7 @@
           <p:cNvPr id="2" name="Title 1">
             <a:extLst>
               <a:ext uri="{FF2B5EF4-FFF2-40B4-BE49-F238E27FC236}">
-                <a16:creationId xmlns:a16="http://schemas.microsoft.com/office/drawing/2014/main" id="{6FFE7992-45B5-7743-8A41-B45CC5099000}"/>
+                <a16:creationId xmlns:a16="http://schemas.microsoft.com/office/drawing/2014/main" id="{815342E9-243C-8A48-855D-911117B8E620}"/>
               </a:ext>
             </a:extLst>
           </p:cNvPr>
@@ -6139,19 +7491,14 @@
             <p:ph type="title"/>
           </p:nvPr>
         </p:nvSpPr>
-        <p:spPr>
-          <a:xfrm>
-            <a:off x="838200" y="0"/>
-            <a:ext cx="10515600" cy="1325563"/>
-          </a:xfrm>
-        </p:spPr>
+        <p:spPr/>
         <p:txBody>
           <a:bodyPr/>
           <a:lstStyle/>
           <a:p>
             <a:r>
               <a:rPr lang="en-IN" dirty="0"/>
-              <a:t>Create and run a simple Flutter app</a:t>
+              <a:t>Everything’s a widget</a:t>
             </a:r>
             <a:br>
               <a:rPr lang="en-IN" dirty="0"/>
@@ -6165,7 +7512,7 @@
           <p:cNvPr id="3" name="Content Placeholder 2">
             <a:extLst>
               <a:ext uri="{FF2B5EF4-FFF2-40B4-BE49-F238E27FC236}">
-                <a16:creationId xmlns:a16="http://schemas.microsoft.com/office/drawing/2014/main" id="{516FB766-8BE5-104F-A989-48CF05143117}"/>
+                <a16:creationId xmlns:a16="http://schemas.microsoft.com/office/drawing/2014/main" id="{B8FF84A2-E0A8-A949-8506-08D5A773BCA9}"/>
               </a:ext>
             </a:extLst>
           </p:cNvPr>
@@ -6178,92 +7525,87 @@
         </p:nvSpPr>
         <p:spPr>
           <a:xfrm>
-            <a:off x="838200" y="685800"/>
-            <a:ext cx="10515600" cy="5491163"/>
+            <a:off x="838200" y="1299411"/>
+            <a:ext cx="10515600" cy="4877552"/>
           </a:xfrm>
         </p:spPr>
         <p:txBody>
           <a:bodyPr/>
           <a:lstStyle/>
           <a:p>
+            <a:r>
+              <a:rPr lang="en-IN" dirty="0"/>
+              <a:t>Widgets are the basic building blocks of a Flutter app’s UI.</a:t>
+            </a:r>
+          </a:p>
+          <a:p>
+            <a:pPr marL="0" indent="0">
+              <a:buNone/>
+            </a:pPr>
             <a:endParaRPr lang="en-IN" dirty="0"/>
           </a:p>
           <a:p>
+            <a:r>
+              <a:rPr lang="en-IN" dirty="0"/>
+              <a:t> Each widget nests inside, and inherits properties from, its parent.</a:t>
+            </a:r>
+          </a:p>
+          <a:p>
             <a:endParaRPr lang="en-IN" dirty="0"/>
           </a:p>
           <a:p>
+            <a:r>
+              <a:rPr lang="en-IN" dirty="0"/>
+              <a:t>A widget is either stateful or stateless:</a:t>
+            </a:r>
+          </a:p>
+          <a:p>
+            <a:pPr marL="514350" indent="-514350">
+              <a:buAutoNum type="alphaLcParenR"/>
+            </a:pPr>
+            <a:r>
+              <a:rPr lang="en-IN" dirty="0"/>
+              <a:t>A </a:t>
+            </a:r>
+            <a:r>
+              <a:rPr lang="en-IN" i="1" dirty="0"/>
+              <a:t>Stateful</a:t>
+            </a:r>
+            <a:r>
+              <a:rPr lang="en-IN" dirty="0"/>
+              <a:t> widget is dynamic: e.g., it can change its appearance in response to events triggered by user interactions or when it receives data.</a:t>
+            </a:r>
+          </a:p>
+          <a:p>
+            <a:pPr marL="0" indent="0">
+              <a:buNone/>
+            </a:pPr>
             <a:endParaRPr lang="en-IN" dirty="0"/>
           </a:p>
           <a:p>
+            <a:pPr marL="514350" indent="-514350">
+              <a:buAutoNum type="alphaLcParenR"/>
+            </a:pPr>
             <a:r>
               <a:rPr lang="en-IN" dirty="0"/>
-              <a:t>$ flutter create </a:t>
-            </a:r>
-            <a:r>
-              <a:rPr lang="en-IN" dirty="0" err="1"/>
-              <a:t>my_app</a:t>
+              <a:t>Stateless widgets do not require mutable state, i.e., it is </a:t>
+            </a:r>
+            <a:r>
+              <a:rPr lang="en-IN" b="1" dirty="0"/>
+              <a:t>immutable</a:t>
             </a:r>
             <a:r>
               <a:rPr lang="en-IN" dirty="0"/>
-              <a:t> </a:t>
-            </a:r>
-          </a:p>
-          <a:p>
-            <a:r>
-              <a:rPr lang="en-IN" dirty="0"/>
-              <a:t>$ cd </a:t>
-            </a:r>
-            <a:r>
-              <a:rPr lang="en-IN" dirty="0" err="1"/>
-              <a:t>my_app</a:t>
-            </a:r>
-            <a:endParaRPr lang="en-IN" dirty="0"/>
-          </a:p>
-          <a:p>
-            <a:r>
-              <a:rPr lang="en-IN" dirty="0"/>
-              <a:t>$ flutter run</a:t>
-            </a:r>
-          </a:p>
-          <a:p>
+              <a:t>.</a:t>
+            </a:r>
             <a:endParaRPr lang="en-US" dirty="0"/>
           </a:p>
         </p:txBody>
       </p:sp>
-      <p:pic>
-        <p:nvPicPr>
-          <p:cNvPr id="5" name="Picture 4">
-            <a:extLst>
-              <a:ext uri="{FF2B5EF4-FFF2-40B4-BE49-F238E27FC236}">
-                <a16:creationId xmlns:a16="http://schemas.microsoft.com/office/drawing/2014/main" id="{457D3A4C-6AD4-3A4F-B98B-F57A5122E937}"/>
-              </a:ext>
-            </a:extLst>
-          </p:cNvPr>
-          <p:cNvPicPr>
-            <a:picLocks noChangeAspect="1"/>
-          </p:cNvPicPr>
-          <p:nvPr/>
-        </p:nvPicPr>
-        <p:blipFill>
-          <a:blip r:embed="rId2"/>
-          <a:stretch>
-            <a:fillRect/>
-          </a:stretch>
-        </p:blipFill>
-        <p:spPr>
-          <a:xfrm>
-            <a:off x="7356763" y="700402"/>
-            <a:ext cx="2639292" cy="5349916"/>
-          </a:xfrm>
-          <a:prstGeom prst="rect">
-            <a:avLst/>
-          </a:prstGeom>
-        </p:spPr>
-      </p:pic>
     </p:spTree>
     <p:extLst>
       <p:ext uri="{BB962C8B-B14F-4D97-AF65-F5344CB8AC3E}">
-        <p14:creationId xmlns:p14="http://schemas.microsoft.com/office/powerpoint/2010/main" val="3884435972"/>
+        <p14:creationId xmlns:p14="http://schemas.microsoft.com/office/powerpoint/2010/main" val="1333809816"/>
       </p:ext>
     </p:extLst>
   </p:cSld>
@@ -6295,7 +7637,7 @@
           <p:cNvPr id="2" name="Title 1">
             <a:extLst>
               <a:ext uri="{FF2B5EF4-FFF2-40B4-BE49-F238E27FC236}">
-                <a16:creationId xmlns:a16="http://schemas.microsoft.com/office/drawing/2014/main" id="{95247AE8-CC0A-D140-A6FA-DC351E2E6A1B}"/>
+                <a16:creationId xmlns:a16="http://schemas.microsoft.com/office/drawing/2014/main" id="{815342E9-243C-8A48-855D-911117B8E620}"/>
               </a:ext>
             </a:extLst>
           </p:cNvPr>
@@ -6306,98 +7648,55 @@
             <p:ph type="title"/>
           </p:nvPr>
         </p:nvSpPr>
-        <p:spPr>
-          <a:xfrm>
-            <a:off x="838200" y="-375068"/>
-            <a:ext cx="10515600" cy="1325563"/>
-          </a:xfrm>
-        </p:spPr>
+        <p:spPr/>
         <p:txBody>
           <a:bodyPr/>
           <a:lstStyle/>
           <a:p>
             <a:r>
-              <a:rPr lang="en-US" sz="4000" dirty="0"/>
-              <a:t>Debugging</a:t>
-            </a:r>
+              <a:rPr lang="en-IN" dirty="0"/>
+              <a:t>Stateless widget</a:t>
+            </a:r>
+            <a:br>
+              <a:rPr lang="en-IN" dirty="0"/>
+            </a:br>
             <a:endParaRPr lang="en-US" dirty="0"/>
           </a:p>
         </p:txBody>
       </p:sp>
-      <p:sp>
-        <p:nvSpPr>
-          <p:cNvPr id="3" name="Content Placeholder 2">
+      <p:pic>
+        <p:nvPicPr>
+          <p:cNvPr id="5" name="Content Placeholder 4">
             <a:extLst>
               <a:ext uri="{FF2B5EF4-FFF2-40B4-BE49-F238E27FC236}">
-                <a16:creationId xmlns:a16="http://schemas.microsoft.com/office/drawing/2014/main" id="{DA9D6502-D7E0-6C40-A852-5D913663EEB5}"/>
-              </a:ext>
-            </a:extLst>
-          </p:cNvPr>
-          <p:cNvSpPr>
-            <a:spLocks noGrp="1"/>
-          </p:cNvSpPr>
-          <p:nvPr>
-            <p:ph idx="1"/>
-          </p:nvPr>
-        </p:nvSpPr>
-        <p:spPr>
-          <a:xfrm>
-            <a:off x="838200" y="613611"/>
-            <a:ext cx="10515600" cy="5563352"/>
-          </a:xfrm>
-        </p:spPr>
-        <p:txBody>
-          <a:bodyPr>
-            <a:normAutofit/>
-          </a:bodyPr>
-          <a:lstStyle/>
-          <a:p>
-            <a:r>
-              <a:rPr lang="en-IN" sz="2400" dirty="0" err="1"/>
-              <a:t>DevTools</a:t>
-            </a:r>
-            <a:r>
-              <a:rPr lang="en-IN" sz="2400" dirty="0"/>
-              <a:t> includes a full source-level debugger, supporting breakpoints, stepping, and variable inspection.</a:t>
-            </a:r>
-            <a:endParaRPr lang="en-US" sz="2400" dirty="0"/>
-          </a:p>
-        </p:txBody>
-      </p:sp>
-      <p:pic>
-        <p:nvPicPr>
-          <p:cNvPr id="5" name="Picture 4">
-            <a:extLst>
-              <a:ext uri="{FF2B5EF4-FFF2-40B4-BE49-F238E27FC236}">
-                <a16:creationId xmlns:a16="http://schemas.microsoft.com/office/drawing/2014/main" id="{83552A5B-BAB9-4547-93E2-900DE7C31210}"/>
+                <a16:creationId xmlns:a16="http://schemas.microsoft.com/office/drawing/2014/main" id="{45379BD0-8D91-354A-9B31-AAC04F666591}"/>
               </a:ext>
             </a:extLst>
           </p:cNvPr>
           <p:cNvPicPr>
-            <a:picLocks noChangeAspect="1"/>
+            <a:picLocks noGrp="1" noChangeAspect="1"/>
           </p:cNvPicPr>
-          <p:nvPr/>
+          <p:nvPr>
+            <p:ph idx="1"/>
+          </p:nvPr>
         </p:nvPicPr>
         <p:blipFill>
-          <a:blip r:embed="rId3"/>
+          <a:blip r:embed="rId2"/>
           <a:stretch>
             <a:fillRect/>
           </a:stretch>
         </p:blipFill>
         <p:spPr>
           <a:xfrm>
-            <a:off x="3116179" y="1313897"/>
-            <a:ext cx="6510888" cy="5851745"/>
-          </a:xfrm>
-          <a:prstGeom prst="rect">
-            <a:avLst/>
-          </a:prstGeom>
+            <a:off x="838200" y="1451292"/>
+            <a:ext cx="8882906" cy="5056187"/>
+          </a:xfrm>
         </p:spPr>
       </p:pic>
     </p:spTree>
     <p:extLst>
       <p:ext uri="{BB962C8B-B14F-4D97-AF65-F5344CB8AC3E}">
-        <p14:creationId xmlns:p14="http://schemas.microsoft.com/office/powerpoint/2010/main" val="1190559052"/>
+        <p14:creationId xmlns:p14="http://schemas.microsoft.com/office/powerpoint/2010/main" val="2680121145"/>
       </p:ext>
     </p:extLst>
   </p:cSld>

--- a/Flutter features.pptx
+++ b/Flutter features.pptx
@@ -232,7 +232,7 @@
           <a:p>
             <a:fld id="{39BB876B-C014-424A-93F0-7F3795E98CE4}" type="datetimeFigureOut">
               <a:rPr lang="en-US" smtClean="0"/>
-              <a:t>2/13/20</a:t>
+              <a:t>2/20/20</a:t>
             </a:fld>
             <a:endParaRPr lang="en-US"/>
           </a:p>
@@ -564,6 +564,90 @@
           <a:p>
             <a:fld id="{6E19ACB2-667C-4F44-ADF3-29295C9B4828}" type="slidenum">
               <a:rPr lang="en-US" smtClean="0"/>
+              <a:t>3</a:t>
+            </a:fld>
+            <a:endParaRPr lang="en-US"/>
+          </a:p>
+        </p:txBody>
+      </p:sp>
+    </p:spTree>
+    <p:extLst>
+      <p:ext uri="{BB962C8B-B14F-4D97-AF65-F5344CB8AC3E}">
+        <p14:creationId xmlns:p14="http://schemas.microsoft.com/office/powerpoint/2010/main" val="1298041580"/>
+      </p:ext>
+    </p:extLst>
+  </p:cSld>
+  <p:clrMapOvr>
+    <a:masterClrMapping/>
+  </p:clrMapOvr>
+</p:notes>
+</file>
+
+<file path=ppt/notesSlides/notesSlide2.xml><?xml version="1.0" encoding="utf-8"?>
+<p:notes xmlns:a="http://schemas.openxmlformats.org/drawingml/2006/main" xmlns:r="http://schemas.openxmlformats.org/officeDocument/2006/relationships" xmlns:p="http://schemas.openxmlformats.org/presentationml/2006/main">
+  <p:cSld>
+    <p:spTree>
+      <p:nvGrpSpPr>
+        <p:cNvPr id="1" name=""/>
+        <p:cNvGrpSpPr/>
+        <p:nvPr/>
+      </p:nvGrpSpPr>
+      <p:grpSpPr>
+        <a:xfrm>
+          <a:off x="0" y="0"/>
+          <a:ext cx="0" cy="0"/>
+          <a:chOff x="0" y="0"/>
+          <a:chExt cx="0" cy="0"/>
+        </a:xfrm>
+      </p:grpSpPr>
+      <p:sp>
+        <p:nvSpPr>
+          <p:cNvPr id="2" name="Slide Image Placeholder 1"/>
+          <p:cNvSpPr>
+            <a:spLocks noGrp="1" noRot="1" noChangeAspect="1"/>
+          </p:cNvSpPr>
+          <p:nvPr>
+            <p:ph type="sldImg"/>
+          </p:nvPr>
+        </p:nvSpPr>
+        <p:spPr/>
+      </p:sp>
+      <p:sp>
+        <p:nvSpPr>
+          <p:cNvPr id="3" name="Notes Placeholder 2"/>
+          <p:cNvSpPr>
+            <a:spLocks noGrp="1"/>
+          </p:cNvSpPr>
+          <p:nvPr>
+            <p:ph type="body" idx="1"/>
+          </p:nvPr>
+        </p:nvSpPr>
+        <p:spPr/>
+        <p:txBody>
+          <a:bodyPr/>
+          <a:lstStyle/>
+          <a:p>
+            <a:endParaRPr lang="en-US" dirty="0"/>
+          </a:p>
+        </p:txBody>
+      </p:sp>
+      <p:sp>
+        <p:nvSpPr>
+          <p:cNvPr id="4" name="Slide Number Placeholder 3"/>
+          <p:cNvSpPr>
+            <a:spLocks noGrp="1"/>
+          </p:cNvSpPr>
+          <p:nvPr>
+            <p:ph type="sldNum" sz="quarter" idx="5"/>
+          </p:nvPr>
+        </p:nvSpPr>
+        <p:spPr/>
+        <p:txBody>
+          <a:bodyPr/>
+          <a:lstStyle/>
+          <a:p>
+            <a:fld id="{6E19ACB2-667C-4F44-ADF3-29295C9B4828}" type="slidenum">
+              <a:rPr lang="en-US" smtClean="0"/>
               <a:t>6</a:t>
             </a:fld>
             <a:endParaRPr lang="en-US"/>
@@ -583,7 +667,7 @@
 </p:notes>
 </file>
 
-<file path=ppt/notesSlides/notesSlide2.xml><?xml version="1.0" encoding="utf-8"?>
+<file path=ppt/notesSlides/notesSlide3.xml><?xml version="1.0" encoding="utf-8"?>
 <p:notes xmlns:a="http://schemas.openxmlformats.org/drawingml/2006/main" xmlns:r="http://schemas.openxmlformats.org/officeDocument/2006/relationships" xmlns:p="http://schemas.openxmlformats.org/presentationml/2006/main">
   <p:cSld>
     <p:spTree>
@@ -798,7 +882,7 @@
           <a:p>
             <a:fld id="{4C077E52-F512-CB43-BD9F-418B3EB123F3}" type="datetimeFigureOut">
               <a:rPr lang="en-US" smtClean="0"/>
-              <a:t>2/13/20</a:t>
+              <a:t>2/20/20</a:t>
             </a:fld>
             <a:endParaRPr lang="en-US"/>
           </a:p>
@@ -968,7 +1052,7 @@
           <a:p>
             <a:fld id="{4C077E52-F512-CB43-BD9F-418B3EB123F3}" type="datetimeFigureOut">
               <a:rPr lang="en-US" smtClean="0"/>
-              <a:t>2/13/20</a:t>
+              <a:t>2/20/20</a:t>
             </a:fld>
             <a:endParaRPr lang="en-US"/>
           </a:p>
@@ -1148,7 +1232,7 @@
           <a:p>
             <a:fld id="{4C077E52-F512-CB43-BD9F-418B3EB123F3}" type="datetimeFigureOut">
               <a:rPr lang="en-US" smtClean="0"/>
-              <a:t>2/13/20</a:t>
+              <a:t>2/20/20</a:t>
             </a:fld>
             <a:endParaRPr lang="en-US"/>
           </a:p>
@@ -1318,7 +1402,7 @@
           <a:p>
             <a:fld id="{4C077E52-F512-CB43-BD9F-418B3EB123F3}" type="datetimeFigureOut">
               <a:rPr lang="en-US" smtClean="0"/>
-              <a:t>2/13/20</a:t>
+              <a:t>2/20/20</a:t>
             </a:fld>
             <a:endParaRPr lang="en-US"/>
           </a:p>
@@ -1564,7 +1648,7 @@
           <a:p>
             <a:fld id="{4C077E52-F512-CB43-BD9F-418B3EB123F3}" type="datetimeFigureOut">
               <a:rPr lang="en-US" smtClean="0"/>
-              <a:t>2/13/20</a:t>
+              <a:t>2/20/20</a:t>
             </a:fld>
             <a:endParaRPr lang="en-US"/>
           </a:p>
@@ -1796,7 +1880,7 @@
           <a:p>
             <a:fld id="{4C077E52-F512-CB43-BD9F-418B3EB123F3}" type="datetimeFigureOut">
               <a:rPr lang="en-US" smtClean="0"/>
-              <a:t>2/13/20</a:t>
+              <a:t>2/20/20</a:t>
             </a:fld>
             <a:endParaRPr lang="en-US"/>
           </a:p>
@@ -2163,7 +2247,7 @@
           <a:p>
             <a:fld id="{4C077E52-F512-CB43-BD9F-418B3EB123F3}" type="datetimeFigureOut">
               <a:rPr lang="en-US" smtClean="0"/>
-              <a:t>2/13/20</a:t>
+              <a:t>2/20/20</a:t>
             </a:fld>
             <a:endParaRPr lang="en-US"/>
           </a:p>
@@ -2281,7 +2365,7 @@
           <a:p>
             <a:fld id="{4C077E52-F512-CB43-BD9F-418B3EB123F3}" type="datetimeFigureOut">
               <a:rPr lang="en-US" smtClean="0"/>
-              <a:t>2/13/20</a:t>
+              <a:t>2/20/20</a:t>
             </a:fld>
             <a:endParaRPr lang="en-US"/>
           </a:p>
@@ -2376,7 +2460,7 @@
           <a:p>
             <a:fld id="{4C077E52-F512-CB43-BD9F-418B3EB123F3}" type="datetimeFigureOut">
               <a:rPr lang="en-US" smtClean="0"/>
-              <a:t>2/13/20</a:t>
+              <a:t>2/20/20</a:t>
             </a:fld>
             <a:endParaRPr lang="en-US"/>
           </a:p>
@@ -2653,7 +2737,7 @@
           <a:p>
             <a:fld id="{4C077E52-F512-CB43-BD9F-418B3EB123F3}" type="datetimeFigureOut">
               <a:rPr lang="en-US" smtClean="0"/>
-              <a:t>2/13/20</a:t>
+              <a:t>2/20/20</a:t>
             </a:fld>
             <a:endParaRPr lang="en-US"/>
           </a:p>
@@ -2910,7 +2994,7 @@
           <a:p>
             <a:fld id="{4C077E52-F512-CB43-BD9F-418B3EB123F3}" type="datetimeFigureOut">
               <a:rPr lang="en-US" smtClean="0"/>
-              <a:t>2/13/20</a:t>
+              <a:t>2/20/20</a:t>
             </a:fld>
             <a:endParaRPr lang="en-US"/>
           </a:p>
@@ -3123,7 +3207,7 @@
           <a:p>
             <a:fld id="{4C077E52-F512-CB43-BD9F-418B3EB123F3}" type="datetimeFigureOut">
               <a:rPr lang="en-US" smtClean="0"/>
-              <a:t>2/13/20</a:t>
+              <a:t>2/20/20</a:t>
             </a:fld>
             <a:endParaRPr lang="en-US"/>
           </a:p>
@@ -3651,8 +3735,8 @@
         </p:blipFill>
         <p:spPr>
           <a:xfrm>
-            <a:off x="838200" y="702799"/>
-            <a:ext cx="5280524" cy="5375883"/>
+            <a:off x="838199" y="702799"/>
+            <a:ext cx="6030191" cy="6139088"/>
           </a:xfrm>
         </p:spPr>
       </p:pic>
@@ -4028,9 +4112,29 @@
             </a:r>
             <a:r>
               <a:rPr lang="en-IN" sz="2400" dirty="0"/>
-              <a:t> includes a full source-level debugger, supporting breakpoints, stepping, and variable inspection.</a:t>
-            </a:r>
-            <a:endParaRPr lang="en-US" sz="2400" dirty="0"/>
+              <a:t> includes a full source-level debugger, supporting breakpoints, stepping, and variable inspection. </a:t>
+            </a:r>
+            <a:r>
+              <a:rPr lang="en-IN" sz="2400" dirty="0">
+                <a:solidFill>
+                  <a:srgbClr val="FF0000"/>
+                </a:solidFill>
+              </a:rPr>
+              <a:t>Change </a:t>
+            </a:r>
+            <a:r>
+              <a:rPr lang="en-IN" sz="2400" dirty="0" err="1">
+                <a:solidFill>
+                  <a:srgbClr val="FF0000"/>
+                </a:solidFill>
+              </a:rPr>
+              <a:t>img</a:t>
+            </a:r>
+            <a:endParaRPr lang="en-US" sz="2400" dirty="0">
+              <a:solidFill>
+                <a:srgbClr val="FF0000"/>
+              </a:solidFill>
+            </a:endParaRPr>
           </a:p>
         </p:txBody>
       </p:sp>
@@ -4169,7 +4273,7 @@
                 </a:solidFill>
                 <a:cs typeface="Calibri"/>
               </a:rPr>
-              <a:t>Single codebase for web, mobile and embedded platforms</a:t>
+              <a:t>Single codebase for mobile &amp; web platforms</a:t>
             </a:r>
           </a:p>
           <a:p>
@@ -4203,28 +4307,16 @@
           <a:p>
             <a:pPr marL="285750" indent="-285750" algn="just"/>
             <a:r>
-              <a:rPr lang="en-US" dirty="0">
+              <a:rPr lang="en-IN" dirty="0">
                 <a:solidFill>
-                  <a:schemeClr val="accent5">
-                    <a:lumMod val="10000"/>
-                  </a:schemeClr>
+                  <a:srgbClr val="FF0000"/>
                 </a:solidFill>
-                <a:cs typeface="Calibri" panose="020F0502020204030204" pitchFamily="34" charset="0"/>
               </a:rPr>
-              <a:t>The mildest learning curve and a growing community</a:t>
-            </a:r>
-          </a:p>
-          <a:p>
-            <a:pPr marL="285750" indent="-285750" algn="just"/>
-            <a:r>
-              <a:rPr lang="en-IN" dirty="0"/>
               <a:t>More Firebase APIs assistance</a:t>
             </a:r>
             <a:endParaRPr lang="en-US" dirty="0">
               <a:solidFill>
-                <a:schemeClr val="accent5">
-                  <a:lumMod val="10000"/>
-                </a:schemeClr>
+                <a:srgbClr val="FF0000"/>
               </a:solidFill>
               <a:cs typeface="Calibri" panose="020F0502020204030204" pitchFamily="34" charset="0"/>
             </a:endParaRPr>
@@ -4386,9 +4478,7 @@
             <a:r>
               <a:rPr lang="en-US" dirty="0">
                 <a:solidFill>
-                  <a:schemeClr val="accent5">
-                    <a:lumMod val="10000"/>
-                  </a:schemeClr>
+                  <a:srgbClr val="FF0000"/>
                 </a:solidFill>
                 <a:cs typeface="Calibri" panose="020F0502020204030204" pitchFamily="34" charset="0"/>
               </a:rPr>
@@ -4396,21 +4486,9 @@
             </a:r>
           </a:p>
           <a:p>
-            <a:pPr marL="285750" indent="-285750" algn="just"/>
-            <a:r>
-              <a:rPr lang="en-IN" dirty="0"/>
-              <a:t>Flutter caters to mobile apps only and isn’t supported by web browsers.</a:t>
-            </a:r>
-            <a:endParaRPr lang="en-US" dirty="0">
-              <a:solidFill>
-                <a:schemeClr val="accent5">
-                  <a:lumMod val="10000"/>
-                </a:schemeClr>
-              </a:solidFill>
-              <a:cs typeface="Calibri" panose="020F0502020204030204" pitchFamily="34" charset="0"/>
-            </a:endParaRPr>
-          </a:p>
-          <a:p>
+            <a:pPr marL="0" indent="0">
+              <a:buNone/>
+            </a:pPr>
             <a:endParaRPr lang="en-US" dirty="0"/>
           </a:p>
         </p:txBody>
@@ -5839,7 +5917,17 @@
               <a:rPr lang="en-IN" b="1" dirty="0"/>
               <a:t>Dart</a:t>
             </a:r>
-            <a:endParaRPr lang="en-US" b="1" dirty="0"/>
+          </a:p>
+          <a:p>
+            <a:pPr algn="just"/>
+            <a:r>
+              <a:rPr lang="en-IN" b="1" dirty="0">
+                <a:solidFill>
+                  <a:srgbClr val="FF0000"/>
+                </a:solidFill>
+              </a:rPr>
+              <a:t>Cupertino</a:t>
+            </a:r>
           </a:p>
         </p:txBody>
       </p:sp>
@@ -6497,18 +6585,7 @@
                 </a:solidFill>
                 <a:hlinkClick r:id="rId7"/>
               </a:rPr>
-              <a:t>flutterd</a:t>
-            </a:r>
-            <a:r>
-              <a:rPr lang="en-US" dirty="0" err="1">
-                <a:solidFill>
-                  <a:schemeClr val="accent5">
-                    <a:lumMod val="10000"/>
-                  </a:schemeClr>
-                </a:solidFill>
-                <a:hlinkClick r:id="rId7"/>
-              </a:rPr>
-              <a:t>ev</a:t>
+              <a:t>flutterdev</a:t>
             </a:r>
             <a:endParaRPr lang="en-US" dirty="0">
               <a:solidFill>
@@ -6702,7 +6779,7 @@
             </a:r>
             <a:r>
               <a:rPr lang="en-IN" dirty="0">
-                <a:hlinkClick r:id="rId2"/>
+                <a:hlinkClick r:id="rId3"/>
               </a:rPr>
               <a:t>Dart platform</a:t>
             </a:r>
@@ -6742,7 +6819,7 @@
             </a:r>
             <a:r>
               <a:rPr lang="en-IN" dirty="0">
-                <a:hlinkClick r:id="rId3"/>
+                <a:hlinkClick r:id="rId4"/>
               </a:rPr>
               <a:t>Skia</a:t>
             </a:r>
@@ -7034,7 +7111,11 @@
           <a:p>
             <a:pPr algn="just"/>
             <a:r>
-              <a:rPr lang="en-IN" dirty="0"/>
+              <a:rPr lang="en-IN" dirty="0">
+                <a:solidFill>
+                  <a:srgbClr val="FF0000"/>
+                </a:solidFill>
+              </a:rPr>
               <a:t>Expressive and Flexible UI</a:t>
             </a:r>
           </a:p>
@@ -7147,15 +7228,15 @@
             <a:pPr algn="just"/>
             <a:r>
               <a:rPr lang="en-US" dirty="0"/>
-              <a:t>Flutter engine has most of the native components in the framework itself and it </a:t>
+              <a:t>Flutter engine has the native components in the framework itself and it </a:t>
             </a:r>
             <a:r>
               <a:rPr lang="en-US" b="1" dirty="0"/>
-              <a:t>doesn’t always need a bridge to communicate </a:t>
+              <a:t>doesn’t need a bridge to communicate </a:t>
             </a:r>
             <a:r>
               <a:rPr lang="en-US" dirty="0"/>
-              <a:t>with the native components. </a:t>
+              <a:t>with the native</a:t>
             </a:r>
           </a:p>
           <a:p>
@@ -7168,7 +7249,7 @@
             <a:pPr algn="just"/>
             <a:r>
               <a:rPr lang="en-US" dirty="0"/>
-              <a:t>Flutter framework is bundled with UI rendering components, device API access, navigation, testing, stateful management and loads of libraries which </a:t>
+              <a:t>Flutter framework is bundled with UI rendering components, device API access, navigation, testing, stateful management and lots of libraries which </a:t>
             </a:r>
             <a:r>
               <a:rPr lang="en-US" b="1" dirty="0"/>
@@ -7225,7 +7306,7 @@
                 </a:solidFill>
                 <a:cs typeface="Calibri"/>
               </a:rPr>
-              <a:t>CI/CD support – Code Magic , </a:t>
+              <a:t>Like React Native, we can use any CI/CD tools such as Code Magic , </a:t>
             </a:r>
             <a:r>
               <a:rPr lang="en-US" dirty="0" err="1">
@@ -7259,6 +7340,17 @@
                 <a:cs typeface="Calibri"/>
               </a:rPr>
               <a:t>CircleCI</a:t>
+            </a:r>
+            <a:r>
+              <a:rPr lang="en-US" dirty="0">
+                <a:solidFill>
+                  <a:schemeClr val="accent5">
+                    <a:lumMod val="10000"/>
+                  </a:schemeClr>
+                </a:solidFill>
+                <a:cs typeface="Calibri"/>
+              </a:rPr>
+              <a:t> etc.</a:t>
             </a:r>
             <a:endParaRPr lang="en-IN" dirty="0"/>
           </a:p>
@@ -7372,8 +7464,8 @@
             </a:r>
           </a:p>
           <a:p>
-            <a:pPr marL="514350" indent="-514350" algn="just">
-              <a:buAutoNum type="alphaLcParenR"/>
+            <a:pPr marL="0" indent="0" algn="just">
+              <a:buNone/>
             </a:pPr>
             <a:r>
               <a:rPr lang="en-IN" dirty="0"/>
@@ -7401,12 +7493,12 @@
             </a:r>
           </a:p>
           <a:p>
-            <a:pPr marL="514350" indent="-514350" algn="just">
-              <a:buAutoNum type="alphaLcParenR"/>
+            <a:pPr marL="0" indent="0" algn="just">
+              <a:buNone/>
             </a:pPr>
             <a:r>
               <a:rPr lang="en-IN" dirty="0"/>
-              <a:t>Supportive for an extensive array of IDEs that include </a:t>
+              <a:t>Supportive for extensive IDEs that includes </a:t>
             </a:r>
             <a:r>
               <a:rPr lang="en-IN" dirty="0" err="1"/>
@@ -7433,7 +7525,11 @@
           <a:p>
             <a:pPr algn="just"/>
             <a:r>
-              <a:rPr lang="en-IN" dirty="0"/>
+              <a:rPr lang="en-IN" dirty="0">
+                <a:solidFill>
+                  <a:srgbClr val="FF0000"/>
+                </a:solidFill>
+              </a:rPr>
               <a:t>You get the extra support for Google’s Firebase development platform.</a:t>
             </a:r>
           </a:p>

--- a/Flutter features.pptx
+++ b/Flutter features.pptx
@@ -232,7 +232,7 @@
           <a:p>
             <a:fld id="{39BB876B-C014-424A-93F0-7F3795E98CE4}" type="datetimeFigureOut">
               <a:rPr lang="en-US" smtClean="0"/>
-              <a:t>2/20/20</a:t>
+              <a:t>2/24/20</a:t>
             </a:fld>
             <a:endParaRPr lang="en-US"/>
           </a:p>
@@ -882,7 +882,7 @@
           <a:p>
             <a:fld id="{4C077E52-F512-CB43-BD9F-418B3EB123F3}" type="datetimeFigureOut">
               <a:rPr lang="en-US" smtClean="0"/>
-              <a:t>2/20/20</a:t>
+              <a:t>2/24/20</a:t>
             </a:fld>
             <a:endParaRPr lang="en-US"/>
           </a:p>
@@ -1052,7 +1052,7 @@
           <a:p>
             <a:fld id="{4C077E52-F512-CB43-BD9F-418B3EB123F3}" type="datetimeFigureOut">
               <a:rPr lang="en-US" smtClean="0"/>
-              <a:t>2/20/20</a:t>
+              <a:t>2/24/20</a:t>
             </a:fld>
             <a:endParaRPr lang="en-US"/>
           </a:p>
@@ -1232,7 +1232,7 @@
           <a:p>
             <a:fld id="{4C077E52-F512-CB43-BD9F-418B3EB123F3}" type="datetimeFigureOut">
               <a:rPr lang="en-US" smtClean="0"/>
-              <a:t>2/20/20</a:t>
+              <a:t>2/24/20</a:t>
             </a:fld>
             <a:endParaRPr lang="en-US"/>
           </a:p>
@@ -1402,7 +1402,7 @@
           <a:p>
             <a:fld id="{4C077E52-F512-CB43-BD9F-418B3EB123F3}" type="datetimeFigureOut">
               <a:rPr lang="en-US" smtClean="0"/>
-              <a:t>2/20/20</a:t>
+              <a:t>2/24/20</a:t>
             </a:fld>
             <a:endParaRPr lang="en-US"/>
           </a:p>
@@ -1648,7 +1648,7 @@
           <a:p>
             <a:fld id="{4C077E52-F512-CB43-BD9F-418B3EB123F3}" type="datetimeFigureOut">
               <a:rPr lang="en-US" smtClean="0"/>
-              <a:t>2/20/20</a:t>
+              <a:t>2/24/20</a:t>
             </a:fld>
             <a:endParaRPr lang="en-US"/>
           </a:p>
@@ -1880,7 +1880,7 @@
           <a:p>
             <a:fld id="{4C077E52-F512-CB43-BD9F-418B3EB123F3}" type="datetimeFigureOut">
               <a:rPr lang="en-US" smtClean="0"/>
-              <a:t>2/20/20</a:t>
+              <a:t>2/24/20</a:t>
             </a:fld>
             <a:endParaRPr lang="en-US"/>
           </a:p>
@@ -2247,7 +2247,7 @@
           <a:p>
             <a:fld id="{4C077E52-F512-CB43-BD9F-418B3EB123F3}" type="datetimeFigureOut">
               <a:rPr lang="en-US" smtClean="0"/>
-              <a:t>2/20/20</a:t>
+              <a:t>2/24/20</a:t>
             </a:fld>
             <a:endParaRPr lang="en-US"/>
           </a:p>
@@ -2365,7 +2365,7 @@
           <a:p>
             <a:fld id="{4C077E52-F512-CB43-BD9F-418B3EB123F3}" type="datetimeFigureOut">
               <a:rPr lang="en-US" smtClean="0"/>
-              <a:t>2/20/20</a:t>
+              <a:t>2/24/20</a:t>
             </a:fld>
             <a:endParaRPr lang="en-US"/>
           </a:p>
@@ -2460,7 +2460,7 @@
           <a:p>
             <a:fld id="{4C077E52-F512-CB43-BD9F-418B3EB123F3}" type="datetimeFigureOut">
               <a:rPr lang="en-US" smtClean="0"/>
-              <a:t>2/20/20</a:t>
+              <a:t>2/24/20</a:t>
             </a:fld>
             <a:endParaRPr lang="en-US"/>
           </a:p>
@@ -2737,7 +2737,7 @@
           <a:p>
             <a:fld id="{4C077E52-F512-CB43-BD9F-418B3EB123F3}" type="datetimeFigureOut">
               <a:rPr lang="en-US" smtClean="0"/>
-              <a:t>2/20/20</a:t>
+              <a:t>2/24/20</a:t>
             </a:fld>
             <a:endParaRPr lang="en-US"/>
           </a:p>
@@ -2994,7 +2994,7 @@
           <a:p>
             <a:fld id="{4C077E52-F512-CB43-BD9F-418B3EB123F3}" type="datetimeFigureOut">
               <a:rPr lang="en-US" smtClean="0"/>
-              <a:t>2/20/20</a:t>
+              <a:t>2/24/20</a:t>
             </a:fld>
             <a:endParaRPr lang="en-US"/>
           </a:p>
@@ -3207,7 +3207,7 @@
           <a:p>
             <a:fld id="{4C077E52-F512-CB43-BD9F-418B3EB123F3}" type="datetimeFigureOut">
               <a:rPr lang="en-US" smtClean="0"/>
-              <a:t>2/20/20</a:t>
+              <a:t>2/24/20</a:t>
             </a:fld>
             <a:endParaRPr lang="en-US"/>
           </a:p>
@@ -3690,24 +3690,30 @@
         </p:nvSpPr>
         <p:spPr>
           <a:xfrm>
-            <a:off x="838200" y="273685"/>
+            <a:off x="370609" y="383314"/>
             <a:ext cx="10515600" cy="671195"/>
           </a:xfrm>
         </p:spPr>
         <p:txBody>
           <a:bodyPr>
-            <a:normAutofit fontScale="90000"/>
+            <a:noAutofit/>
           </a:bodyPr>
           <a:lstStyle/>
           <a:p>
             <a:r>
-              <a:rPr lang="en-IN" dirty="0"/>
+              <a:rPr lang="en-IN" sz="3200" dirty="0">
+                <a:latin typeface="+mn-lt"/>
+              </a:rPr>
               <a:t>Stateful widget</a:t>
             </a:r>
             <a:br>
-              <a:rPr lang="en-IN" dirty="0"/>
+              <a:rPr lang="en-IN" sz="3200" dirty="0">
+                <a:latin typeface="+mn-lt"/>
+              </a:rPr>
             </a:br>
-            <a:endParaRPr lang="en-US" dirty="0"/>
+            <a:endParaRPr lang="en-US" sz="3200" dirty="0">
+              <a:latin typeface="+mn-lt"/>
+            </a:endParaRPr>
           </a:p>
         </p:txBody>
       </p:sp>
@@ -3735,8 +3741,8 @@
         </p:blipFill>
         <p:spPr>
           <a:xfrm>
-            <a:off x="838199" y="702799"/>
-            <a:ext cx="6030191" cy="6139088"/>
+            <a:off x="2976129" y="1054509"/>
+            <a:ext cx="5304560" cy="5400353"/>
           </a:xfrm>
         </p:spPr>
       </p:pic>
@@ -3788,11 +3794,15 @@
         </p:nvSpPr>
         <p:spPr/>
         <p:txBody>
-          <a:bodyPr/>
-          <a:lstStyle/>
-          <a:p>
-            <a:r>
-              <a:rPr lang="en-US" dirty="0"/>
+          <a:bodyPr>
+            <a:normAutofit/>
+          </a:bodyPr>
+          <a:lstStyle/>
+          <a:p>
+            <a:r>
+              <a:rPr lang="en-US" sz="3200" dirty="0">
+                <a:latin typeface="+mn-lt"/>
+              </a:rPr>
               <a:t>Installation</a:t>
             </a:r>
           </a:p>
@@ -3895,22 +3905,30 @@
         </p:nvSpPr>
         <p:spPr>
           <a:xfrm>
-            <a:off x="838200" y="0"/>
+            <a:off x="329046" y="0"/>
             <a:ext cx="10515600" cy="1325563"/>
           </a:xfrm>
         </p:spPr>
         <p:txBody>
-          <a:bodyPr/>
-          <a:lstStyle/>
-          <a:p>
-            <a:r>
-              <a:rPr lang="en-IN" dirty="0"/>
+          <a:bodyPr>
+            <a:normAutofit/>
+          </a:bodyPr>
+          <a:lstStyle/>
+          <a:p>
+            <a:r>
+              <a:rPr lang="en-IN" sz="3200" dirty="0">
+                <a:latin typeface="+mn-lt"/>
+              </a:rPr>
               <a:t>Create and run a simple Flutter app</a:t>
             </a:r>
             <a:br>
-              <a:rPr lang="en-IN" dirty="0"/>
+              <a:rPr lang="en-IN" sz="3200" dirty="0">
+                <a:latin typeface="+mn-lt"/>
+              </a:rPr>
             </a:br>
-            <a:endParaRPr lang="en-US" dirty="0"/>
+            <a:endParaRPr lang="en-US" sz="3200" dirty="0">
+              <a:latin typeface="+mn-lt"/>
+            </a:endParaRPr>
           </a:p>
         </p:txBody>
       </p:sp>
@@ -3932,7 +3950,7 @@
         </p:nvSpPr>
         <p:spPr>
           <a:xfrm>
-            <a:off x="838200" y="685800"/>
+            <a:off x="671945" y="929731"/>
             <a:ext cx="10515600" cy="5491163"/>
           </a:xfrm>
         </p:spPr>
@@ -3946,36 +3964,52 @@
             <a:endParaRPr lang="en-IN" dirty="0"/>
           </a:p>
           <a:p>
-            <a:endParaRPr lang="en-IN" dirty="0"/>
-          </a:p>
-          <a:p>
-            <a:r>
-              <a:rPr lang="en-IN" dirty="0"/>
+            <a:endParaRPr lang="en-IN" dirty="0">
+              <a:latin typeface="+mj-lt"/>
+            </a:endParaRPr>
+          </a:p>
+          <a:p>
+            <a:r>
+              <a:rPr lang="en-IN" dirty="0">
+                <a:latin typeface="+mj-lt"/>
+              </a:rPr>
               <a:t>$ flutter create </a:t>
             </a:r>
             <a:r>
-              <a:rPr lang="en-IN" dirty="0" err="1"/>
+              <a:rPr lang="en-IN" dirty="0" err="1">
+                <a:latin typeface="+mj-lt"/>
+              </a:rPr>
               <a:t>my_app</a:t>
             </a:r>
             <a:r>
-              <a:rPr lang="en-IN" dirty="0"/>
+              <a:rPr lang="en-IN" dirty="0">
+                <a:latin typeface="+mj-lt"/>
+              </a:rPr>
               <a:t> </a:t>
             </a:r>
           </a:p>
           <a:p>
             <a:r>
-              <a:rPr lang="en-IN" dirty="0"/>
+              <a:rPr lang="en-IN" dirty="0">
+                <a:latin typeface="+mj-lt"/>
+              </a:rPr>
               <a:t>$ cd </a:t>
             </a:r>
             <a:r>
-              <a:rPr lang="en-IN" dirty="0" err="1"/>
+              <a:rPr lang="en-IN" dirty="0" err="1">
+                <a:latin typeface="+mj-lt"/>
+              </a:rPr>
               <a:t>my_app</a:t>
             </a:r>
-            <a:endParaRPr lang="en-IN" dirty="0"/>
-          </a:p>
-          <a:p>
-            <a:r>
-              <a:rPr lang="en-IN" dirty="0"/>
+            <a:endParaRPr lang="en-IN" dirty="0">
+              <a:latin typeface="+mj-lt"/>
+            </a:endParaRPr>
+          </a:p>
+          <a:p>
+            <a:r>
+              <a:rPr lang="en-IN" dirty="0">
+                <a:latin typeface="+mj-lt"/>
+              </a:rPr>
               <a:t>$ flutter run</a:t>
             </a:r>
           </a:p>
@@ -4006,7 +4040,7 @@
         </p:blipFill>
         <p:spPr>
           <a:xfrm>
-            <a:off x="7356763" y="700402"/>
+            <a:off x="7855527" y="783529"/>
             <a:ext cx="2639292" cy="5349916"/>
           </a:xfrm>
           <a:prstGeom prst="rect">
@@ -4046,40 +4080,6 @@
       </p:grpSpPr>
       <p:sp>
         <p:nvSpPr>
-          <p:cNvPr id="2" name="Title 1">
-            <a:extLst>
-              <a:ext uri="{FF2B5EF4-FFF2-40B4-BE49-F238E27FC236}">
-                <a16:creationId xmlns:a16="http://schemas.microsoft.com/office/drawing/2014/main" id="{95247AE8-CC0A-D140-A6FA-DC351E2E6A1B}"/>
-              </a:ext>
-            </a:extLst>
-          </p:cNvPr>
-          <p:cNvSpPr>
-            <a:spLocks noGrp="1"/>
-          </p:cNvSpPr>
-          <p:nvPr>
-            <p:ph type="title"/>
-          </p:nvPr>
-        </p:nvSpPr>
-        <p:spPr>
-          <a:xfrm>
-            <a:off x="838200" y="-375068"/>
-            <a:ext cx="10515600" cy="1325563"/>
-          </a:xfrm>
-        </p:spPr>
-        <p:txBody>
-          <a:bodyPr/>
-          <a:lstStyle/>
-          <a:p>
-            <a:r>
-              <a:rPr lang="en-US" sz="4000" dirty="0"/>
-              <a:t>Debugging</a:t>
-            </a:r>
-            <a:endParaRPr lang="en-US" dirty="0"/>
-          </a:p>
-        </p:txBody>
-      </p:sp>
-      <p:sp>
-        <p:nvSpPr>
           <p:cNvPr id="3" name="Content Placeholder 2">
             <a:extLst>
               <a:ext uri="{FF2B5EF4-FFF2-40B4-BE49-F238E27FC236}">
@@ -4096,8 +4096,8 @@
         </p:nvSpPr>
         <p:spPr>
           <a:xfrm>
-            <a:off x="838200" y="613611"/>
-            <a:ext cx="10515600" cy="5563352"/>
+            <a:off x="150312" y="100208"/>
+            <a:ext cx="11824570" cy="6757792"/>
           </a:xfrm>
         </p:spPr>
         <p:txBody>
@@ -4107,43 +4107,36 @@
           <a:lstStyle/>
           <a:p>
             <a:r>
-              <a:rPr lang="en-IN" sz="2400" dirty="0" err="1"/>
+              <a:rPr lang="en-US" sz="2400" dirty="0"/>
+              <a:t>Debugging : </a:t>
+            </a:r>
+            <a:r>
+              <a:rPr lang="en-IN" sz="2400" dirty="0" err="1">
+                <a:latin typeface="+mj-lt"/>
+              </a:rPr>
               <a:t>DevTools</a:t>
             </a:r>
             <a:r>
-              <a:rPr lang="en-IN" sz="2400" dirty="0"/>
+              <a:rPr lang="en-IN" sz="2400" dirty="0">
+                <a:latin typeface="+mj-lt"/>
+              </a:rPr>
               <a:t> includes a full source-level debugger, supporting breakpoints, stepping, and variable inspection. </a:t>
-            </a:r>
-            <a:r>
-              <a:rPr lang="en-IN" sz="2400" dirty="0">
-                <a:solidFill>
-                  <a:srgbClr val="FF0000"/>
-                </a:solidFill>
-              </a:rPr>
-              <a:t>Change </a:t>
-            </a:r>
-            <a:r>
-              <a:rPr lang="en-IN" sz="2400" dirty="0" err="1">
-                <a:solidFill>
-                  <a:srgbClr val="FF0000"/>
-                </a:solidFill>
-              </a:rPr>
-              <a:t>img</a:t>
             </a:r>
             <a:endParaRPr lang="en-US" sz="2400" dirty="0">
               <a:solidFill>
                 <a:srgbClr val="FF0000"/>
               </a:solidFill>
+              <a:latin typeface="+mj-lt"/>
             </a:endParaRPr>
           </a:p>
         </p:txBody>
       </p:sp>
       <p:pic>
         <p:nvPicPr>
-          <p:cNvPr id="5" name="Picture 4">
+          <p:cNvPr id="6" name="Picture 5">
             <a:extLst>
               <a:ext uri="{FF2B5EF4-FFF2-40B4-BE49-F238E27FC236}">
-                <a16:creationId xmlns:a16="http://schemas.microsoft.com/office/drawing/2014/main" id="{83552A5B-BAB9-4547-93E2-900DE7C31210}"/>
+                <a16:creationId xmlns:a16="http://schemas.microsoft.com/office/drawing/2014/main" id="{7FDDC17F-B181-5347-89F1-A37959ABCB91}"/>
               </a:ext>
             </a:extLst>
           </p:cNvPr>
@@ -4160,8 +4153,8 @@
         </p:blipFill>
         <p:spPr>
           <a:xfrm>
-            <a:off x="3116179" y="1313897"/>
-            <a:ext cx="6510888" cy="5851745"/>
+            <a:off x="1127341" y="776614"/>
+            <a:ext cx="9632517" cy="6063505"/>
           </a:xfrm>
           <a:prstGeom prst="rect">
             <a:avLst/>
@@ -4214,15 +4207,27 @@
             <p:ph type="title"/>
           </p:nvPr>
         </p:nvSpPr>
-        <p:spPr/>
-        <p:txBody>
-          <a:bodyPr/>
-          <a:lstStyle/>
-          <a:p>
-            <a:r>
-              <a:rPr lang="en-US" dirty="0"/>
+        <p:spPr>
+          <a:xfrm>
+            <a:off x="426027" y="167554"/>
+            <a:ext cx="10927773" cy="1325563"/>
+          </a:xfrm>
+        </p:spPr>
+        <p:txBody>
+          <a:bodyPr>
+            <a:normAutofit/>
+          </a:bodyPr>
+          <a:lstStyle/>
+          <a:p>
+            <a:r>
+              <a:rPr lang="en-US" sz="3200" dirty="0">
+                <a:latin typeface="+mn-lt"/>
+              </a:rPr>
               <a:t>Pros</a:t>
             </a:r>
+            <a:endParaRPr lang="en-US" sz="3600" dirty="0">
+              <a:latin typeface="+mn-lt"/>
+            </a:endParaRPr>
           </a:p>
         </p:txBody>
       </p:sp>
@@ -4242,7 +4247,12 @@
             <p:ph idx="1"/>
           </p:nvPr>
         </p:nvSpPr>
-        <p:spPr/>
+        <p:spPr>
+          <a:xfrm>
+            <a:off x="426027" y="1233344"/>
+            <a:ext cx="10515600" cy="4351338"/>
+          </a:xfrm>
+        </p:spPr>
         <p:txBody>
           <a:bodyPr>
             <a:normAutofit/>
@@ -4257,6 +4267,7 @@
                     <a:lumMod val="10000"/>
                   </a:schemeClr>
                 </a:solidFill>
+                <a:latin typeface="+mj-lt"/>
                 <a:cs typeface="Calibri" panose="020F0502020204030204" pitchFamily="34" charset="0"/>
               </a:rPr>
               <a:t>Ready-made and custom widgets for fast UI coding</a:t>
@@ -4271,6 +4282,7 @@
                     <a:lumMod val="10000"/>
                   </a:schemeClr>
                 </a:solidFill>
+                <a:latin typeface="+mj-lt"/>
                 <a:cs typeface="Calibri"/>
               </a:rPr>
               <a:t>Single codebase for mobile &amp; web platforms</a:t>
@@ -4285,6 +4297,7 @@
                     <a:lumMod val="10000"/>
                   </a:schemeClr>
                 </a:solidFill>
+                <a:latin typeface="+mj-lt"/>
                 <a:cs typeface="Calibri" panose="020F0502020204030204" pitchFamily="34" charset="0"/>
               </a:rPr>
               <a:t>Dart – simple and effective language targeted at Java programmers</a:t>
@@ -4299,39 +4312,35 @@
                     <a:lumMod val="10000"/>
                   </a:schemeClr>
                 </a:solidFill>
+                <a:latin typeface="+mj-lt"/>
                 <a:cs typeface="Calibri" panose="020F0502020204030204" pitchFamily="34" charset="0"/>
               </a:rPr>
               <a:t>Hot reload function for instantaneous updates</a:t>
             </a:r>
           </a:p>
           <a:p>
+            <a:r>
+              <a:rPr lang="en-IN" dirty="0">
+                <a:latin typeface="+mj-lt"/>
+              </a:rPr>
+              <a:t> Support Firebase APIs</a:t>
+            </a:r>
+          </a:p>
+          <a:p>
             <a:pPr marL="285750" indent="-285750" algn="just"/>
             <a:r>
               <a:rPr lang="en-IN" dirty="0">
-                <a:solidFill>
-                  <a:srgbClr val="FF0000"/>
-                </a:solidFill>
-              </a:rPr>
-              <a:t>More Firebase APIs assistance</a:t>
-            </a:r>
-            <a:endParaRPr lang="en-US" dirty="0">
-              <a:solidFill>
-                <a:srgbClr val="FF0000"/>
-              </a:solidFill>
-              <a:cs typeface="Calibri" panose="020F0502020204030204" pitchFamily="34" charset="0"/>
-            </a:endParaRPr>
+                <a:latin typeface="+mj-lt"/>
+              </a:rPr>
+              <a:t>Excellent User Interfaces</a:t>
+            </a:r>
           </a:p>
           <a:p>
             <a:pPr marL="285750" indent="-285750" algn="just"/>
             <a:r>
-              <a:rPr lang="en-IN" dirty="0"/>
-              <a:t>Excellent User Interfaces</a:t>
-            </a:r>
-          </a:p>
-          <a:p>
-            <a:pPr marL="285750" indent="-285750" algn="just"/>
-            <a:r>
-              <a:rPr lang="en-IN" dirty="0"/>
+              <a:rPr lang="en-IN" dirty="0">
+                <a:latin typeface="+mj-lt"/>
+              </a:rPr>
               <a:t>Perfect for an MVP (minimum viable product)</a:t>
             </a:r>
           </a:p>
@@ -4343,6 +4352,7 @@
                   <a:lumMod val="10000"/>
                 </a:schemeClr>
               </a:solidFill>
+              <a:latin typeface="+mj-lt"/>
               <a:cs typeface="Calibri" panose="020F0502020204030204" pitchFamily="34" charset="0"/>
             </a:endParaRPr>
           </a:p>
@@ -4396,18 +4406,25 @@
         </p:nvSpPr>
         <p:spPr>
           <a:xfrm>
-            <a:off x="838200" y="0"/>
+            <a:off x="474518" y="0"/>
             <a:ext cx="10515600" cy="1325563"/>
           </a:xfrm>
         </p:spPr>
         <p:txBody>
-          <a:bodyPr/>
-          <a:lstStyle/>
-          <a:p>
-            <a:r>
-              <a:rPr lang="en-US" dirty="0"/>
+          <a:bodyPr>
+            <a:normAutofit/>
+          </a:bodyPr>
+          <a:lstStyle/>
+          <a:p>
+            <a:r>
+              <a:rPr lang="en-US" sz="3200" dirty="0">
+                <a:latin typeface="+mn-lt"/>
+              </a:rPr>
               <a:t>Cons</a:t>
             </a:r>
+            <a:endParaRPr lang="en-US" sz="3600" dirty="0">
+              <a:latin typeface="+mn-lt"/>
+            </a:endParaRPr>
           </a:p>
         </p:txBody>
       </p:sp>
@@ -4429,7 +4446,7 @@
         </p:nvSpPr>
         <p:spPr>
           <a:xfrm>
-            <a:off x="838200" y="1155032"/>
+            <a:off x="474518" y="1165423"/>
             <a:ext cx="10515600" cy="5021931"/>
           </a:xfrm>
         </p:spPr>
@@ -4441,7 +4458,9 @@
           <a:p>
             <a:pPr marL="285750" indent="-285750" algn="just"/>
             <a:r>
-              <a:rPr lang="en-IN" dirty="0"/>
+              <a:rPr lang="en-IN" dirty="0">
+                <a:latin typeface="+mj-lt"/>
+              </a:rPr>
               <a:t>Since it is coded in Dart language, a developer needs to learn new language.</a:t>
             </a:r>
           </a:p>
@@ -4454,6 +4473,7 @@
                     <a:lumMod val="10000"/>
                   </a:schemeClr>
                 </a:solidFill>
+                <a:latin typeface="+mj-lt"/>
                 <a:cs typeface="Calibri" panose="020F0502020204030204" pitchFamily="34" charset="0"/>
               </a:rPr>
               <a:t>Lack of third-party libraries</a:t>
@@ -4468,28 +4488,19 @@
                     <a:lumMod val="10000"/>
                   </a:schemeClr>
                 </a:solidFill>
+                <a:latin typeface="+mj-lt"/>
                 <a:cs typeface="Calibri" panose="020F0502020204030204" pitchFamily="34" charset="0"/>
               </a:rPr>
               <a:t>Large number of open issues in GitHub (5000+)</a:t>
             </a:r>
           </a:p>
           <a:p>
-            <a:pPr marL="285750" indent="-285750" algn="just"/>
-            <a:r>
-              <a:rPr lang="en-US" dirty="0">
-                <a:solidFill>
-                  <a:srgbClr val="FF0000"/>
-                </a:solidFill>
-                <a:cs typeface="Calibri" panose="020F0502020204030204" pitchFamily="34" charset="0"/>
-              </a:rPr>
-              <a:t>Image I/O can be expensive</a:t>
-            </a:r>
-          </a:p>
-          <a:p>
             <a:pPr marL="0" indent="0">
               <a:buNone/>
             </a:pPr>
-            <a:endParaRPr lang="en-US" dirty="0"/>
+            <a:endParaRPr lang="en-US" dirty="0">
+              <a:latin typeface="+mj-lt"/>
+            </a:endParaRPr>
           </a:p>
         </p:txBody>
       </p:sp>
@@ -4547,15 +4558,19 @@
         </p:spPr>
         <p:txBody>
           <a:bodyPr>
-            <a:normAutofit fontScale="90000"/>
+            <a:noAutofit/>
           </a:bodyPr>
           <a:lstStyle/>
           <a:p>
             <a:r>
-              <a:rPr lang="en-IN" dirty="0"/>
+              <a:rPr lang="en-IN" sz="2800" dirty="0">
+                <a:latin typeface="+mn-lt"/>
+              </a:rPr>
               <a:t>Who is using Flutter?</a:t>
             </a:r>
-            <a:endParaRPr lang="en-US" dirty="0"/>
+            <a:endParaRPr lang="en-US" sz="2800" dirty="0">
+              <a:latin typeface="+mn-lt"/>
+            </a:endParaRPr>
           </a:p>
         </p:txBody>
       </p:sp>
@@ -5315,11 +5330,15 @@
           </a:xfrm>
         </p:spPr>
         <p:txBody>
-          <a:bodyPr/>
-          <a:lstStyle/>
-          <a:p>
-            <a:r>
-              <a:rPr lang="en-US" dirty="0"/>
+          <a:bodyPr>
+            <a:normAutofit/>
+          </a:bodyPr>
+          <a:lstStyle/>
+          <a:p>
+            <a:r>
+              <a:rPr lang="en-US" sz="3200" dirty="0">
+                <a:latin typeface="+mn-lt"/>
+              </a:rPr>
               <a:t>Flutter vs React Native</a:t>
             </a:r>
           </a:p>
@@ -5475,7 +5494,7 @@
         </p:nvSpPr>
         <p:spPr>
           <a:xfrm>
-            <a:off x="187037" y="114300"/>
+            <a:off x="187037" y="1369003"/>
             <a:ext cx="10432472" cy="6062663"/>
           </a:xfrm>
         </p:spPr>
@@ -5544,7 +5563,7 @@
         </p:blipFill>
         <p:spPr>
           <a:xfrm>
-            <a:off x="680027" y="657803"/>
+            <a:off x="680027" y="1889468"/>
             <a:ext cx="3111500" cy="711200"/>
           </a:xfrm>
           <a:prstGeom prst="rect">
@@ -5574,7 +5593,7 @@
         </p:blipFill>
         <p:spPr>
           <a:xfrm>
-            <a:off x="680027" y="1526742"/>
+            <a:off x="838200" y="2956268"/>
             <a:ext cx="3111500" cy="709179"/>
           </a:xfrm>
           <a:prstGeom prst="rect">
@@ -5604,7 +5623,7 @@
         </p:blipFill>
         <p:spPr>
           <a:xfrm>
-            <a:off x="680027" y="3268518"/>
+            <a:off x="610177" y="4509365"/>
             <a:ext cx="6057900" cy="736600"/>
           </a:xfrm>
           <a:prstGeom prst="rect">
@@ -5634,7 +5653,7 @@
         </p:blipFill>
         <p:spPr>
           <a:xfrm>
-            <a:off x="680027" y="4240933"/>
+            <a:off x="680027" y="5601565"/>
             <a:ext cx="5918200" cy="1206500"/>
           </a:xfrm>
           <a:prstGeom prst="rect">
@@ -5642,6 +5661,43 @@
           </a:prstGeom>
         </p:spPr>
       </p:pic>
+      <p:sp>
+        <p:nvSpPr>
+          <p:cNvPr id="7" name="Title 1">
+            <a:extLst>
+              <a:ext uri="{FF2B5EF4-FFF2-40B4-BE49-F238E27FC236}">
+                <a16:creationId xmlns:a16="http://schemas.microsoft.com/office/drawing/2014/main" id="{A4CCFF75-D756-9D4C-B715-F5DF6AD55830}"/>
+              </a:ext>
+            </a:extLst>
+          </p:cNvPr>
+          <p:cNvSpPr>
+            <a:spLocks noGrp="1"/>
+          </p:cNvSpPr>
+          <p:nvPr>
+            <p:ph type="title"/>
+          </p:nvPr>
+        </p:nvSpPr>
+        <p:spPr>
+          <a:xfrm>
+            <a:off x="187037" y="126134"/>
+            <a:ext cx="11166763" cy="1038787"/>
+          </a:xfrm>
+        </p:spPr>
+        <p:txBody>
+          <a:bodyPr>
+            <a:normAutofit/>
+          </a:bodyPr>
+          <a:lstStyle/>
+          <a:p>
+            <a:r>
+              <a:rPr lang="en-US" sz="3200" dirty="0">
+                <a:latin typeface="+mn-lt"/>
+              </a:rPr>
+              <a:t>Flutter vs React Native</a:t>
+            </a:r>
+          </a:p>
+        </p:txBody>
+      </p:sp>
     </p:spTree>
     <p:extLst>
       <p:ext uri="{BB962C8B-B14F-4D97-AF65-F5344CB8AC3E}">
@@ -5690,8 +5746,8 @@
         </p:nvSpPr>
         <p:spPr>
           <a:xfrm>
-            <a:off x="187037" y="114300"/>
-            <a:ext cx="10432472" cy="6062663"/>
+            <a:off x="187037" y="1402915"/>
+            <a:ext cx="10432472" cy="4774048"/>
           </a:xfrm>
         </p:spPr>
         <p:txBody>
@@ -5735,7 +5791,7 @@
         </p:blipFill>
         <p:spPr>
           <a:xfrm>
-            <a:off x="187036" y="834735"/>
+            <a:off x="187036" y="2037234"/>
             <a:ext cx="3803471" cy="1347355"/>
           </a:xfrm>
           <a:prstGeom prst="rect">
@@ -5765,7 +5821,7 @@
         </p:blipFill>
         <p:spPr>
           <a:xfrm>
-            <a:off x="187037" y="2523259"/>
+            <a:off x="187036" y="3563750"/>
             <a:ext cx="3823854" cy="2613213"/>
           </a:xfrm>
           <a:prstGeom prst="rect">
@@ -5773,6 +5829,43 @@
           </a:prstGeom>
         </p:spPr>
       </p:pic>
+      <p:sp>
+        <p:nvSpPr>
+          <p:cNvPr id="5" name="Title 1">
+            <a:extLst>
+              <a:ext uri="{FF2B5EF4-FFF2-40B4-BE49-F238E27FC236}">
+                <a16:creationId xmlns:a16="http://schemas.microsoft.com/office/drawing/2014/main" id="{A3522628-8A98-A849-A7BD-3C45C983A135}"/>
+              </a:ext>
+            </a:extLst>
+          </p:cNvPr>
+          <p:cNvSpPr>
+            <a:spLocks noGrp="1"/>
+          </p:cNvSpPr>
+          <p:nvPr>
+            <p:ph type="title"/>
+          </p:nvPr>
+        </p:nvSpPr>
+        <p:spPr>
+          <a:xfrm>
+            <a:off x="187037" y="126134"/>
+            <a:ext cx="11166763" cy="1038787"/>
+          </a:xfrm>
+        </p:spPr>
+        <p:txBody>
+          <a:bodyPr>
+            <a:normAutofit/>
+          </a:bodyPr>
+          <a:lstStyle/>
+          <a:p>
+            <a:r>
+              <a:rPr lang="en-US" sz="3200" dirty="0">
+                <a:latin typeface="+mn-lt"/>
+              </a:rPr>
+              <a:t>Flutter vs React Native</a:t>
+            </a:r>
+          </a:p>
+        </p:txBody>
+      </p:sp>
     </p:spTree>
     <p:extLst>
       <p:ext uri="{BB962C8B-B14F-4D97-AF65-F5344CB8AC3E}">
@@ -5819,13 +5912,22 @@
             <p:ph type="title"/>
           </p:nvPr>
         </p:nvSpPr>
-        <p:spPr/>
-        <p:txBody>
-          <a:bodyPr/>
-          <a:lstStyle/>
-          <a:p>
-            <a:r>
-              <a:rPr lang="en-US" dirty="0"/>
+        <p:spPr>
+          <a:xfrm>
+            <a:off x="519546" y="0"/>
+            <a:ext cx="9996054" cy="1325563"/>
+          </a:xfrm>
+        </p:spPr>
+        <p:txBody>
+          <a:bodyPr>
+            <a:normAutofit/>
+          </a:bodyPr>
+          <a:lstStyle/>
+          <a:p>
+            <a:r>
+              <a:rPr lang="en-US" sz="3200" dirty="0">
+                <a:latin typeface="+mn-lt"/>
+              </a:rPr>
               <a:t>What is Flutter?</a:t>
             </a:r>
           </a:p>
@@ -5847,14 +5949,23 @@
             <p:ph idx="1"/>
           </p:nvPr>
         </p:nvSpPr>
-        <p:spPr/>
-        <p:txBody>
-          <a:bodyPr/>
+        <p:spPr>
+          <a:xfrm>
+            <a:off x="519546" y="1325563"/>
+            <a:ext cx="10515600" cy="4351338"/>
+          </a:xfrm>
+        </p:spPr>
+        <p:txBody>
+          <a:bodyPr>
+            <a:normAutofit/>
+          </a:bodyPr>
           <a:lstStyle/>
           <a:p>
             <a:pPr algn="just"/>
             <a:r>
-              <a:rPr lang="en-IN" dirty="0"/>
+              <a:rPr lang="en-IN" sz="2400" dirty="0">
+                <a:latin typeface="+mj-lt"/>
+              </a:rPr>
               <a:t>Released in May 2017, flutter is Google’s open source mobile UI framework</a:t>
             </a:r>
           </a:p>
@@ -5862,42 +5973,55 @@
             <a:pPr marL="0" indent="0" algn="just">
               <a:buNone/>
             </a:pPr>
-            <a:endParaRPr lang="en-IN" dirty="0"/>
+            <a:endParaRPr lang="en-IN" sz="2400" dirty="0">
+              <a:latin typeface="+mj-lt"/>
+            </a:endParaRPr>
           </a:p>
           <a:p>
             <a:pPr algn="just"/>
             <a:r>
-              <a:rPr lang="en-IN" dirty="0"/>
+              <a:rPr lang="en-IN" sz="2400" dirty="0">
+                <a:latin typeface="+mj-lt"/>
+              </a:rPr>
               <a:t>Allows developers to create high-quality natively compiled applications for </a:t>
             </a:r>
             <a:r>
-              <a:rPr lang="en-IN" dirty="0">
+              <a:rPr lang="en-IN" sz="2400" dirty="0">
+                <a:latin typeface="+mj-lt"/>
                 <a:hlinkClick r:id="rId2"/>
               </a:rPr>
               <a:t>mobile</a:t>
             </a:r>
             <a:r>
-              <a:rPr lang="en-IN" dirty="0"/>
+              <a:rPr lang="en-IN" sz="2400" dirty="0">
+                <a:latin typeface="+mj-lt"/>
+              </a:rPr>
               <a:t>, </a:t>
             </a:r>
             <a:r>
-              <a:rPr lang="en-IN" dirty="0">
+              <a:rPr lang="en-IN" sz="2400" dirty="0">
+                <a:latin typeface="+mj-lt"/>
                 <a:hlinkClick r:id="rId3"/>
               </a:rPr>
               <a:t>web</a:t>
             </a:r>
             <a:r>
-              <a:rPr lang="en-IN" dirty="0"/>
+              <a:rPr lang="en-IN" sz="2400" dirty="0">
+                <a:latin typeface="+mj-lt"/>
+              </a:rPr>
               <a:t>, and </a:t>
             </a:r>
             <a:r>
-              <a:rPr lang="en-IN" dirty="0">
+              <a:rPr lang="en-IN" sz="2400" dirty="0">
+                <a:latin typeface="+mj-lt"/>
                 <a:hlinkClick r:id="rId4"/>
               </a:rPr>
               <a:t>desktop</a:t>
             </a:r>
             <a:r>
-              <a:rPr lang="en-IN" dirty="0"/>
+              <a:rPr lang="en-IN" sz="2400" dirty="0">
+                <a:latin typeface="+mj-lt"/>
+              </a:rPr>
               <a:t> from a single codebase</a:t>
             </a:r>
           </a:p>
@@ -5905,29 +6029,59 @@
             <a:pPr marL="0" indent="0" algn="just">
               <a:buNone/>
             </a:pPr>
-            <a:endParaRPr lang="en-IN" dirty="0"/>
+            <a:endParaRPr lang="en-IN" sz="2400" dirty="0">
+              <a:latin typeface="+mj-lt"/>
+            </a:endParaRPr>
           </a:p>
           <a:p>
             <a:pPr algn="just"/>
             <a:r>
-              <a:rPr lang="en-IN" dirty="0"/>
+              <a:rPr lang="en-IN" sz="2400" dirty="0">
+                <a:latin typeface="+mj-lt"/>
+              </a:rPr>
               <a:t>It is based on Google Programming Language called </a:t>
             </a:r>
             <a:r>
-              <a:rPr lang="en-IN" b="1" dirty="0"/>
+              <a:rPr lang="en-IN" sz="2400" b="1" dirty="0">
+                <a:latin typeface="+mj-lt"/>
+              </a:rPr>
               <a:t>Dart</a:t>
             </a:r>
           </a:p>
           <a:p>
+            <a:pPr marL="0" indent="0" algn="just">
+              <a:buNone/>
+            </a:pPr>
+            <a:endParaRPr lang="en-IN" sz="2400" b="1" dirty="0">
+              <a:latin typeface="+mj-lt"/>
+            </a:endParaRPr>
+          </a:p>
+          <a:p>
             <a:pPr algn="just"/>
             <a:r>
-              <a:rPr lang="en-IN" b="1" dirty="0">
-                <a:solidFill>
-                  <a:srgbClr val="FF0000"/>
-                </a:solidFill>
-              </a:rPr>
-              <a:t>Cupertino</a:t>
-            </a:r>
+              <a:rPr lang="en-IN" sz="2400" dirty="0">
+                <a:latin typeface="+mj-lt"/>
+              </a:rPr>
+              <a:t>Here, we have material design for Android &amp; Cupertino library, to </a:t>
+            </a:r>
+            <a:r>
+              <a:rPr lang="en-IN" sz="2400" i="1" dirty="0">
+                <a:latin typeface="+mj-lt"/>
+              </a:rPr>
+              <a:t>look</a:t>
+            </a:r>
+            <a:r>
+              <a:rPr lang="en-IN" sz="2400" dirty="0">
+                <a:latin typeface="+mj-lt"/>
+              </a:rPr>
+              <a:t> like a standard iOS-styled app</a:t>
+            </a:r>
+            <a:endParaRPr lang="en-IN" sz="2400" b="1" dirty="0">
+              <a:solidFill>
+                <a:srgbClr val="FF0000"/>
+              </a:solidFill>
+              <a:latin typeface="+mj-lt"/>
+            </a:endParaRPr>
           </a:p>
         </p:txBody>
       </p:sp>
@@ -5979,8 +6133,8 @@
         </p:nvSpPr>
         <p:spPr>
           <a:xfrm>
-            <a:off x="187037" y="114300"/>
-            <a:ext cx="10432472" cy="6062663"/>
+            <a:off x="187037" y="1503123"/>
+            <a:ext cx="10432472" cy="4673840"/>
           </a:xfrm>
         </p:spPr>
         <p:txBody>
@@ -6007,7 +6161,42 @@
             <a:pPr marL="0" indent="0">
               <a:buNone/>
             </a:pPr>
-            <a:endParaRPr lang="en-IN" dirty="0"/>
+            <a:r>
+              <a:rPr lang="en-IN" sz="2400" dirty="0">
+                <a:solidFill>
+                  <a:schemeClr val="bg1">
+                    <a:lumMod val="75000"/>
+                  </a:schemeClr>
+                </a:solidFill>
+              </a:rPr>
+              <a:t> </a:t>
+            </a:r>
+          </a:p>
+          <a:p>
+            <a:pPr marL="0" indent="0">
+              <a:buNone/>
+            </a:pPr>
+            <a:r>
+              <a:rPr lang="en-IN" sz="1800" dirty="0">
+                <a:solidFill>
+                  <a:schemeClr val="bg1">
+                    <a:lumMod val="75000"/>
+                  </a:schemeClr>
+                </a:solidFill>
+              </a:rPr>
+              <a:t>    </a:t>
+            </a:r>
+            <a:r>
+              <a:rPr lang="en-IN" sz="2000" dirty="0">
+                <a:solidFill>
+                  <a:schemeClr val="bg1">
+                    <a:lumMod val="75000"/>
+                  </a:schemeClr>
+                </a:solidFill>
+              </a:rPr>
+              <a:t>// Dart</a:t>
+            </a:r>
+            <a:endParaRPr lang="en-IN" sz="2000" dirty="0"/>
           </a:p>
           <a:p>
             <a:pPr marL="0" indent="0">
@@ -6038,16 +6227,35 @@
               </a:rPr>
               <a:t>       </a:t>
             </a:r>
-            <a:r>
-              <a:rPr lang="en-IN" sz="1800" dirty="0">
-                <a:solidFill>
-                  <a:schemeClr val="bg1">
-                    <a:lumMod val="75000"/>
-                  </a:schemeClr>
-                </a:solidFill>
-              </a:rPr>
-              <a:t>// Dart</a:t>
-            </a:r>
+          </a:p>
+          <a:p>
+            <a:pPr marL="0" indent="0">
+              <a:buNone/>
+            </a:pPr>
+            <a:endParaRPr lang="en-IN" sz="1600" dirty="0">
+              <a:solidFill>
+                <a:schemeClr val="bg1">
+                  <a:lumMod val="75000"/>
+                </a:schemeClr>
+              </a:solidFill>
+            </a:endParaRPr>
+          </a:p>
+          <a:p>
+            <a:pPr marL="0" indent="0">
+              <a:buNone/>
+            </a:pPr>
+            <a:endParaRPr lang="en-IN" sz="1600" dirty="0">
+              <a:solidFill>
+                <a:schemeClr val="bg1">
+                  <a:lumMod val="75000"/>
+                </a:schemeClr>
+              </a:solidFill>
+            </a:endParaRPr>
+          </a:p>
+          <a:p>
+            <a:pPr marL="0" indent="0">
+              <a:buNone/>
+            </a:pPr>
             <a:endParaRPr lang="en-IN" sz="1600" dirty="0">
               <a:solidFill>
                 <a:schemeClr val="bg1">
@@ -6080,7 +6288,7 @@
         </p:blipFill>
         <p:spPr>
           <a:xfrm>
-            <a:off x="587664" y="970973"/>
+            <a:off x="449877" y="2336372"/>
             <a:ext cx="5842000" cy="863600"/>
           </a:xfrm>
           <a:prstGeom prst="rect">
@@ -6110,7 +6318,7 @@
         </p:blipFill>
         <p:spPr>
           <a:xfrm>
-            <a:off x="587664" y="3014590"/>
+            <a:off x="449877" y="4265928"/>
             <a:ext cx="4737100" cy="1155700"/>
           </a:xfrm>
           <a:prstGeom prst="rect">
@@ -6118,6 +6326,43 @@
           </a:prstGeom>
         </p:spPr>
       </p:pic>
+      <p:sp>
+        <p:nvSpPr>
+          <p:cNvPr id="5" name="Title 1">
+            <a:extLst>
+              <a:ext uri="{FF2B5EF4-FFF2-40B4-BE49-F238E27FC236}">
+                <a16:creationId xmlns:a16="http://schemas.microsoft.com/office/drawing/2014/main" id="{18615F74-49B6-F44A-B000-9B07EF684536}"/>
+              </a:ext>
+            </a:extLst>
+          </p:cNvPr>
+          <p:cNvSpPr>
+            <a:spLocks noGrp="1"/>
+          </p:cNvSpPr>
+          <p:nvPr>
+            <p:ph type="title"/>
+          </p:nvPr>
+        </p:nvSpPr>
+        <p:spPr>
+          <a:xfrm>
+            <a:off x="187037" y="126134"/>
+            <a:ext cx="11166763" cy="1038787"/>
+          </a:xfrm>
+        </p:spPr>
+        <p:txBody>
+          <a:bodyPr>
+            <a:normAutofit/>
+          </a:bodyPr>
+          <a:lstStyle/>
+          <a:p>
+            <a:r>
+              <a:rPr lang="en-US" sz="3200" dirty="0">
+                <a:latin typeface="+mn-lt"/>
+              </a:rPr>
+              <a:t>Flutter vs React Native</a:t>
+            </a:r>
+          </a:p>
+        </p:txBody>
+      </p:sp>
     </p:spTree>
     <p:extLst>
       <p:ext uri="{BB962C8B-B14F-4D97-AF65-F5344CB8AC3E}">
@@ -6183,7 +6428,9 @@
           </a:p>
           <a:p>
             <a:r>
-              <a:rPr lang="en-IN" sz="2000" dirty="0"/>
+              <a:rPr lang="en-IN" sz="2000" dirty="0">
+                <a:latin typeface="+mj-lt"/>
+              </a:rPr>
               <a:t>React Native</a:t>
             </a:r>
           </a:p>
@@ -6217,7 +6464,7 @@
         </p:blipFill>
         <p:spPr>
           <a:xfrm>
-            <a:off x="3109191" y="598055"/>
+            <a:off x="2406073" y="587664"/>
             <a:ext cx="5994400" cy="5994400"/>
           </a:xfrm>
           <a:prstGeom prst="rect">
@@ -6290,7 +6537,9 @@
           </a:p>
           <a:p>
             <a:r>
-              <a:rPr lang="en-IN" sz="2000" dirty="0"/>
+              <a:rPr lang="en-IN" sz="2000" dirty="0">
+                <a:latin typeface="+mj-lt"/>
+              </a:rPr>
               <a:t>Flutter</a:t>
             </a:r>
           </a:p>
@@ -6324,7 +6573,7 @@
         </p:blipFill>
         <p:spPr>
           <a:xfrm>
-            <a:off x="2958523" y="1316831"/>
+            <a:off x="2366290" y="1140185"/>
             <a:ext cx="6073966" cy="4543642"/>
           </a:xfrm>
           <a:prstGeom prst="rect">
@@ -6385,11 +6634,15 @@
           </a:xfrm>
         </p:spPr>
         <p:txBody>
-          <a:bodyPr/>
-          <a:lstStyle/>
-          <a:p>
-            <a:r>
-              <a:rPr lang="en-US" dirty="0"/>
+          <a:bodyPr>
+            <a:normAutofit/>
+          </a:bodyPr>
+          <a:lstStyle/>
+          <a:p>
+            <a:r>
+              <a:rPr lang="en-US" sz="3200" dirty="0">
+                <a:latin typeface="+mn-lt"/>
+              </a:rPr>
               <a:t>Documentation &amp; Community Support</a:t>
             </a:r>
           </a:p>
@@ -6419,7 +6672,7 @@
         </p:spPr>
         <p:txBody>
           <a:bodyPr>
-            <a:normAutofit fontScale="70000" lnSpcReduction="20000"/>
+            <a:normAutofit fontScale="77500" lnSpcReduction="20000"/>
           </a:bodyPr>
           <a:lstStyle/>
           <a:p>
@@ -6437,6 +6690,7 @@
                     <a:lumMod val="10000"/>
                   </a:schemeClr>
                 </a:solidFill>
+                <a:latin typeface="+mj-lt"/>
                 <a:hlinkClick r:id="rId2"/>
               </a:rPr>
               <a:t>https://flutter.dev/docs/get-started/install</a:t>
@@ -6447,6 +6701,7 @@
                   <a:lumMod val="10000"/>
                 </a:schemeClr>
               </a:solidFill>
+              <a:latin typeface="+mj-lt"/>
             </a:endParaRPr>
           </a:p>
           <a:p>
@@ -6464,6 +6719,7 @@
                     <a:lumMod val="10000"/>
                   </a:schemeClr>
                 </a:solidFill>
+                <a:latin typeface="+mj-lt"/>
                 <a:hlinkClick r:id="rId3"/>
               </a:rPr>
               <a:t>https://flutter.dev/docs/development/ui/widgets</a:t>
@@ -6474,6 +6730,7 @@
                   <a:lumMod val="10000"/>
                 </a:schemeClr>
               </a:solidFill>
+              <a:latin typeface="+mj-lt"/>
             </a:endParaRPr>
           </a:p>
           <a:p>
@@ -6491,6 +6748,7 @@
                     <a:lumMod val="10000"/>
                   </a:schemeClr>
                 </a:solidFill>
+                <a:latin typeface="+mj-lt"/>
                 <a:hlinkClick r:id="rId4"/>
               </a:rPr>
               <a:t>https://flutter.dev/docs/get-started/flutter-for/react-native-devs</a:t>
@@ -6501,6 +6759,7 @@
                   <a:lumMod val="10000"/>
                 </a:schemeClr>
               </a:solidFill>
+              <a:latin typeface="+mj-lt"/>
             </a:endParaRPr>
           </a:p>
           <a:p>
@@ -6518,6 +6777,7 @@
                     <a:lumMod val="10000"/>
                   </a:schemeClr>
                 </a:solidFill>
+                <a:latin typeface="+mj-lt"/>
                 <a:hlinkClick r:id="rId5"/>
               </a:rPr>
               <a:t>https://api.flutter.dev/</a:t>
@@ -6528,6 +6788,7 @@
                   <a:lumMod val="10000"/>
                 </a:schemeClr>
               </a:solidFill>
+              <a:latin typeface="+mj-lt"/>
             </a:endParaRPr>
           </a:p>
           <a:p>
@@ -6545,6 +6806,7 @@
                     <a:lumMod val="10000"/>
                   </a:schemeClr>
                 </a:solidFill>
+                <a:latin typeface="+mj-lt"/>
                 <a:hlinkClick r:id="rId6"/>
               </a:rPr>
               <a:t>https://github.com/flutter/samples/blob/master/INDEX.md</a:t>
@@ -6555,6 +6817,7 @@
                   <a:lumMod val="10000"/>
                 </a:schemeClr>
               </a:solidFill>
+              <a:latin typeface="+mj-lt"/>
             </a:endParaRPr>
           </a:p>
           <a:p>
@@ -6572,6 +6835,7 @@
                     <a:lumMod val="10000"/>
                   </a:schemeClr>
                 </a:solidFill>
+                <a:latin typeface="+mj-lt"/>
                 <a:hlinkClick r:id="rId7"/>
               </a:rPr>
               <a:t>https://www.youtube.com/</a:t>
@@ -6583,6 +6847,7 @@
                     <a:lumMod val="10000"/>
                   </a:schemeClr>
                 </a:solidFill>
+                <a:latin typeface="+mj-lt"/>
                 <a:hlinkClick r:id="rId7"/>
               </a:rPr>
               <a:t>flutterdev</a:t>
@@ -6593,6 +6858,7 @@
                   <a:lumMod val="10000"/>
                 </a:schemeClr>
               </a:solidFill>
+              <a:latin typeface="+mj-lt"/>
             </a:endParaRPr>
           </a:p>
         </p:txBody>
@@ -6645,7 +6911,7 @@
         </p:nvSpPr>
         <p:spPr>
           <a:xfrm>
-            <a:off x="4166380" y="2461000"/>
+            <a:off x="1121844" y="2606473"/>
             <a:ext cx="10515600" cy="1325563"/>
           </a:xfrm>
         </p:spPr>
@@ -6653,6 +6919,7 @@
           <a:bodyPr/>
           <a:lstStyle/>
           <a:p>
+            <a:pPr algn="ctr"/>
             <a:r>
               <a:rPr lang="en-US" b="1" dirty="0">
                 <a:solidFill>
@@ -6712,16 +6979,20 @@
         </p:nvSpPr>
         <p:spPr>
           <a:xfrm>
-            <a:off x="838200" y="34886"/>
-            <a:ext cx="10515600" cy="1325563"/>
-          </a:xfrm>
-        </p:spPr>
-        <p:txBody>
-          <a:bodyPr/>
-          <a:lstStyle/>
-          <a:p>
-            <a:r>
-              <a:rPr lang="en-US" dirty="0"/>
+            <a:off x="509154" y="197427"/>
+            <a:ext cx="10252363" cy="987896"/>
+          </a:xfrm>
+        </p:spPr>
+        <p:txBody>
+          <a:bodyPr>
+            <a:normAutofit/>
+          </a:bodyPr>
+          <a:lstStyle/>
+          <a:p>
+            <a:r>
+              <a:rPr lang="en-US" sz="3200" dirty="0">
+                <a:latin typeface="+mn-lt"/>
+              </a:rPr>
               <a:t>Architecture</a:t>
             </a:r>
           </a:p>
@@ -6745,63 +7016,69 @@
         </p:nvSpPr>
         <p:spPr>
           <a:xfrm>
-            <a:off x="838200" y="925551"/>
+            <a:off x="377535" y="1278841"/>
             <a:ext cx="10515600" cy="5251412"/>
           </a:xfrm>
         </p:spPr>
         <p:txBody>
           <a:bodyPr>
-            <a:normAutofit fontScale="92500" lnSpcReduction="10000"/>
+            <a:normAutofit/>
           </a:bodyPr>
           <a:lstStyle/>
           <a:p>
+            <a:r>
+              <a:rPr lang="en-IN" sz="2400" dirty="0">
+                <a:latin typeface="+mj-lt"/>
+              </a:rPr>
+              <a:t>Flutter Engine implements Flutter's core libraries, including animation and graphics, file and network I/O, accessibility support, plugin architecture, and a Dart runtime and compile toolchain.</a:t>
+            </a:r>
+          </a:p>
+          <a:p>
             <a:pPr marL="0" indent="0">
               <a:buNone/>
             </a:pPr>
-            <a:endParaRPr lang="en-IN" dirty="0"/>
-          </a:p>
-          <a:p>
-            <a:r>
-              <a:rPr lang="en-IN" dirty="0"/>
-              <a:t>Flutter Engine implements Flutter's core libraries, including animation and graphics, file and network I/O, accessibility support, plugin architecture, and a Dart runtime and compile toolchain.</a:t>
+            <a:endParaRPr lang="en-IN" sz="2400" dirty="0">
+              <a:latin typeface="+mj-lt"/>
+            </a:endParaRPr>
+          </a:p>
+          <a:p>
+            <a:r>
+              <a:rPr lang="en-IN" sz="2400" dirty="0">
+                <a:latin typeface="+mj-lt"/>
+              </a:rPr>
+              <a:t>Flutter code is powered by the world-class </a:t>
+            </a:r>
+            <a:r>
+              <a:rPr lang="en-IN" sz="2400" dirty="0">
+                <a:latin typeface="+mj-lt"/>
+                <a:hlinkClick r:id="rId3"/>
+              </a:rPr>
+              <a:t>Dart platform</a:t>
+            </a:r>
+            <a:r>
+              <a:rPr lang="en-IN" sz="2400" dirty="0">
+                <a:latin typeface="+mj-lt"/>
+              </a:rPr>
+              <a:t>, which enables compilation to 32-bit and 64-bit ARM machine code for iOS and Android</a:t>
             </a:r>
           </a:p>
           <a:p>
             <a:pPr marL="0" indent="0">
               <a:buNone/>
             </a:pPr>
-            <a:endParaRPr lang="en-IN" dirty="0"/>
-          </a:p>
-          <a:p>
-            <a:r>
-              <a:rPr lang="en-IN" dirty="0"/>
-              <a:t>Flutter code is powered by the world-class </a:t>
-            </a:r>
-            <a:r>
-              <a:rPr lang="en-IN" dirty="0">
-                <a:hlinkClick r:id="rId3"/>
-              </a:rPr>
-              <a:t>Dart platform</a:t>
-            </a:r>
-            <a:r>
-              <a:rPr lang="en-IN" dirty="0"/>
-              <a:t>, which enables compilation to 32-bit and 64-bit ARM machine code for iOS and Android</a:t>
-            </a:r>
-          </a:p>
-          <a:p>
-            <a:pPr marL="0" indent="0">
-              <a:buNone/>
-            </a:pPr>
-            <a:endParaRPr lang="en-IN" dirty="0"/>
-          </a:p>
-          <a:p>
-            <a:r>
-              <a:rPr lang="en-US" dirty="0">
+            <a:endParaRPr lang="en-IN" sz="2400" dirty="0">
+              <a:latin typeface="+mj-lt"/>
+            </a:endParaRPr>
+          </a:p>
+          <a:p>
+            <a:r>
+              <a:rPr lang="en-US" sz="2400" dirty="0">
                 <a:solidFill>
                   <a:schemeClr val="accent5">
                     <a:lumMod val="10000"/>
                   </a:schemeClr>
                 </a:solidFill>
+                <a:latin typeface="+mj-lt"/>
               </a:rPr>
               <a:t>Dart supports both AOT (Ahead Of Time) and JIT (Just In Time) compilation.</a:t>
             </a:r>
@@ -6810,29 +7087,40 @@
             <a:pPr marL="0" indent="0">
               <a:buNone/>
             </a:pPr>
-            <a:endParaRPr lang="en-IN" dirty="0"/>
-          </a:p>
-          <a:p>
-            <a:r>
-              <a:rPr lang="en-IN" dirty="0"/>
+            <a:endParaRPr lang="en-IN" sz="2400" dirty="0">
+              <a:latin typeface="+mj-lt"/>
+            </a:endParaRPr>
+          </a:p>
+          <a:p>
+            <a:r>
+              <a:rPr lang="en-IN" sz="2400" dirty="0">
+                <a:latin typeface="+mj-lt"/>
+              </a:rPr>
               <a:t>It's powered by the same hardware-accelerated </a:t>
             </a:r>
             <a:r>
-              <a:rPr lang="en-IN" dirty="0">
+              <a:rPr lang="en-IN" sz="2400" dirty="0">
+                <a:latin typeface="+mj-lt"/>
                 <a:hlinkClick r:id="rId4"/>
               </a:rPr>
               <a:t>Skia</a:t>
             </a:r>
             <a:r>
-              <a:rPr lang="en-IN" dirty="0"/>
+              <a:rPr lang="en-IN" sz="2400" dirty="0">
+                <a:latin typeface="+mj-lt"/>
+              </a:rPr>
               <a:t> 2D graphics library that underpins Chrome and Android</a:t>
             </a:r>
           </a:p>
           <a:p>
-            <a:endParaRPr lang="en-IN" dirty="0"/>
-          </a:p>
-          <a:p>
-            <a:endParaRPr lang="en-IN" dirty="0"/>
+            <a:endParaRPr lang="en-IN" sz="2400" dirty="0">
+              <a:latin typeface="+mj-lt"/>
+            </a:endParaRPr>
+          </a:p>
+          <a:p>
+            <a:endParaRPr lang="en-IN" sz="2400" dirty="0">
+              <a:latin typeface="+mj-lt"/>
+            </a:endParaRPr>
           </a:p>
         </p:txBody>
       </p:sp>
@@ -6884,16 +7172,20 @@
         </p:nvSpPr>
         <p:spPr>
           <a:xfrm>
-            <a:off x="407773" y="155060"/>
+            <a:off x="397382" y="0"/>
             <a:ext cx="10515600" cy="1325563"/>
           </a:xfrm>
         </p:spPr>
         <p:txBody>
-          <a:bodyPr/>
-          <a:lstStyle/>
-          <a:p>
-            <a:r>
-              <a:rPr lang="en-US" dirty="0"/>
+          <a:bodyPr>
+            <a:normAutofit/>
+          </a:bodyPr>
+          <a:lstStyle/>
+          <a:p>
+            <a:r>
+              <a:rPr lang="en-US" sz="3200" dirty="0">
+                <a:latin typeface="+mn-lt"/>
+              </a:rPr>
               <a:t>Architecture Diagram</a:t>
             </a:r>
           </a:p>
@@ -6982,17 +7274,24 @@
         <p:spPr>
           <a:xfrm>
             <a:off x="383059" y="32974"/>
-            <a:ext cx="10970741" cy="1325563"/>
-          </a:xfrm>
-        </p:spPr>
-        <p:txBody>
-          <a:bodyPr/>
-          <a:lstStyle/>
-          <a:p>
-            <a:r>
-              <a:rPr lang="en-US" dirty="0"/>
+            <a:ext cx="10970741" cy="985335"/>
+          </a:xfrm>
+        </p:spPr>
+        <p:txBody>
+          <a:bodyPr>
+            <a:normAutofit/>
+          </a:bodyPr>
+          <a:lstStyle/>
+          <a:p>
+            <a:r>
+              <a:rPr lang="en-US" sz="3200" dirty="0">
+                <a:latin typeface="+mn-lt"/>
+              </a:rPr>
               <a:t>Features:</a:t>
             </a:r>
+            <a:endParaRPr lang="en-US" sz="4000" dirty="0">
+              <a:latin typeface="+mn-lt"/>
+            </a:endParaRPr>
           </a:p>
         </p:txBody>
       </p:sp>
@@ -7026,12 +7325,13 @@
           <a:p>
             <a:pPr algn="just"/>
             <a:r>
-              <a:rPr lang="en-US" dirty="0">
+              <a:rPr lang="en-US" sz="2400" dirty="0">
                 <a:solidFill>
                   <a:schemeClr val="accent5">
                     <a:lumMod val="10000"/>
                   </a:schemeClr>
                 </a:solidFill>
+                <a:latin typeface="+mj-lt"/>
                 <a:cs typeface="Calibri"/>
               </a:rPr>
               <a:t>Flutter uses C++ rendering engine</a:t>
@@ -7041,24 +7341,26 @@
             <a:pPr marL="0" indent="0" algn="just">
               <a:buNone/>
             </a:pPr>
-            <a:endParaRPr lang="en-US" dirty="0">
+            <a:endParaRPr lang="en-US" sz="2400" dirty="0">
               <a:solidFill>
                 <a:schemeClr val="accent5">
                   <a:lumMod val="10000"/>
                 </a:schemeClr>
               </a:solidFill>
+              <a:latin typeface="+mj-lt"/>
               <a:cs typeface="Calibri"/>
             </a:endParaRPr>
           </a:p>
           <a:p>
             <a:pPr algn="just"/>
             <a:r>
-              <a:rPr lang="en-US" dirty="0">
+              <a:rPr lang="en-US" sz="2400" dirty="0">
                 <a:solidFill>
                   <a:schemeClr val="accent5">
                     <a:lumMod val="10000"/>
                   </a:schemeClr>
                 </a:solidFill>
+                <a:latin typeface="+mj-lt"/>
                 <a:cs typeface="Calibri"/>
               </a:rPr>
               <a:t>Architecture is based on reactive programming</a:t>
@@ -7068,19 +7370,22 @@
             <a:pPr marL="0" indent="0" algn="just">
               <a:buNone/>
             </a:pPr>
-            <a:endParaRPr lang="en-US" dirty="0">
+            <a:endParaRPr lang="en-US" sz="2400" dirty="0">
               <a:solidFill>
                 <a:schemeClr val="accent5">
                   <a:lumMod val="10000"/>
                 </a:schemeClr>
               </a:solidFill>
+              <a:latin typeface="+mj-lt"/>
               <a:cs typeface="Calibri"/>
             </a:endParaRPr>
           </a:p>
           <a:p>
             <a:pPr algn="just"/>
             <a:r>
-              <a:rPr lang="en-IN" dirty="0"/>
+              <a:rPr lang="en-IN" sz="2400" dirty="0">
+                <a:latin typeface="+mj-lt"/>
+              </a:rPr>
               <a:t>Fast development:</a:t>
             </a:r>
           </a:p>
@@ -7089,7 +7394,9 @@
               <a:buAutoNum type="alphaLcParenR"/>
             </a:pPr>
             <a:r>
-              <a:rPr lang="en-IN" dirty="0"/>
+              <a:rPr lang="en-IN" sz="2400" dirty="0">
+                <a:latin typeface="+mj-lt"/>
+              </a:rPr>
               <a:t>Stateful Hot Reload</a:t>
             </a:r>
           </a:p>
@@ -7098,37 +7405,54 @@
               <a:buAutoNum type="alphaLcParenR"/>
             </a:pPr>
             <a:r>
-              <a:rPr lang="en-IN" dirty="0"/>
-              <a:t>Use a rich set of fully-customizable widgets to build native interfaces </a:t>
+              <a:rPr lang="en-IN" sz="2400" dirty="0">
+                <a:latin typeface="+mj-lt"/>
+              </a:rPr>
+              <a:t>Use a rich set of fully-customizable widgets to build native interfaces</a:t>
             </a:r>
           </a:p>
           <a:p>
             <a:pPr marL="514350" indent="-514350" algn="just">
               <a:buAutoNum type="alphaLcParenR"/>
             </a:pPr>
-            <a:endParaRPr lang="en-IN" dirty="0"/>
+            <a:endParaRPr lang="en-IN" sz="2400" dirty="0">
+              <a:latin typeface="+mj-lt"/>
+            </a:endParaRPr>
           </a:p>
           <a:p>
             <a:pPr algn="just"/>
             <a:r>
-              <a:rPr lang="en-IN" dirty="0">
-                <a:solidFill>
-                  <a:srgbClr val="FF0000"/>
-                </a:solidFill>
-              </a:rPr>
-              <a:t>Expressive and Flexible UI</a:t>
-            </a:r>
+              <a:rPr lang="en-US" sz="2400" dirty="0">
+                <a:latin typeface="+mj-lt"/>
+              </a:rPr>
+              <a:t>Flutter engine has the native components in the framework itself and it doesn’t need a bridge to communicate with the native</a:t>
+            </a:r>
+            <a:r>
+              <a:rPr lang="en-IN" sz="2400" dirty="0">
+                <a:latin typeface="+mj-lt"/>
+              </a:rPr>
+              <a:t> </a:t>
+            </a:r>
+          </a:p>
+          <a:p>
+            <a:pPr marL="514350" indent="-514350" algn="just">
+              <a:buAutoNum type="alphaLcParenR"/>
+            </a:pPr>
+            <a:endParaRPr lang="en-IN" sz="2400" dirty="0">
+              <a:latin typeface="+mj-lt"/>
+            </a:endParaRPr>
           </a:p>
           <a:p>
             <a:pPr marL="0" indent="0">
               <a:buNone/>
             </a:pPr>
-            <a:endParaRPr lang="en-US" dirty="0">
+            <a:endParaRPr lang="en-US" sz="2400" dirty="0">
               <a:solidFill>
                 <a:schemeClr val="accent5">
                   <a:lumMod val="10000"/>
                 </a:schemeClr>
               </a:solidFill>
+              <a:latin typeface="+mj-lt"/>
               <a:cs typeface="Calibri"/>
             </a:endParaRPr>
           </a:p>
@@ -7182,17 +7506,27 @@
         </p:nvSpPr>
         <p:spPr>
           <a:xfrm>
-            <a:off x="838200" y="-130628"/>
+            <a:off x="401781" y="108363"/>
             <a:ext cx="10515600" cy="1201782"/>
           </a:xfrm>
         </p:spPr>
         <p:txBody>
-          <a:bodyPr/>
-          <a:lstStyle/>
-          <a:p>
-            <a:r>
-              <a:rPr lang="en-US" dirty="0"/>
-              <a:t>Continued..</a:t>
+          <a:bodyPr>
+            <a:normAutofit/>
+          </a:bodyPr>
+          <a:lstStyle/>
+          <a:p>
+            <a:r>
+              <a:rPr lang="en-US" sz="3200" dirty="0">
+                <a:latin typeface="+mn-lt"/>
+              </a:rPr>
+              <a:t>Continued</a:t>
+            </a:r>
+            <a:r>
+              <a:rPr lang="en-US" sz="4000" dirty="0">
+                <a:latin typeface="+mn-lt"/>
+              </a:rPr>
+              <a:t>..</a:t>
             </a:r>
           </a:p>
         </p:txBody>
@@ -7215,8 +7549,8 @@
         </p:nvSpPr>
         <p:spPr>
           <a:xfrm>
-            <a:off x="838200" y="1071154"/>
-            <a:ext cx="10515600" cy="5236437"/>
+            <a:off x="401781" y="1071154"/>
+            <a:ext cx="10952019" cy="5236437"/>
           </a:xfrm>
         </p:spPr>
         <p:txBody>
@@ -7225,60 +7559,58 @@
           </a:bodyPr>
           <a:lstStyle/>
           <a:p>
+            <a:pPr marL="0" indent="0" algn="just">
+              <a:buNone/>
+            </a:pPr>
+            <a:endParaRPr lang="en-US" sz="2400" dirty="0">
+              <a:latin typeface="+mj-lt"/>
+            </a:endParaRPr>
+          </a:p>
+          <a:p>
             <a:pPr algn="just"/>
             <a:r>
-              <a:rPr lang="en-US" dirty="0"/>
-              <a:t>Flutter engine has the native components in the framework itself and it </a:t>
-            </a:r>
-            <a:r>
-              <a:rPr lang="en-US" b="1" dirty="0"/>
-              <a:t>doesn’t need a bridge to communicate </a:t>
-            </a:r>
-            <a:r>
-              <a:rPr lang="en-US" dirty="0"/>
-              <a:t>with the native</a:t>
+              <a:rPr lang="en-US" sz="2400" dirty="0">
+                <a:latin typeface="+mj-lt"/>
+              </a:rPr>
+              <a:t>Flutter framework is bundled with UI rendering components, device API access, navigation, testing, stateful management and lots of libraries which </a:t>
+            </a:r>
+            <a:r>
+              <a:rPr lang="en-US" sz="2400" b="1" dirty="0">
+                <a:latin typeface="+mj-lt"/>
+              </a:rPr>
+              <a:t>removes the need to use third-party libraries</a:t>
+            </a:r>
+            <a:r>
+              <a:rPr lang="en-US" sz="2400" dirty="0">
+                <a:latin typeface="+mj-lt"/>
+              </a:rPr>
+              <a:t>. </a:t>
+            </a:r>
+            <a:r>
+              <a:rPr lang="en-IN" sz="2400" dirty="0">
+                <a:latin typeface="+mj-lt"/>
+              </a:rPr>
+              <a:t> </a:t>
             </a:r>
           </a:p>
           <a:p>
             <a:pPr marL="0" indent="0" algn="just">
               <a:buNone/>
             </a:pPr>
-            <a:endParaRPr lang="en-US" dirty="0"/>
+            <a:endParaRPr lang="en-IN" sz="2400" dirty="0">
+              <a:latin typeface="+mj-lt"/>
+            </a:endParaRPr>
           </a:p>
           <a:p>
             <a:pPr algn="just"/>
             <a:r>
-              <a:rPr lang="en-US" dirty="0"/>
-              <a:t>Flutter framework is bundled with UI rendering components, device API access, navigation, testing, stateful management and lots of libraries which </a:t>
-            </a:r>
-            <a:r>
-              <a:rPr lang="en-US" b="1" dirty="0"/>
-              <a:t>removes the need to use third-party libraries</a:t>
-            </a:r>
-            <a:r>
-              <a:rPr lang="en-US" dirty="0"/>
-              <a:t>. </a:t>
-            </a:r>
-            <a:r>
-              <a:rPr lang="en-IN" dirty="0"/>
-              <a:t> </a:t>
-            </a:r>
-          </a:p>
-          <a:p>
-            <a:pPr marL="0" indent="0" algn="just">
-              <a:buNone/>
-            </a:pPr>
-            <a:endParaRPr lang="en-IN" dirty="0"/>
-          </a:p>
-          <a:p>
-            <a:pPr algn="just"/>
-            <a:r>
-              <a:rPr lang="en-US" dirty="0">
+              <a:rPr lang="en-US" sz="2400" dirty="0">
                 <a:solidFill>
                   <a:schemeClr val="accent5">
                     <a:lumMod val="10000"/>
                   </a:schemeClr>
                 </a:solidFill>
+                <a:latin typeface="+mj-lt"/>
                 <a:cs typeface="Calibri"/>
               </a:rPr>
               <a:t>Continuous delivery using Fastlane with Flutter</a:t>
@@ -7286,81 +7618,93 @@
           </a:p>
           <a:p>
             <a:pPr algn="just"/>
-            <a:endParaRPr lang="en-US" dirty="0">
+            <a:endParaRPr lang="en-US" sz="2400" dirty="0">
               <a:solidFill>
                 <a:schemeClr val="accent5">
                   <a:lumMod val="10000"/>
                 </a:schemeClr>
               </a:solidFill>
+              <a:latin typeface="+mj-lt"/>
               <a:cs typeface="Calibri"/>
             </a:endParaRPr>
           </a:p>
           <a:p>
             <a:pPr algn="just"/>
             <a:r>
-              <a:rPr lang="en-US" dirty="0">
+              <a:rPr lang="en-US" sz="2400" dirty="0">
                 <a:solidFill>
                   <a:schemeClr val="accent5">
                     <a:lumMod val="10000"/>
                   </a:schemeClr>
                 </a:solidFill>
+                <a:latin typeface="+mj-lt"/>
                 <a:cs typeface="Calibri"/>
               </a:rPr>
               <a:t>Like React Native, we can use any CI/CD tools such as Code Magic , </a:t>
             </a:r>
             <a:r>
-              <a:rPr lang="en-US" dirty="0" err="1">
+              <a:rPr lang="en-US" sz="2400" dirty="0" err="1">
                 <a:solidFill>
                   <a:schemeClr val="accent5">
                     <a:lumMod val="10000"/>
                   </a:schemeClr>
                 </a:solidFill>
+                <a:latin typeface="+mj-lt"/>
                 <a:cs typeface="Calibri"/>
               </a:rPr>
               <a:t>Bitrise</a:t>
             </a:r>
             <a:r>
-              <a:rPr lang="en-US" dirty="0">
+              <a:rPr lang="en-US" sz="2400" dirty="0">
                 <a:solidFill>
                   <a:schemeClr val="accent5">
                     <a:lumMod val="10000"/>
                   </a:schemeClr>
                 </a:solidFill>
+                <a:latin typeface="+mj-lt"/>
                 <a:cs typeface="Calibri"/>
               </a:rPr>
               <a:t>, </a:t>
             </a:r>
             <a:r>
-              <a:rPr lang="en-US" dirty="0" err="1">
+              <a:rPr lang="en-US" sz="2400" dirty="0" err="1">
                 <a:solidFill>
                   <a:schemeClr val="accent5">
                     <a:lumMod val="10000"/>
                   </a:schemeClr>
                 </a:solidFill>
+                <a:latin typeface="+mj-lt"/>
                 <a:cs typeface="Calibri"/>
               </a:rPr>
               <a:t>CircleCI</a:t>
             </a:r>
             <a:r>
-              <a:rPr lang="en-US" dirty="0">
+              <a:rPr lang="en-US" sz="2400" dirty="0">
                 <a:solidFill>
                   <a:schemeClr val="accent5">
                     <a:lumMod val="10000"/>
                   </a:schemeClr>
                 </a:solidFill>
+                <a:latin typeface="+mj-lt"/>
                 <a:cs typeface="Calibri"/>
               </a:rPr>
               <a:t> etc.</a:t>
             </a:r>
-            <a:endParaRPr lang="en-IN" dirty="0"/>
+            <a:endParaRPr lang="en-IN" sz="2400" dirty="0">
+              <a:latin typeface="+mj-lt"/>
+            </a:endParaRPr>
           </a:p>
           <a:p>
             <a:pPr algn="just"/>
-            <a:endParaRPr lang="en-IN" dirty="0"/>
+            <a:endParaRPr lang="en-IN" sz="2400" dirty="0">
+              <a:latin typeface="+mj-lt"/>
+            </a:endParaRPr>
           </a:p>
           <a:p>
             <a:pPr algn="just"/>
-            <a:endParaRPr lang="en-US" dirty="0"/>
+            <a:endParaRPr lang="en-US" sz="2400" dirty="0">
+              <a:latin typeface="+mj-lt"/>
+            </a:endParaRPr>
           </a:p>
         </p:txBody>
       </p:sp>
@@ -7412,17 +7756,25 @@
         </p:nvSpPr>
         <p:spPr>
           <a:xfrm>
-            <a:off x="838200" y="-130628"/>
-            <a:ext cx="10515600" cy="1201782"/>
-          </a:xfrm>
-        </p:spPr>
-        <p:txBody>
-          <a:bodyPr/>
-          <a:lstStyle/>
-          <a:p>
-            <a:r>
-              <a:rPr lang="en-US" dirty="0"/>
-              <a:t>Continued..</a:t>
+            <a:off x="367145" y="32063"/>
+            <a:ext cx="11166764" cy="1071154"/>
+          </a:xfrm>
+        </p:spPr>
+        <p:txBody>
+          <a:bodyPr>
+            <a:normAutofit/>
+          </a:bodyPr>
+          <a:lstStyle/>
+          <a:p>
+            <a:r>
+              <a:rPr lang="en-US" sz="3200" dirty="0">
+                <a:latin typeface="+mn-lt"/>
+              </a:rPr>
+              <a:t>Continued</a:t>
+            </a:r>
+            <a:r>
+              <a:rPr lang="en-US" sz="4000" dirty="0"/>
+              <a:t>..</a:t>
             </a:r>
           </a:p>
         </p:txBody>
@@ -7445,21 +7797,27 @@
         </p:nvSpPr>
         <p:spPr>
           <a:xfrm>
-            <a:off x="838200" y="1071154"/>
+            <a:off x="512618" y="1082435"/>
             <a:ext cx="10515600" cy="5236437"/>
           </a:xfrm>
         </p:spPr>
         <p:txBody>
-          <a:bodyPr/>
+          <a:bodyPr>
+            <a:normAutofit/>
+          </a:bodyPr>
           <a:lstStyle/>
           <a:p>
             <a:pPr algn="just"/>
             <a:r>
-              <a:rPr lang="en-IN" dirty="0"/>
+              <a:rPr lang="en-IN" sz="2400" dirty="0">
+                <a:latin typeface="+mj-lt"/>
+              </a:rPr>
               <a:t>Native Performance</a:t>
             </a:r>
             <a:r>
-              <a:rPr lang="en-US" dirty="0"/>
+              <a:rPr lang="en-US" sz="2400" dirty="0">
+                <a:latin typeface="+mj-lt"/>
+              </a:rPr>
               <a:t>:</a:t>
             </a:r>
           </a:p>
@@ -7468,27 +7826,36 @@
               <a:buNone/>
             </a:pPr>
             <a:r>
-              <a:rPr lang="en-IN" dirty="0"/>
+              <a:rPr lang="en-IN" sz="2400" dirty="0">
+                <a:latin typeface="+mj-lt"/>
+              </a:rPr>
               <a:t>Flutter code is compiled to native ARM machine code using </a:t>
             </a:r>
             <a:r>
-              <a:rPr lang="en-IN" dirty="0">
+              <a:rPr lang="en-IN" sz="2400" dirty="0">
+                <a:latin typeface="+mj-lt"/>
                 <a:hlinkClick r:id="rId2"/>
               </a:rPr>
               <a:t>Dart's native compilers</a:t>
             </a:r>
-            <a:endParaRPr lang="en-IN" dirty="0"/>
+            <a:endParaRPr lang="en-IN" sz="2400" dirty="0">
+              <a:latin typeface="+mj-lt"/>
+            </a:endParaRPr>
           </a:p>
           <a:p>
             <a:pPr marL="0" indent="0" algn="just">
               <a:buNone/>
             </a:pPr>
-            <a:endParaRPr lang="en-IN" dirty="0"/>
+            <a:endParaRPr lang="en-IN" sz="2400" dirty="0">
+              <a:latin typeface="+mj-lt"/>
+            </a:endParaRPr>
           </a:p>
           <a:p>
             <a:pPr algn="just"/>
             <a:r>
-              <a:rPr lang="en-US" dirty="0"/>
+              <a:rPr lang="en-US" sz="2400" dirty="0">
+                <a:latin typeface="+mj-lt"/>
+              </a:rPr>
               <a:t>IDE:</a:t>
             </a:r>
           </a:p>
@@ -7497,47 +7864,49 @@
               <a:buNone/>
             </a:pPr>
             <a:r>
-              <a:rPr lang="en-IN" dirty="0"/>
+              <a:rPr lang="en-IN" sz="2400" dirty="0">
+                <a:latin typeface="+mj-lt"/>
+              </a:rPr>
               <a:t>Supportive for extensive IDEs that includes </a:t>
             </a:r>
             <a:r>
-              <a:rPr lang="en-IN" dirty="0" err="1"/>
+              <a:rPr lang="en-IN" sz="2400" dirty="0" err="1">
+                <a:latin typeface="+mj-lt"/>
+              </a:rPr>
               <a:t>Xcode</a:t>
             </a:r>
             <a:r>
-              <a:rPr lang="en-IN" dirty="0"/>
+              <a:rPr lang="en-IN" sz="2400" dirty="0">
+                <a:latin typeface="+mj-lt"/>
+              </a:rPr>
               <a:t>, Visual Studio Code and </a:t>
             </a:r>
             <a:r>
-              <a:rPr lang="en-IN" dirty="0">
+              <a:rPr lang="en-IN" sz="2400" dirty="0">
+                <a:latin typeface="+mj-lt"/>
                 <a:hlinkClick r:id="rId3"/>
               </a:rPr>
               <a:t>Android Studio</a:t>
             </a:r>
-            <a:endParaRPr lang="en-IN" dirty="0"/>
+            <a:endParaRPr lang="en-IN" sz="2400" dirty="0">
+              <a:latin typeface="+mj-lt"/>
+            </a:endParaRPr>
           </a:p>
           <a:p>
             <a:pPr marL="514350" indent="-514350" algn="just">
               <a:buAutoNum type="alphaLcParenR"/>
             </a:pPr>
-            <a:endParaRPr lang="en-IN" dirty="0"/>
-          </a:p>
-          <a:p>
-            <a:pPr algn="just"/>
-            <a:r>
-              <a:rPr lang="en-IN" dirty="0">
-                <a:solidFill>
-                  <a:srgbClr val="FF0000"/>
-                </a:solidFill>
-              </a:rPr>
-              <a:t>You get the extra support for Google’s Firebase development platform.</a:t>
-            </a:r>
-          </a:p>
-          <a:p>
-            <a:pPr marL="0" indent="0">
-              <a:buNone/>
-            </a:pPr>
-            <a:endParaRPr lang="en-US" dirty="0"/>
+            <a:endParaRPr lang="en-IN" sz="2400" dirty="0">
+              <a:latin typeface="+mj-lt"/>
+            </a:endParaRPr>
+          </a:p>
+          <a:p>
+            <a:r>
+              <a:rPr lang="en-IN" sz="2400" dirty="0">
+                <a:latin typeface="+mj-lt"/>
+              </a:rPr>
+              <a:t>Support Firebase APIs</a:t>
+            </a:r>
           </a:p>
         </p:txBody>
       </p:sp>
@@ -7587,19 +7956,32 @@
             <p:ph type="title"/>
           </p:nvPr>
         </p:nvSpPr>
-        <p:spPr/>
-        <p:txBody>
-          <a:bodyPr/>
-          <a:lstStyle/>
-          <a:p>
-            <a:r>
-              <a:rPr lang="en-IN" dirty="0"/>
+        <p:spPr>
+          <a:xfrm>
+            <a:off x="370609" y="292388"/>
+            <a:ext cx="10515600" cy="1325563"/>
+          </a:xfrm>
+        </p:spPr>
+        <p:txBody>
+          <a:bodyPr>
+            <a:normAutofit/>
+          </a:bodyPr>
+          <a:lstStyle/>
+          <a:p>
+            <a:r>
+              <a:rPr lang="en-IN" sz="3200" dirty="0">
+                <a:latin typeface="+mn-lt"/>
+              </a:rPr>
               <a:t>Everything’s a widget</a:t>
             </a:r>
             <a:br>
-              <a:rPr lang="en-IN" dirty="0"/>
+              <a:rPr lang="en-IN" sz="4000" dirty="0">
+                <a:latin typeface="+mn-lt"/>
+              </a:rPr>
             </a:br>
-            <a:endParaRPr lang="en-US" dirty="0"/>
+            <a:endParaRPr lang="en-US" sz="4000" dirty="0">
+              <a:latin typeface="+mn-lt"/>
+            </a:endParaRPr>
           </a:p>
         </p:txBody>
       </p:sp>
@@ -7621,16 +8003,20 @@
         </p:nvSpPr>
         <p:spPr>
           <a:xfrm>
-            <a:off x="838200" y="1299411"/>
+            <a:off x="370609" y="1268238"/>
             <a:ext cx="10515600" cy="4877552"/>
           </a:xfrm>
         </p:spPr>
         <p:txBody>
-          <a:bodyPr/>
-          <a:lstStyle/>
-          <a:p>
-            <a:r>
-              <a:rPr lang="en-IN" dirty="0"/>
+          <a:bodyPr>
+            <a:normAutofit/>
+          </a:bodyPr>
+          <a:lstStyle/>
+          <a:p>
+            <a:r>
+              <a:rPr lang="en-IN" sz="2400" dirty="0">
+                <a:latin typeface="+mj-lt"/>
+              </a:rPr>
               <a:t>Widgets are the basic building blocks of a Flutter app’s UI.</a:t>
             </a:r>
           </a:p>
@@ -7638,20 +8024,28 @@
             <a:pPr marL="0" indent="0">
               <a:buNone/>
             </a:pPr>
-            <a:endParaRPr lang="en-IN" dirty="0"/>
-          </a:p>
-          <a:p>
-            <a:r>
-              <a:rPr lang="en-IN" dirty="0"/>
+            <a:endParaRPr lang="en-IN" sz="2400" dirty="0">
+              <a:latin typeface="+mj-lt"/>
+            </a:endParaRPr>
+          </a:p>
+          <a:p>
+            <a:r>
+              <a:rPr lang="en-IN" sz="2400" dirty="0">
+                <a:latin typeface="+mj-lt"/>
+              </a:rPr>
               <a:t> Each widget nests inside, and inherits properties from, its parent.</a:t>
             </a:r>
           </a:p>
           <a:p>
-            <a:endParaRPr lang="en-IN" dirty="0"/>
-          </a:p>
-          <a:p>
-            <a:r>
-              <a:rPr lang="en-IN" dirty="0"/>
+            <a:endParaRPr lang="en-IN" sz="2400" dirty="0">
+              <a:latin typeface="+mj-lt"/>
+            </a:endParaRPr>
+          </a:p>
+          <a:p>
+            <a:r>
+              <a:rPr lang="en-IN" sz="2400" dirty="0">
+                <a:latin typeface="+mj-lt"/>
+              </a:rPr>
               <a:t>A widget is either stateful or stateless:</a:t>
             </a:r>
           </a:p>
@@ -7660,15 +8054,21 @@
               <a:buAutoNum type="alphaLcParenR"/>
             </a:pPr>
             <a:r>
-              <a:rPr lang="en-IN" dirty="0"/>
+              <a:rPr lang="en-IN" sz="2400" dirty="0">
+                <a:latin typeface="+mj-lt"/>
+              </a:rPr>
               <a:t>A </a:t>
             </a:r>
             <a:r>
-              <a:rPr lang="en-IN" i="1" dirty="0"/>
+              <a:rPr lang="en-IN" sz="2400" i="1" dirty="0">
+                <a:latin typeface="+mj-lt"/>
+              </a:rPr>
               <a:t>Stateful</a:t>
             </a:r>
             <a:r>
-              <a:rPr lang="en-IN" dirty="0"/>
+              <a:rPr lang="en-IN" sz="2400" dirty="0">
+                <a:latin typeface="+mj-lt"/>
+              </a:rPr>
               <a:t> widget is dynamic: e.g., it can change its appearance in response to events triggered by user interactions or when it receives data.</a:t>
             </a:r>
           </a:p>
@@ -7676,25 +8076,35 @@
             <a:pPr marL="0" indent="0">
               <a:buNone/>
             </a:pPr>
-            <a:endParaRPr lang="en-IN" dirty="0"/>
+            <a:endParaRPr lang="en-IN" sz="2400" dirty="0">
+              <a:latin typeface="+mj-lt"/>
+            </a:endParaRPr>
           </a:p>
           <a:p>
             <a:pPr marL="514350" indent="-514350">
               <a:buAutoNum type="alphaLcParenR"/>
             </a:pPr>
             <a:r>
-              <a:rPr lang="en-IN" dirty="0"/>
+              <a:rPr lang="en-IN" sz="2400" dirty="0">
+                <a:latin typeface="+mj-lt"/>
+              </a:rPr>
               <a:t>Stateless widgets do not require mutable state, i.e., it is </a:t>
             </a:r>
             <a:r>
-              <a:rPr lang="en-IN" b="1" dirty="0"/>
+              <a:rPr lang="en-IN" sz="2400" b="1" dirty="0">
+                <a:latin typeface="+mj-lt"/>
+              </a:rPr>
               <a:t>immutable</a:t>
             </a:r>
             <a:r>
-              <a:rPr lang="en-IN" dirty="0"/>
+              <a:rPr lang="en-IN" sz="2400" dirty="0">
+                <a:latin typeface="+mj-lt"/>
+              </a:rPr>
               <a:t>.</a:t>
             </a:r>
-            <a:endParaRPr lang="en-US" dirty="0"/>
+            <a:endParaRPr lang="en-US" sz="2400" dirty="0">
+              <a:latin typeface="+mj-lt"/>
+            </a:endParaRPr>
           </a:p>
         </p:txBody>
       </p:sp>
@@ -7744,19 +8154,32 @@
             <p:ph type="title"/>
           </p:nvPr>
         </p:nvSpPr>
-        <p:spPr/>
-        <p:txBody>
-          <a:bodyPr/>
-          <a:lstStyle/>
-          <a:p>
-            <a:r>
-              <a:rPr lang="en-IN" dirty="0"/>
+        <p:spPr>
+          <a:xfrm>
+            <a:off x="838200" y="365125"/>
+            <a:ext cx="10515600" cy="798657"/>
+          </a:xfrm>
+        </p:spPr>
+        <p:txBody>
+          <a:bodyPr>
+            <a:noAutofit/>
+          </a:bodyPr>
+          <a:lstStyle/>
+          <a:p>
+            <a:r>
+              <a:rPr lang="en-IN" sz="3200" dirty="0">
+                <a:latin typeface="+mn-lt"/>
+              </a:rPr>
               <a:t>Stateless widget</a:t>
             </a:r>
             <a:br>
-              <a:rPr lang="en-IN" dirty="0"/>
+              <a:rPr lang="en-IN" sz="3200" dirty="0">
+                <a:latin typeface="+mn-lt"/>
+              </a:rPr>
             </a:br>
-            <a:endParaRPr lang="en-US" dirty="0"/>
+            <a:endParaRPr lang="en-US" sz="3200" dirty="0">
+              <a:latin typeface="+mn-lt"/>
+            </a:endParaRPr>
           </a:p>
         </p:txBody>
       </p:sp>
@@ -7784,8 +8207,8 @@
         </p:blipFill>
         <p:spPr>
           <a:xfrm>
-            <a:off x="838200" y="1451292"/>
-            <a:ext cx="8882906" cy="5056187"/>
+            <a:off x="2004374" y="1163782"/>
+            <a:ext cx="8183251" cy="5056187"/>
           </a:xfrm>
         </p:spPr>
       </p:pic>
